--- a/7 - Etapa de la justificación.pptx
+++ b/7 - Etapa de la justificación.pptx
@@ -6,6 +6,7 @@
   </p:sldMasterIdLst>
   <p:sldIdLst>
     <p:sldId id="256" r:id="rId2"/>
+    <p:sldId id="257" r:id="rId3"/>
   </p:sldIdLst>
   <p:sldSz cx="9144000" cy="6858000" type="screen4x3"/>
   <p:notesSz cx="6858000" cy="9144000"/>
@@ -3143,7 +3144,7 @@
         </p:nvSpPr>
         <p:spPr>
           <a:xfrm>
-            <a:off x="1187624" y="3861048"/>
+            <a:off x="1623628" y="3861048"/>
             <a:ext cx="6400800" cy="1752600"/>
           </a:xfrm>
         </p:spPr>
@@ -3230,7 +3231,40 @@
           <a:p>
             <a:r>
               <a:rPr lang="es-MX" dirty="0" smtClean="0"/>
-              <a:t>JOSE DAVID BOJORQUEZ CHATHAM</a:t>
+              <a:t>CHATHAM</a:t>
+            </a:r>
+            <a:endParaRPr lang="es-MX" dirty="0"/>
+          </a:p>
+        </p:txBody>
+      </p:sp>
+      <p:sp>
+        <p:nvSpPr>
+          <p:cNvPr id="4" name="3 Rectángulo"/>
+          <p:cNvSpPr/>
+          <p:nvPr/>
+        </p:nvSpPr>
+        <p:spPr>
+          <a:xfrm>
+            <a:off x="3865563" y="2864535"/>
+            <a:ext cx="2286000" cy="646331"/>
+          </a:xfrm>
+          <a:prstGeom prst="rect">
+            <a:avLst/>
+          </a:prstGeom>
+        </p:spPr>
+        <p:txBody>
+          <a:bodyPr>
+            <a:spAutoFit/>
+          </a:bodyPr>
+          <a:lstStyle/>
+          <a:p>
+            <a:r>
+              <a:rPr lang="es-MX" dirty="0">
+                <a:solidFill>
+                  <a:prstClr val="black"/>
+                </a:solidFill>
+              </a:rPr>
+              <a:t>JOSE DAVID BOJORQUEZ </a:t>
             </a:r>
             <a:endParaRPr lang="es-MX" dirty="0"/>
           </a:p>
@@ -3240,6 +3274,78 @@
     <p:extLst>
       <p:ext uri="{BB962C8B-B14F-4D97-AF65-F5344CB8AC3E}">
         <p14:creationId xmlns:p14="http://schemas.microsoft.com/office/powerpoint/2010/main" val="752822071"/>
+      </p:ext>
+    </p:extLst>
+  </p:cSld>
+  <p:clrMapOvr>
+    <a:masterClrMapping/>
+  </p:clrMapOvr>
+</p:sld>
+</file>
+
+<file path=ppt/slides/slide2.xml><?xml version="1.0" encoding="utf-8"?>
+<p:sld xmlns:a="http://schemas.openxmlformats.org/drawingml/2006/main" xmlns:r="http://schemas.openxmlformats.org/officeDocument/2006/relationships" xmlns:p="http://schemas.openxmlformats.org/presentationml/2006/main">
+  <p:cSld>
+    <p:spTree>
+      <p:nvGrpSpPr>
+        <p:cNvPr id="1" name=""/>
+        <p:cNvGrpSpPr/>
+        <p:nvPr/>
+      </p:nvGrpSpPr>
+      <p:grpSpPr>
+        <a:xfrm>
+          <a:off x="0" y="0"/>
+          <a:ext cx="0" cy="0"/>
+          <a:chOff x="0" y="0"/>
+          <a:chExt cx="0" cy="0"/>
+        </a:xfrm>
+      </p:grpSpPr>
+      <p:sp>
+        <p:nvSpPr>
+          <p:cNvPr id="2" name="1 Título"/>
+          <p:cNvSpPr>
+            <a:spLocks noGrp="1"/>
+          </p:cNvSpPr>
+          <p:nvPr>
+            <p:ph type="title"/>
+          </p:nvPr>
+        </p:nvSpPr>
+        <p:spPr>
+          <a:xfrm>
+            <a:off x="539552" y="476672"/>
+            <a:ext cx="8229600" cy="1143000"/>
+          </a:xfrm>
+        </p:spPr>
+        <p:txBody>
+          <a:bodyPr>
+            <a:noAutofit/>
+          </a:bodyPr>
+          <a:lstStyle/>
+          <a:p>
+            <a:pPr algn="l"/>
+            <a:r>
+              <a:rPr lang="es-MX" sz="2800" dirty="0" smtClean="0">
+                <a:solidFill>
+                  <a:srgbClr val="FF0000"/>
+                </a:solidFill>
+              </a:rPr>
+              <a:t>Jesús Antonio ramos sauceda</a:t>
+            </a:r>
+            <a:r>
+              <a:rPr lang="es-MX" sz="2800" dirty="0" smtClean="0"/>
+              <a:t>: buenos temas pero falta información.</a:t>
+            </a:r>
+            <a:br>
+              <a:rPr lang="es-MX" sz="2800" dirty="0" smtClean="0"/>
+            </a:br>
+            <a:endParaRPr lang="es-MX" sz="2800" dirty="0"/>
+          </a:p>
+        </p:txBody>
+      </p:sp>
+    </p:spTree>
+    <p:extLst>
+      <p:ext uri="{BB962C8B-B14F-4D97-AF65-F5344CB8AC3E}">
+        <p14:creationId xmlns:p14="http://schemas.microsoft.com/office/powerpoint/2010/main" val="290780185"/>
       </p:ext>
     </p:extLst>
   </p:cSld>

--- a/7 - Etapa de la justificación.pptx
+++ b/7 - Etapa de la justificación.pptx
@@ -289,7 +289,7 @@
           <a:p>
             <a:fld id="{A7FEB2D6-495D-4236-B837-9393FEE4B86F}" type="datetimeFigureOut">
               <a:rPr lang="es-MX" smtClean="0"/>
-              <a:t>21/05/2015</a:t>
+              <a:t>24/05/2015</a:t>
             </a:fld>
             <a:endParaRPr lang="es-MX"/>
           </a:p>
@@ -459,7 +459,7 @@
           <a:p>
             <a:fld id="{A7FEB2D6-495D-4236-B837-9393FEE4B86F}" type="datetimeFigureOut">
               <a:rPr lang="es-MX" smtClean="0"/>
-              <a:t>21/05/2015</a:t>
+              <a:t>24/05/2015</a:t>
             </a:fld>
             <a:endParaRPr lang="es-MX"/>
           </a:p>
@@ -639,7 +639,7 @@
           <a:p>
             <a:fld id="{A7FEB2D6-495D-4236-B837-9393FEE4B86F}" type="datetimeFigureOut">
               <a:rPr lang="es-MX" smtClean="0"/>
-              <a:t>21/05/2015</a:t>
+              <a:t>24/05/2015</a:t>
             </a:fld>
             <a:endParaRPr lang="es-MX"/>
           </a:p>
@@ -809,7 +809,7 @@
           <a:p>
             <a:fld id="{A7FEB2D6-495D-4236-B837-9393FEE4B86F}" type="datetimeFigureOut">
               <a:rPr lang="es-MX" smtClean="0"/>
-              <a:t>21/05/2015</a:t>
+              <a:t>24/05/2015</a:t>
             </a:fld>
             <a:endParaRPr lang="es-MX"/>
           </a:p>
@@ -1055,7 +1055,7 @@
           <a:p>
             <a:fld id="{A7FEB2D6-495D-4236-B837-9393FEE4B86F}" type="datetimeFigureOut">
               <a:rPr lang="es-MX" smtClean="0"/>
-              <a:t>21/05/2015</a:t>
+              <a:t>24/05/2015</a:t>
             </a:fld>
             <a:endParaRPr lang="es-MX"/>
           </a:p>
@@ -1343,7 +1343,7 @@
           <a:p>
             <a:fld id="{A7FEB2D6-495D-4236-B837-9393FEE4B86F}" type="datetimeFigureOut">
               <a:rPr lang="es-MX" smtClean="0"/>
-              <a:t>21/05/2015</a:t>
+              <a:t>24/05/2015</a:t>
             </a:fld>
             <a:endParaRPr lang="es-MX"/>
           </a:p>
@@ -1765,7 +1765,7 @@
           <a:p>
             <a:fld id="{A7FEB2D6-495D-4236-B837-9393FEE4B86F}" type="datetimeFigureOut">
               <a:rPr lang="es-MX" smtClean="0"/>
-              <a:t>21/05/2015</a:t>
+              <a:t>24/05/2015</a:t>
             </a:fld>
             <a:endParaRPr lang="es-MX"/>
           </a:p>
@@ -1883,7 +1883,7 @@
           <a:p>
             <a:fld id="{A7FEB2D6-495D-4236-B837-9393FEE4B86F}" type="datetimeFigureOut">
               <a:rPr lang="es-MX" smtClean="0"/>
-              <a:t>21/05/2015</a:t>
+              <a:t>24/05/2015</a:t>
             </a:fld>
             <a:endParaRPr lang="es-MX"/>
           </a:p>
@@ -1978,7 +1978,7 @@
           <a:p>
             <a:fld id="{A7FEB2D6-495D-4236-B837-9393FEE4B86F}" type="datetimeFigureOut">
               <a:rPr lang="es-MX" smtClean="0"/>
-              <a:t>21/05/2015</a:t>
+              <a:t>24/05/2015</a:t>
             </a:fld>
             <a:endParaRPr lang="es-MX"/>
           </a:p>
@@ -2255,7 +2255,7 @@
           <a:p>
             <a:fld id="{A7FEB2D6-495D-4236-B837-9393FEE4B86F}" type="datetimeFigureOut">
               <a:rPr lang="es-MX" smtClean="0"/>
-              <a:t>21/05/2015</a:t>
+              <a:t>24/05/2015</a:t>
             </a:fld>
             <a:endParaRPr lang="es-MX"/>
           </a:p>
@@ -2508,7 +2508,7 @@
           <a:p>
             <a:fld id="{A7FEB2D6-495D-4236-B837-9393FEE4B86F}" type="datetimeFigureOut">
               <a:rPr lang="es-MX" smtClean="0"/>
-              <a:t>21/05/2015</a:t>
+              <a:t>24/05/2015</a:t>
             </a:fld>
             <a:endParaRPr lang="es-MX"/>
           </a:p>
@@ -2721,7 +2721,7 @@
           <a:p>
             <a:fld id="{A7FEB2D6-495D-4236-B837-9393FEE4B86F}" type="datetimeFigureOut">
               <a:rPr lang="es-MX" smtClean="0"/>
-              <a:t>21/05/2015</a:t>
+              <a:t>24/05/2015</a:t>
             </a:fld>
             <a:endParaRPr lang="es-MX"/>
           </a:p>
@@ -3334,6 +3334,64 @@
             <a:r>
               <a:rPr lang="es-MX" sz="2800" dirty="0" smtClean="0"/>
               <a:t>: buenos temas pero falta información.</a:t>
+            </a:r>
+            <a:br>
+              <a:rPr lang="es-MX" sz="2800" dirty="0" smtClean="0"/>
+            </a:br>
+            <a:endParaRPr lang="es-MX" sz="2800" dirty="0"/>
+          </a:p>
+        </p:txBody>
+      </p:sp>
+      <p:sp>
+        <p:nvSpPr>
+          <p:cNvPr id="3" name="1 Título"/>
+          <p:cNvSpPr txBox="1">
+            <a:spLocks/>
+          </p:cNvSpPr>
+          <p:nvPr/>
+        </p:nvSpPr>
+        <p:spPr>
+          <a:xfrm>
+            <a:off x="539552" y="1412776"/>
+            <a:ext cx="8229600" cy="1143000"/>
+          </a:xfrm>
+          <a:prstGeom prst="rect">
+            <a:avLst/>
+          </a:prstGeom>
+        </p:spPr>
+        <p:txBody>
+          <a:bodyPr vert="horz" lIns="91440" tIns="45720" rIns="91440" bIns="45720" rtlCol="0" anchor="ctr">
+            <a:noAutofit/>
+          </a:bodyPr>
+          <a:lstStyle>
+            <a:lvl1pPr algn="ctr" defTabSz="914400" rtl="0" eaLnBrk="1" latinLnBrk="0" hangingPunct="1">
+              <a:spcBef>
+                <a:spcPct val="0"/>
+              </a:spcBef>
+              <a:buNone/>
+              <a:defRPr sz="4400" kern="1200">
+                <a:solidFill>
+                  <a:schemeClr val="tx1"/>
+                </a:solidFill>
+                <a:latin typeface="+mj-lt"/>
+                <a:ea typeface="+mj-ea"/>
+                <a:cs typeface="+mj-cs"/>
+              </a:defRPr>
+            </a:lvl1pPr>
+          </a:lstStyle>
+          <a:p>
+            <a:pPr algn="l"/>
+            <a:r>
+              <a:rPr lang="es-MX" sz="2800" dirty="0" err="1" smtClean="0">
+                <a:solidFill>
+                  <a:srgbClr val="FF0000"/>
+                </a:solidFill>
+              </a:rPr>
+              <a:t>Hector</a:t>
+            </a:r>
+            <a:r>
+              <a:rPr lang="es-MX" sz="2800" dirty="0" smtClean="0"/>
+              <a:t>: interesantes temas para investigar, ojala encuentres información y la puedas acomodar.</a:t>
             </a:r>
             <a:br>
               <a:rPr lang="es-MX" sz="2800" dirty="0" smtClean="0"/>

--- a/7 - Etapa de la justificación.pptx
+++ b/7 - Etapa de la justificación.pptx
@@ -3392,6 +3392,72 @@
             <a:r>
               <a:rPr lang="es-MX" sz="2800" dirty="0" smtClean="0"/>
               <a:t>: interesantes temas para investigar, ojala encuentres información y la puedas acomodar.</a:t>
+            </a:r>
+            <a:br>
+              <a:rPr lang="es-MX" sz="2800" dirty="0" smtClean="0"/>
+            </a:br>
+            <a:endParaRPr lang="es-MX" sz="2800" dirty="0"/>
+          </a:p>
+        </p:txBody>
+      </p:sp>
+      <p:sp>
+        <p:nvSpPr>
+          <p:cNvPr id="4" name="1 Título"/>
+          <p:cNvSpPr txBox="1">
+            <a:spLocks/>
+          </p:cNvSpPr>
+          <p:nvPr/>
+        </p:nvSpPr>
+        <p:spPr>
+          <a:xfrm>
+            <a:off x="539552" y="2596952"/>
+            <a:ext cx="8229600" cy="1143000"/>
+          </a:xfrm>
+          <a:prstGeom prst="rect">
+            <a:avLst/>
+          </a:prstGeom>
+        </p:spPr>
+        <p:txBody>
+          <a:bodyPr vert="horz" lIns="91440" tIns="45720" rIns="91440" bIns="45720" rtlCol="0" anchor="ctr">
+            <a:noAutofit/>
+          </a:bodyPr>
+          <a:lstStyle>
+            <a:lvl1pPr algn="ctr" defTabSz="914400" rtl="0" eaLnBrk="1" latinLnBrk="0" hangingPunct="1">
+              <a:spcBef>
+                <a:spcPct val="0"/>
+              </a:spcBef>
+              <a:buNone/>
+              <a:defRPr sz="4400" kern="1200">
+                <a:solidFill>
+                  <a:schemeClr val="tx1"/>
+                </a:solidFill>
+                <a:latin typeface="+mj-lt"/>
+                <a:ea typeface="+mj-ea"/>
+                <a:cs typeface="+mj-cs"/>
+              </a:defRPr>
+            </a:lvl1pPr>
+          </a:lstStyle>
+          <a:p>
+            <a:pPr algn="l"/>
+            <a:r>
+              <a:rPr lang="es-MX" sz="2800" dirty="0" smtClean="0">
+                <a:solidFill>
+                  <a:srgbClr val="FF0000"/>
+                </a:solidFill>
+              </a:rPr>
+              <a:t>Oscar</a:t>
+            </a:r>
+            <a:r>
+              <a:rPr lang="es-MX" sz="2800" dirty="0" smtClean="0"/>
+              <a:t>: Temas interesantes. Hace </a:t>
+            </a:r>
+            <a:r>
+              <a:rPr lang="es-MX" sz="2800" smtClean="0"/>
+              <a:t>falta información.</a:t>
+            </a:r>
+            <a:r>
+              <a:rPr lang="es-MX" sz="2800" dirty="0" smtClean="0"/>
+              <a:t/>
             </a:r>
             <a:br>
               <a:rPr lang="es-MX" sz="2800" dirty="0" smtClean="0"/>

--- a/7 - Etapa de la justificación.pptx
+++ b/7 - Etapa de la justificación.pptx
@@ -3449,11 +3449,73 @@
             </a:r>
             <a:r>
               <a:rPr lang="es-MX" sz="2800" dirty="0" smtClean="0"/>
-              <a:t>: Temas interesantes. Hace </a:t>
-            </a:r>
-            <a:r>
-              <a:rPr lang="es-MX" sz="2800" smtClean="0"/>
-              <a:t>falta información.</a:t>
+              <a:t>: Temas interesantes. Hace falta información.</a:t>
+            </a:r>
+            <a:br>
+              <a:rPr lang="es-MX" sz="2800" dirty="0" smtClean="0"/>
+            </a:br>
+            <a:endParaRPr lang="es-MX" sz="2800" dirty="0"/>
+          </a:p>
+        </p:txBody>
+      </p:sp>
+      <p:sp>
+        <p:nvSpPr>
+          <p:cNvPr id="5" name="1 Título"/>
+          <p:cNvSpPr txBox="1">
+            <a:spLocks/>
+          </p:cNvSpPr>
+          <p:nvPr/>
+        </p:nvSpPr>
+        <p:spPr>
+          <a:xfrm>
+            <a:off x="539552" y="3573016"/>
+            <a:ext cx="8229600" cy="1143000"/>
+          </a:xfrm>
+          <a:prstGeom prst="rect">
+            <a:avLst/>
+          </a:prstGeom>
+        </p:spPr>
+        <p:txBody>
+          <a:bodyPr vert="horz" lIns="91440" tIns="45720" rIns="91440" bIns="45720" rtlCol="0" anchor="ctr">
+            <a:noAutofit/>
+          </a:bodyPr>
+          <a:lstStyle>
+            <a:lvl1pPr algn="ctr" defTabSz="914400" rtl="0" eaLnBrk="1" latinLnBrk="0" hangingPunct="1">
+              <a:spcBef>
+                <a:spcPct val="0"/>
+              </a:spcBef>
+              <a:buNone/>
+              <a:defRPr sz="4400" kern="1200">
+                <a:solidFill>
+                  <a:schemeClr val="tx1"/>
+                </a:solidFill>
+                <a:latin typeface="+mj-lt"/>
+                <a:ea typeface="+mj-ea"/>
+                <a:cs typeface="+mj-cs"/>
+              </a:defRPr>
+            </a:lvl1pPr>
+          </a:lstStyle>
+          <a:p>
+            <a:pPr algn="l"/>
+            <a:r>
+              <a:rPr lang="es-MX" sz="2800" dirty="0" smtClean="0">
+                <a:solidFill>
+                  <a:srgbClr val="FF0000"/>
+                </a:solidFill>
+              </a:rPr>
+              <a:t>Manuel</a:t>
+            </a:r>
+            <a:r>
+              <a:rPr lang="es-MX" sz="2800" dirty="0" smtClean="0"/>
+              <a:t>: Hace </a:t>
+            </a:r>
+            <a:r>
+              <a:rPr lang="es-MX" sz="2800" dirty="0" smtClean="0"/>
+              <a:t>falta </a:t>
+            </a:r>
+            <a:r>
+              <a:rPr lang="es-MX" sz="2800" dirty="0" smtClean="0"/>
+              <a:t>información compañero</a:t>
             </a:r>
             <a:r>
               <a:rPr lang="es-MX" sz="2800" dirty="0" smtClean="0"/>

--- a/7 - Etapa de la justificación.pptx
+++ b/7 - Etapa de la justificación.pptx
@@ -289,7 +289,7 @@
           <a:p>
             <a:fld id="{A7FEB2D6-495D-4236-B837-9393FEE4B86F}" type="datetimeFigureOut">
               <a:rPr lang="es-MX" smtClean="0"/>
-              <a:t>24/05/2015</a:t>
+              <a:t>25/05/2015</a:t>
             </a:fld>
             <a:endParaRPr lang="es-MX"/>
           </a:p>
@@ -459,7 +459,7 @@
           <a:p>
             <a:fld id="{A7FEB2D6-495D-4236-B837-9393FEE4B86F}" type="datetimeFigureOut">
               <a:rPr lang="es-MX" smtClean="0"/>
-              <a:t>24/05/2015</a:t>
+              <a:t>25/05/2015</a:t>
             </a:fld>
             <a:endParaRPr lang="es-MX"/>
           </a:p>
@@ -639,7 +639,7 @@
           <a:p>
             <a:fld id="{A7FEB2D6-495D-4236-B837-9393FEE4B86F}" type="datetimeFigureOut">
               <a:rPr lang="es-MX" smtClean="0"/>
-              <a:t>24/05/2015</a:t>
+              <a:t>25/05/2015</a:t>
             </a:fld>
             <a:endParaRPr lang="es-MX"/>
           </a:p>
@@ -809,7 +809,7 @@
           <a:p>
             <a:fld id="{A7FEB2D6-495D-4236-B837-9393FEE4B86F}" type="datetimeFigureOut">
               <a:rPr lang="es-MX" smtClean="0"/>
-              <a:t>24/05/2015</a:t>
+              <a:t>25/05/2015</a:t>
             </a:fld>
             <a:endParaRPr lang="es-MX"/>
           </a:p>
@@ -1055,7 +1055,7 @@
           <a:p>
             <a:fld id="{A7FEB2D6-495D-4236-B837-9393FEE4B86F}" type="datetimeFigureOut">
               <a:rPr lang="es-MX" smtClean="0"/>
-              <a:t>24/05/2015</a:t>
+              <a:t>25/05/2015</a:t>
             </a:fld>
             <a:endParaRPr lang="es-MX"/>
           </a:p>
@@ -1343,7 +1343,7 @@
           <a:p>
             <a:fld id="{A7FEB2D6-495D-4236-B837-9393FEE4B86F}" type="datetimeFigureOut">
               <a:rPr lang="es-MX" smtClean="0"/>
-              <a:t>24/05/2015</a:t>
+              <a:t>25/05/2015</a:t>
             </a:fld>
             <a:endParaRPr lang="es-MX"/>
           </a:p>
@@ -1765,7 +1765,7 @@
           <a:p>
             <a:fld id="{A7FEB2D6-495D-4236-B837-9393FEE4B86F}" type="datetimeFigureOut">
               <a:rPr lang="es-MX" smtClean="0"/>
-              <a:t>24/05/2015</a:t>
+              <a:t>25/05/2015</a:t>
             </a:fld>
             <a:endParaRPr lang="es-MX"/>
           </a:p>
@@ -1883,7 +1883,7 @@
           <a:p>
             <a:fld id="{A7FEB2D6-495D-4236-B837-9393FEE4B86F}" type="datetimeFigureOut">
               <a:rPr lang="es-MX" smtClean="0"/>
-              <a:t>24/05/2015</a:t>
+              <a:t>25/05/2015</a:t>
             </a:fld>
             <a:endParaRPr lang="es-MX"/>
           </a:p>
@@ -1978,7 +1978,7 @@
           <a:p>
             <a:fld id="{A7FEB2D6-495D-4236-B837-9393FEE4B86F}" type="datetimeFigureOut">
               <a:rPr lang="es-MX" smtClean="0"/>
-              <a:t>24/05/2015</a:t>
+              <a:t>25/05/2015</a:t>
             </a:fld>
             <a:endParaRPr lang="es-MX"/>
           </a:p>
@@ -2255,7 +2255,7 @@
           <a:p>
             <a:fld id="{A7FEB2D6-495D-4236-B837-9393FEE4B86F}" type="datetimeFigureOut">
               <a:rPr lang="es-MX" smtClean="0"/>
-              <a:t>24/05/2015</a:t>
+              <a:t>25/05/2015</a:t>
             </a:fld>
             <a:endParaRPr lang="es-MX"/>
           </a:p>
@@ -2508,7 +2508,7 @@
           <a:p>
             <a:fld id="{A7FEB2D6-495D-4236-B837-9393FEE4B86F}" type="datetimeFigureOut">
               <a:rPr lang="es-MX" smtClean="0"/>
-              <a:t>24/05/2015</a:t>
+              <a:t>25/05/2015</a:t>
             </a:fld>
             <a:endParaRPr lang="es-MX"/>
           </a:p>
@@ -2721,7 +2721,7 @@
           <a:p>
             <a:fld id="{A7FEB2D6-495D-4236-B837-9393FEE4B86F}" type="datetimeFigureOut">
               <a:rPr lang="es-MX" smtClean="0"/>
-              <a:t>24/05/2015</a:t>
+              <a:t>25/05/2015</a:t>
             </a:fld>
             <a:endParaRPr lang="es-MX"/>
           </a:p>
@@ -3507,19 +3507,69 @@
             </a:r>
             <a:r>
               <a:rPr lang="es-MX" sz="2800" dirty="0" smtClean="0"/>
-              <a:t>: Hace </a:t>
-            </a:r>
-            <a:r>
+              <a:t>: Hace falta información compañero</a:t>
+            </a:r>
+            <a:br>
               <a:rPr lang="es-MX" sz="2800" dirty="0" smtClean="0"/>
-              <a:t>falta </a:t>
+            </a:br>
+            <a:endParaRPr lang="es-MX" sz="2800" dirty="0"/>
+          </a:p>
+        </p:txBody>
+      </p:sp>
+      <p:sp>
+        <p:nvSpPr>
+          <p:cNvPr id="6" name="1 Título"/>
+          <p:cNvSpPr txBox="1">
+            <a:spLocks/>
+          </p:cNvSpPr>
+          <p:nvPr/>
+        </p:nvSpPr>
+        <p:spPr>
+          <a:xfrm>
+            <a:off x="539552" y="5157192"/>
+            <a:ext cx="8229600" cy="1143000"/>
+          </a:xfrm>
+          <a:prstGeom prst="rect">
+            <a:avLst/>
+          </a:prstGeom>
+        </p:spPr>
+        <p:txBody>
+          <a:bodyPr vert="horz" lIns="91440" tIns="45720" rIns="91440" bIns="45720" rtlCol="0" anchor="ctr">
+            <a:noAutofit/>
+          </a:bodyPr>
+          <a:lstStyle>
+            <a:lvl1pPr algn="ctr" defTabSz="914400" rtl="0" eaLnBrk="1" latinLnBrk="0" hangingPunct="1">
+              <a:spcBef>
+                <a:spcPct val="0"/>
+              </a:spcBef>
+              <a:buNone/>
+              <a:defRPr sz="4400" kern="1200">
+                <a:solidFill>
+                  <a:schemeClr val="tx1"/>
+                </a:solidFill>
+                <a:latin typeface="+mj-lt"/>
+                <a:ea typeface="+mj-ea"/>
+                <a:cs typeface="+mj-cs"/>
+              </a:defRPr>
+            </a:lvl1pPr>
+          </a:lstStyle>
+          <a:p>
+            <a:pPr algn="l"/>
+            <a:r>
+              <a:rPr lang="es-MX" sz="2800" dirty="0" err="1" smtClean="0">
+                <a:solidFill>
+                  <a:srgbClr val="FF0000"/>
+                </a:solidFill>
+              </a:rPr>
+              <a:t>jonathan</a:t>
             </a:r>
             <a:r>
               <a:rPr lang="es-MX" sz="2800" dirty="0" smtClean="0"/>
-              <a:t>información compañero</a:t>
+              <a:t>: </a:t>
             </a:r>
             <a:r>
               <a:rPr lang="es-MX" sz="2800" dirty="0" smtClean="0"/>
-              <a:t/>
+              <a:t>Hace falta información compañero</a:t>
             </a:r>
             <a:br>
               <a:rPr lang="es-MX" sz="2800" dirty="0" smtClean="0"/>

--- a/7 - Etapa de la justificación.pptx
+++ b/7 - Etapa de la justificación.pptx
@@ -6,7 +6,9 @@
   </p:sldMasterIdLst>
   <p:sldIdLst>
     <p:sldId id="256" r:id="rId2"/>
-    <p:sldId id="257" r:id="rId3"/>
+    <p:sldId id="258" r:id="rId3"/>
+    <p:sldId id="259" r:id="rId4"/>
+    <p:sldId id="257" r:id="rId5"/>
   </p:sldIdLst>
   <p:sldSz cx="9144000" cy="6858000" type="screen4x3"/>
   <p:notesSz cx="6858000" cy="9144000"/>
@@ -3310,6 +3312,300 @@
             <p:ph type="title"/>
           </p:nvPr>
         </p:nvSpPr>
+        <p:spPr/>
+        <p:txBody>
+          <a:bodyPr/>
+          <a:lstStyle/>
+          <a:p>
+            <a:pPr lvl="1" algn="ctr" rtl="0">
+              <a:spcBef>
+                <a:spcPct val="0"/>
+              </a:spcBef>
+            </a:pPr>
+            <a:r>
+              <a:rPr lang="es-ES_tradnl" sz="2400" b="1" dirty="0" smtClean="0">
+                <a:solidFill>
+                  <a:schemeClr val="tx2">
+                    <a:lumMod val="60000"/>
+                    <a:lumOff val="40000"/>
+                  </a:schemeClr>
+                </a:solidFill>
+              </a:rPr>
+              <a:t>Áreas de oportunidad para la función de informática</a:t>
+            </a:r>
+            <a:r>
+              <a:rPr lang="es-MX" sz="3200" dirty="0" smtClean="0"/>
+              <a:t/>
+            </a:r>
+            <a:br>
+              <a:rPr lang="es-MX" sz="3200" dirty="0" smtClean="0"/>
+            </a:br>
+            <a:endParaRPr lang="es-MX" dirty="0"/>
+          </a:p>
+        </p:txBody>
+      </p:sp>
+      <p:sp>
+        <p:nvSpPr>
+          <p:cNvPr id="3" name="2 Marcador de contenido"/>
+          <p:cNvSpPr>
+            <a:spLocks noGrp="1"/>
+          </p:cNvSpPr>
+          <p:nvPr>
+            <p:ph idx="1"/>
+          </p:nvPr>
+        </p:nvSpPr>
+        <p:spPr>
+          <a:xfrm>
+            <a:off x="457200" y="1268760"/>
+            <a:ext cx="8229600" cy="4857403"/>
+          </a:xfrm>
+        </p:spPr>
+        <p:txBody>
+          <a:bodyPr>
+            <a:normAutofit lnSpcReduction="10000"/>
+          </a:bodyPr>
+          <a:lstStyle/>
+          <a:p>
+            <a:r>
+              <a:rPr lang="es-MX" sz="2400" dirty="0"/>
+              <a:t>La informática  como ciencia que estudia  que estudia las estructura de la información a través de sistemas computarizado, presenta una gama de oportunidades al desarrollo de esta. Como creando novedosos sistemas informáticos adecuándose al desarrollo del mundo del área de la informática. Crear novedoso sistemas de alta tecnología. </a:t>
+            </a:r>
+            <a:endParaRPr lang="es-MX" sz="2400" dirty="0" smtClean="0"/>
+          </a:p>
+          <a:p>
+            <a:endParaRPr lang="es-MX" sz="2400" dirty="0" smtClean="0"/>
+          </a:p>
+          <a:p>
+            <a:r>
+              <a:rPr lang="es-MX" sz="2400" dirty="0" smtClean="0"/>
+              <a:t>Hacerle </a:t>
+            </a:r>
+            <a:r>
+              <a:rPr lang="es-MX" sz="2400" dirty="0"/>
+              <a:t>la vida más fácil al hombre a través de modernos y grandes  sistemas. Generar empleo de alto desarrollo a nivel de sistema. Contribuir al desarrollo de estrategias al mundo de la informática, para un mejor uso de los sistemas. Adecuar los procesos industriales al mundo informático, por completo. </a:t>
+            </a:r>
+            <a:r>
+              <a:rPr lang="es-MX" sz="2400" dirty="0"/>
+              <a:t/>
+            </a:r>
+            <a:br>
+              <a:rPr lang="es-MX" sz="2400" dirty="0"/>
+            </a:br>
+            <a:endParaRPr lang="es-MX" sz="2400" dirty="0"/>
+          </a:p>
+        </p:txBody>
+      </p:sp>
+    </p:spTree>
+    <p:extLst>
+      <p:ext uri="{BB962C8B-B14F-4D97-AF65-F5344CB8AC3E}">
+        <p14:creationId xmlns:p14="http://schemas.microsoft.com/office/powerpoint/2010/main" val="1470219667"/>
+      </p:ext>
+    </p:extLst>
+  </p:cSld>
+  <p:clrMapOvr>
+    <a:masterClrMapping/>
+  </p:clrMapOvr>
+</p:sld>
+</file>
+
+<file path=ppt/slides/slide3.xml><?xml version="1.0" encoding="utf-8"?>
+<p:sld xmlns:a="http://schemas.openxmlformats.org/drawingml/2006/main" xmlns:r="http://schemas.openxmlformats.org/officeDocument/2006/relationships" xmlns:p="http://schemas.openxmlformats.org/presentationml/2006/main">
+  <p:cSld>
+    <p:spTree>
+      <p:nvGrpSpPr>
+        <p:cNvPr id="1" name=""/>
+        <p:cNvGrpSpPr/>
+        <p:nvPr/>
+      </p:nvGrpSpPr>
+      <p:grpSpPr>
+        <a:xfrm>
+          <a:off x="0" y="0"/>
+          <a:ext cx="0" cy="0"/>
+          <a:chOff x="0" y="0"/>
+          <a:chExt cx="0" cy="0"/>
+        </a:xfrm>
+      </p:grpSpPr>
+      <p:sp>
+        <p:nvSpPr>
+          <p:cNvPr id="2" name="1 Título"/>
+          <p:cNvSpPr>
+            <a:spLocks noGrp="1"/>
+          </p:cNvSpPr>
+          <p:nvPr>
+            <p:ph type="title"/>
+          </p:nvPr>
+        </p:nvSpPr>
+        <p:spPr/>
+        <p:txBody>
+          <a:bodyPr/>
+          <a:lstStyle/>
+          <a:p>
+            <a:endParaRPr lang="es-MX" dirty="0"/>
+          </a:p>
+        </p:txBody>
+      </p:sp>
+      <p:sp>
+        <p:nvSpPr>
+          <p:cNvPr id="3" name="2 Marcador de contenido"/>
+          <p:cNvSpPr>
+            <a:spLocks noGrp="1"/>
+          </p:cNvSpPr>
+          <p:nvPr>
+            <p:ph idx="1"/>
+          </p:nvPr>
+        </p:nvSpPr>
+        <p:spPr/>
+        <p:txBody>
+          <a:bodyPr>
+            <a:normAutofit fontScale="32500" lnSpcReduction="20000"/>
+          </a:bodyPr>
+          <a:lstStyle/>
+          <a:p>
+            <a:r>
+              <a:rPr lang="es-MX" sz="6000" dirty="0"/>
+              <a:t> Ser </a:t>
+            </a:r>
+            <a:r>
+              <a:rPr lang="es-MX" sz="6000" dirty="0" smtClean="0"/>
+              <a:t>un profesional en la  informática nos permite desenvolvernos como </a:t>
+            </a:r>
+            <a:r>
+              <a:rPr lang="es-MX" sz="6000" dirty="0"/>
+              <a:t>programador, </a:t>
+            </a:r>
+            <a:r>
+              <a:rPr lang="es-MX" sz="6000" dirty="0" smtClean="0"/>
+              <a:t>mantenimiento de los sistemas de computo, </a:t>
+            </a:r>
+            <a:r>
+              <a:rPr lang="es-MX" sz="6000" dirty="0"/>
+              <a:t>redes, </a:t>
+            </a:r>
+            <a:r>
+              <a:rPr lang="es-MX" sz="6000" dirty="0" smtClean="0"/>
+              <a:t>análisis </a:t>
+            </a:r>
+            <a:r>
+              <a:rPr lang="es-MX" sz="6000" dirty="0"/>
+              <a:t>de </a:t>
+            </a:r>
+            <a:r>
+              <a:rPr lang="es-MX" sz="6000" dirty="0" smtClean="0"/>
+              <a:t>sistemas; esto nos permite crecer en todas las áreas.</a:t>
+            </a:r>
+            <a:r>
+              <a:rPr lang="es-MX" sz="6000" dirty="0"/>
+              <a:t> </a:t>
+            </a:r>
+            <a:br>
+              <a:rPr lang="es-MX" sz="6000" dirty="0"/>
+            </a:br>
+            <a:endParaRPr lang="es-MX" sz="6000" dirty="0" smtClean="0"/>
+          </a:p>
+          <a:p>
+            <a:r>
+              <a:rPr lang="es-MX" sz="6000" dirty="0" smtClean="0"/>
+              <a:t>Toda empresa hoy en día ya sea gubernamental o privada requiere de un sistema para gestionar su información , y de un mantenimiento del mismo.</a:t>
+            </a:r>
+            <a:r>
+              <a:rPr lang="es-MX" sz="6000" dirty="0"/>
+              <a:t/>
+            </a:r>
+            <a:br>
+              <a:rPr lang="es-MX" sz="6000" dirty="0"/>
+            </a:br>
+            <a:endParaRPr lang="es-MX" sz="6000" dirty="0" smtClean="0"/>
+          </a:p>
+          <a:p>
+            <a:r>
+              <a:rPr lang="es-MX" sz="6000" dirty="0" smtClean="0"/>
+              <a:t>En la programación se pueden desarrollar </a:t>
+            </a:r>
+            <a:r>
+              <a:rPr lang="es-MX" sz="6000" dirty="0"/>
+              <a:t> </a:t>
+            </a:r>
+            <a:r>
+              <a:rPr lang="es-MX" sz="6000" dirty="0" smtClean="0"/>
+              <a:t>en base a las necesidades de nuestros clientes: un manejo de nomina, una base de datos de clientes o un punto de venta, entre otros.</a:t>
+            </a:r>
+            <a:r>
+              <a:rPr lang="es-MX" sz="6000" dirty="0"/>
+              <a:t/>
+            </a:r>
+            <a:br>
+              <a:rPr lang="es-MX" sz="6000" dirty="0"/>
+            </a:br>
+            <a:r>
+              <a:rPr lang="es-MX" sz="6000" dirty="0"/>
+              <a:t/>
+            </a:r>
+            <a:br>
+              <a:rPr lang="es-MX" sz="6000" dirty="0"/>
+            </a:br>
+            <a:r>
+              <a:rPr lang="es-MX" sz="6000" dirty="0" smtClean="0"/>
+              <a:t>Hoy en día las áreas de oportunidad de la informática no </a:t>
+            </a:r>
+            <a:r>
+              <a:rPr lang="es-MX" sz="6000" smtClean="0"/>
+              <a:t>hay limites, </a:t>
+            </a:r>
+            <a:r>
+              <a:rPr lang="es-MX" sz="6000" dirty="0" smtClean="0"/>
+              <a:t>ya que todos necesitamos de una computadora, mantenimiento de los equipos y sistemas. </a:t>
+            </a:r>
+            <a:r>
+              <a:rPr lang="es-MX" dirty="0"/>
+              <a:t/>
+            </a:r>
+            <a:br>
+              <a:rPr lang="es-MX" dirty="0"/>
+            </a:br>
+            <a:endParaRPr lang="es-MX" dirty="0"/>
+          </a:p>
+        </p:txBody>
+      </p:sp>
+    </p:spTree>
+    <p:extLst>
+      <p:ext uri="{BB962C8B-B14F-4D97-AF65-F5344CB8AC3E}">
+        <p14:creationId xmlns:p14="http://schemas.microsoft.com/office/powerpoint/2010/main" val="1551376549"/>
+      </p:ext>
+    </p:extLst>
+  </p:cSld>
+  <p:clrMapOvr>
+    <a:masterClrMapping/>
+  </p:clrMapOvr>
+</p:sld>
+</file>
+
+<file path=ppt/slides/slide4.xml><?xml version="1.0" encoding="utf-8"?>
+<p:sld xmlns:a="http://schemas.openxmlformats.org/drawingml/2006/main" xmlns:r="http://schemas.openxmlformats.org/officeDocument/2006/relationships" xmlns:p="http://schemas.openxmlformats.org/presentationml/2006/main">
+  <p:cSld>
+    <p:spTree>
+      <p:nvGrpSpPr>
+        <p:cNvPr id="1" name=""/>
+        <p:cNvGrpSpPr/>
+        <p:nvPr/>
+      </p:nvGrpSpPr>
+      <p:grpSpPr>
+        <a:xfrm>
+          <a:off x="0" y="0"/>
+          <a:ext cx="0" cy="0"/>
+          <a:chOff x="0" y="0"/>
+          <a:chExt cx="0" cy="0"/>
+        </a:xfrm>
+      </p:grpSpPr>
+      <p:sp>
+        <p:nvSpPr>
+          <p:cNvPr id="2" name="1 Título"/>
+          <p:cNvSpPr>
+            <a:spLocks noGrp="1"/>
+          </p:cNvSpPr>
+          <p:nvPr>
+            <p:ph type="title"/>
+          </p:nvPr>
+        </p:nvSpPr>
         <p:spPr>
           <a:xfrm>
             <a:off x="539552" y="476672"/>
@@ -3565,11 +3861,7 @@
             </a:r>
             <a:r>
               <a:rPr lang="es-MX" sz="2800" dirty="0" smtClean="0"/>
-              <a:t>: </a:t>
-            </a:r>
-            <a:r>
-              <a:rPr lang="es-MX" sz="2800" dirty="0" smtClean="0"/>
-              <a:t>Hace falta información compañero</a:t>
+              <a:t>: Hace falta información compañero</a:t>
             </a:r>
             <a:br>
               <a:rPr lang="es-MX" sz="2800" dirty="0" smtClean="0"/>

--- a/7 - Etapa de la justificación.pptx
+++ b/7 - Etapa de la justificación.pptx
@@ -291,7 +291,7 @@
           <a:p>
             <a:fld id="{A7FEB2D6-495D-4236-B837-9393FEE4B86F}" type="datetimeFigureOut">
               <a:rPr lang="es-MX" smtClean="0"/>
-              <a:t>25/05/2015</a:t>
+              <a:t>26/05/2015</a:t>
             </a:fld>
             <a:endParaRPr lang="es-MX"/>
           </a:p>
@@ -461,7 +461,7 @@
           <a:p>
             <a:fld id="{A7FEB2D6-495D-4236-B837-9393FEE4B86F}" type="datetimeFigureOut">
               <a:rPr lang="es-MX" smtClean="0"/>
-              <a:t>25/05/2015</a:t>
+              <a:t>26/05/2015</a:t>
             </a:fld>
             <a:endParaRPr lang="es-MX"/>
           </a:p>
@@ -641,7 +641,7 @@
           <a:p>
             <a:fld id="{A7FEB2D6-495D-4236-B837-9393FEE4B86F}" type="datetimeFigureOut">
               <a:rPr lang="es-MX" smtClean="0"/>
-              <a:t>25/05/2015</a:t>
+              <a:t>26/05/2015</a:t>
             </a:fld>
             <a:endParaRPr lang="es-MX"/>
           </a:p>
@@ -811,7 +811,7 @@
           <a:p>
             <a:fld id="{A7FEB2D6-495D-4236-B837-9393FEE4B86F}" type="datetimeFigureOut">
               <a:rPr lang="es-MX" smtClean="0"/>
-              <a:t>25/05/2015</a:t>
+              <a:t>26/05/2015</a:t>
             </a:fld>
             <a:endParaRPr lang="es-MX"/>
           </a:p>
@@ -1057,7 +1057,7 @@
           <a:p>
             <a:fld id="{A7FEB2D6-495D-4236-B837-9393FEE4B86F}" type="datetimeFigureOut">
               <a:rPr lang="es-MX" smtClean="0"/>
-              <a:t>25/05/2015</a:t>
+              <a:t>26/05/2015</a:t>
             </a:fld>
             <a:endParaRPr lang="es-MX"/>
           </a:p>
@@ -1345,7 +1345,7 @@
           <a:p>
             <a:fld id="{A7FEB2D6-495D-4236-B837-9393FEE4B86F}" type="datetimeFigureOut">
               <a:rPr lang="es-MX" smtClean="0"/>
-              <a:t>25/05/2015</a:t>
+              <a:t>26/05/2015</a:t>
             </a:fld>
             <a:endParaRPr lang="es-MX"/>
           </a:p>
@@ -1767,7 +1767,7 @@
           <a:p>
             <a:fld id="{A7FEB2D6-495D-4236-B837-9393FEE4B86F}" type="datetimeFigureOut">
               <a:rPr lang="es-MX" smtClean="0"/>
-              <a:t>25/05/2015</a:t>
+              <a:t>26/05/2015</a:t>
             </a:fld>
             <a:endParaRPr lang="es-MX"/>
           </a:p>
@@ -1885,7 +1885,7 @@
           <a:p>
             <a:fld id="{A7FEB2D6-495D-4236-B837-9393FEE4B86F}" type="datetimeFigureOut">
               <a:rPr lang="es-MX" smtClean="0"/>
-              <a:t>25/05/2015</a:t>
+              <a:t>26/05/2015</a:t>
             </a:fld>
             <a:endParaRPr lang="es-MX"/>
           </a:p>
@@ -1980,7 +1980,7 @@
           <a:p>
             <a:fld id="{A7FEB2D6-495D-4236-B837-9393FEE4B86F}" type="datetimeFigureOut">
               <a:rPr lang="es-MX" smtClean="0"/>
-              <a:t>25/05/2015</a:t>
+              <a:t>26/05/2015</a:t>
             </a:fld>
             <a:endParaRPr lang="es-MX"/>
           </a:p>
@@ -2257,7 +2257,7 @@
           <a:p>
             <a:fld id="{A7FEB2D6-495D-4236-B837-9393FEE4B86F}" type="datetimeFigureOut">
               <a:rPr lang="es-MX" smtClean="0"/>
-              <a:t>25/05/2015</a:t>
+              <a:t>26/05/2015</a:t>
             </a:fld>
             <a:endParaRPr lang="es-MX"/>
           </a:p>
@@ -2510,7 +2510,7 @@
           <a:p>
             <a:fld id="{A7FEB2D6-495D-4236-B837-9393FEE4B86F}" type="datetimeFigureOut">
               <a:rPr lang="es-MX" smtClean="0"/>
-              <a:t>25/05/2015</a:t>
+              <a:t>26/05/2015</a:t>
             </a:fld>
             <a:endParaRPr lang="es-MX"/>
           </a:p>
@@ -2723,7 +2723,7 @@
           <a:p>
             <a:fld id="{A7FEB2D6-495D-4236-B837-9393FEE4B86F}" type="datetimeFigureOut">
               <a:rPr lang="es-MX" smtClean="0"/>
-              <a:t>25/05/2015</a:t>
+              <a:t>26/05/2015</a:t>
             </a:fld>
             <a:endParaRPr lang="es-MX"/>
           </a:p>
@@ -3233,7 +3233,11 @@
           <a:p>
             <a:r>
               <a:rPr lang="es-MX" dirty="0" smtClean="0"/>
-              <a:t>CHATHAM</a:t>
+              <a:t>CHATHAM	</a:t>
+            </a:r>
+            <a:r>
+              <a:rPr lang="es-MX" smtClean="0"/>
+              <a:t>jajajajaime</a:t>
             </a:r>
             <a:endParaRPr lang="es-MX" dirty="0"/>
           </a:p>
@@ -3383,10 +3387,6 @@
             <a:r>
               <a:rPr lang="es-MX" sz="2400" dirty="0"/>
               <a:t>la vida más fácil al hombre a través de modernos y grandes  sistemas. Generar empleo de alto desarrollo a nivel de sistema. Contribuir al desarrollo de estrategias al mundo de la informática, para un mejor uso de los sistemas. Adecuar los procesos industriales al mundo informático, por completo. </a:t>
-            </a:r>
-            <a:r>
-              <a:rPr lang="es-MX" sz="2400" dirty="0"/>
-              <a:t/>
             </a:r>
             <a:br>
               <a:rPr lang="es-MX" sz="2400" dirty="0"/>

--- a/7 - Etapa de la justificación.pptx
+++ b/7 - Etapa de la justificación.pptx
@@ -3233,11 +3233,15 @@
           <a:p>
             <a:r>
               <a:rPr lang="es-MX" dirty="0" smtClean="0"/>
-              <a:t>CHATHAM	</a:t>
+              <a:t>CHATHAM</a:t>
             </a:r>
             <a:r>
               <a:rPr lang="es-MX" smtClean="0"/>
-              <a:t>jajajajaime</a:t>
+              <a:t>	</a:t>
+            </a:r>
+            <a:r>
+              <a:rPr lang="es-MX" smtClean="0"/>
+              <a:t>ajaime</a:t>
             </a:r>
             <a:endParaRPr lang="es-MX" dirty="0"/>
           </a:p>

--- a/7 - Etapa de la justificación.pptx
+++ b/7 - Etapa de la justificación.pptx
@@ -3233,15 +3233,7 @@
           <a:p>
             <a:r>
               <a:rPr lang="es-MX" dirty="0" smtClean="0"/>
-              <a:t>CHATHAM</a:t>
-            </a:r>
-            <a:r>
-              <a:rPr lang="es-MX" smtClean="0"/>
               <a:t>	</a:t>
-            </a:r>
-            <a:r>
-              <a:rPr lang="es-MX" smtClean="0"/>
-              <a:t>ajaime</a:t>
             </a:r>
             <a:endParaRPr lang="es-MX" dirty="0"/>
           </a:p>

--- a/7 - Etapa de la justificación.pptx
+++ b/7 - Etapa de la justificación.pptx
@@ -3818,7 +3818,7 @@
         </p:nvSpPr>
         <p:spPr>
           <a:xfrm>
-            <a:off x="539552" y="5157192"/>
+            <a:off x="539552" y="4144516"/>
             <a:ext cx="8229600" cy="1143000"/>
           </a:xfrm>
           <a:prstGeom prst="rect">
@@ -3858,6 +3858,72 @@
             <a:r>
               <a:rPr lang="es-MX" sz="2800" dirty="0" smtClean="0"/>
               <a:t>: Hace falta información compañero</a:t>
+            </a:r>
+            <a:br>
+              <a:rPr lang="es-MX" sz="2800" dirty="0" smtClean="0"/>
+            </a:br>
+            <a:endParaRPr lang="es-MX" sz="2800" dirty="0"/>
+          </a:p>
+        </p:txBody>
+      </p:sp>
+      <p:sp>
+        <p:nvSpPr>
+          <p:cNvPr id="7" name="1 Título"/>
+          <p:cNvSpPr txBox="1">
+            <a:spLocks/>
+          </p:cNvSpPr>
+          <p:nvPr/>
+        </p:nvSpPr>
+        <p:spPr>
+          <a:xfrm>
+            <a:off x="539552" y="5287516"/>
+            <a:ext cx="8229600" cy="1143000"/>
+          </a:xfrm>
+          <a:prstGeom prst="rect">
+            <a:avLst/>
+          </a:prstGeom>
+        </p:spPr>
+        <p:txBody>
+          <a:bodyPr vert="horz" lIns="91440" tIns="45720" rIns="91440" bIns="45720" rtlCol="0" anchor="ctr">
+            <a:noAutofit/>
+          </a:bodyPr>
+          <a:lstStyle>
+            <a:lvl1pPr algn="ctr" defTabSz="914400" rtl="0" eaLnBrk="1" latinLnBrk="0" hangingPunct="1">
+              <a:spcBef>
+                <a:spcPct val="0"/>
+              </a:spcBef>
+              <a:buNone/>
+              <a:defRPr sz="4400" kern="1200">
+                <a:solidFill>
+                  <a:schemeClr val="tx1"/>
+                </a:solidFill>
+                <a:latin typeface="+mj-lt"/>
+                <a:ea typeface="+mj-ea"/>
+                <a:cs typeface="+mj-cs"/>
+              </a:defRPr>
+            </a:lvl1pPr>
+          </a:lstStyle>
+          <a:p>
+            <a:pPr algn="l"/>
+            <a:r>
+              <a:rPr lang="es-MX" sz="2800" dirty="0" err="1" smtClean="0">
+                <a:solidFill>
+                  <a:srgbClr val="FF0000"/>
+                </a:solidFill>
+              </a:rPr>
+              <a:t>jonathan</a:t>
+            </a:r>
+            <a:r>
+              <a:rPr lang="es-MX" sz="2800" dirty="0" smtClean="0"/>
+              <a:t>: compañeros que </a:t>
+            </a:r>
+            <a:r>
+              <a:rPr lang="es-MX" sz="2800" smtClean="0"/>
+              <a:t>paso pues…</a:t>
+            </a:r>
+            <a:r>
+              <a:rPr lang="es-MX" sz="2800" dirty="0" smtClean="0"/>
+              <a:t/>
             </a:r>
             <a:br>
               <a:rPr lang="es-MX" sz="2800" dirty="0" smtClean="0"/>

--- a/7 - Etapa de la justificación.pptx
+++ b/7 - Etapa de la justificación.pptx
@@ -5,10 +5,14 @@
     <p:sldMasterId id="2147483648" r:id="rId1"/>
   </p:sldMasterIdLst>
   <p:sldIdLst>
-    <p:sldId id="256" r:id="rId2"/>
-    <p:sldId id="258" r:id="rId3"/>
-    <p:sldId id="259" r:id="rId4"/>
-    <p:sldId id="257" r:id="rId5"/>
+    <p:sldId id="260" r:id="rId2"/>
+    <p:sldId id="261" r:id="rId3"/>
+    <p:sldId id="262" r:id="rId4"/>
+    <p:sldId id="263" r:id="rId5"/>
+    <p:sldId id="264" r:id="rId6"/>
+    <p:sldId id="265" r:id="rId7"/>
+    <p:sldId id="266" r:id="rId8"/>
+    <p:sldId id="257" r:id="rId9"/>
   </p:sldIdLst>
   <p:sldSz cx="9144000" cy="6858000" type="screen4x3"/>
   <p:notesSz cx="6858000" cy="9144000"/>
@@ -3115,13 +3119,15 @@
           </a:xfrm>
         </p:spPr>
         <p:txBody>
-          <a:bodyPr/>
+          <a:bodyPr>
+            <a:normAutofit fontScale="90000"/>
+          </a:bodyPr>
           <a:lstStyle/>
           <a:p>
             <a:pPr lvl="0"/>
             <a:r>
-              <a:rPr lang="es-ES_tradnl" dirty="0" smtClean="0"/>
-              <a:t>Etapa de la justificación</a:t>
+              <a:rPr lang="es-ES_tradnl" sz="4800" dirty="0" smtClean="0"/>
+              <a:t>Auditoria de la informática</a:t>
             </a:r>
             <a:r>
               <a:rPr lang="es-MX" sz="4800" dirty="0" smtClean="0"/>
@@ -3130,6 +3136,10 @@
             <a:br>
               <a:rPr lang="es-MX" sz="4800" dirty="0" smtClean="0"/>
             </a:br>
+            <a:r>
+              <a:rPr lang="es-MX" sz="4800" dirty="0" smtClean="0"/>
+              <a:t>- Etapa de la justificación </a:t>
+            </a:r>
             <a:endParaRPr lang="es-MX" dirty="0"/>
           </a:p>
         </p:txBody>
@@ -3202,60 +3212,21 @@
       </p:sp>
       <p:sp>
         <p:nvSpPr>
-          <p:cNvPr id="5" name="4 CuadroTexto"/>
-          <p:cNvSpPr txBox="1"/>
-          <p:nvPr/>
-        </p:nvSpPr>
-        <p:spPr>
-          <a:xfrm>
-            <a:off x="1331640" y="2143582"/>
-            <a:ext cx="6984776" cy="923330"/>
-          </a:xfrm>
-          <a:prstGeom prst="rect">
-            <a:avLst/>
-          </a:prstGeom>
-          <a:noFill/>
-        </p:spPr>
-        <p:txBody>
-          <a:bodyPr wrap="square" rtlCol="0">
-            <a:spAutoFit/>
-          </a:bodyPr>
-          <a:lstStyle/>
-          <a:p>
-            <a:r>
-              <a:rPr lang="es-MX" dirty="0" smtClean="0"/>
-              <a:t>INTEGRANTES</a:t>
-            </a:r>
-          </a:p>
-          <a:p>
-            <a:endParaRPr lang="es-MX" dirty="0"/>
-          </a:p>
-          <a:p>
-            <a:r>
-              <a:rPr lang="es-MX" dirty="0" smtClean="0"/>
-              <a:t>	</a:t>
-            </a:r>
-            <a:endParaRPr lang="es-MX" dirty="0"/>
-          </a:p>
-        </p:txBody>
-      </p:sp>
-      <p:sp>
-        <p:nvSpPr>
           <p:cNvPr id="4" name="3 Rectángulo"/>
           <p:cNvSpPr/>
           <p:nvPr/>
         </p:nvSpPr>
         <p:spPr>
           <a:xfrm>
-            <a:off x="3865563" y="2864535"/>
-            <a:ext cx="2286000" cy="646331"/>
+            <a:off x="4499992" y="2402870"/>
+            <a:ext cx="3442741" cy="923330"/>
           </a:xfrm>
           <a:prstGeom prst="rect">
             <a:avLst/>
           </a:prstGeom>
         </p:spPr>
         <p:txBody>
-          <a:bodyPr>
+          <a:bodyPr wrap="square">
             <a:spAutoFit/>
           </a:bodyPr>
           <a:lstStyle/>
@@ -3266,7 +3237,29 @@
                   <a:prstClr val="black"/>
                 </a:solidFill>
               </a:rPr>
-              <a:t>JOSE DAVID BOJORQUEZ </a:t>
+              <a:t>JOSE DAVID </a:t>
+            </a:r>
+            <a:r>
+              <a:rPr lang="es-MX" dirty="0" smtClean="0">
+                <a:solidFill>
+                  <a:prstClr val="black"/>
+                </a:solidFill>
+              </a:rPr>
+              <a:t>BOJORQUEZ </a:t>
+            </a:r>
+            <a:r>
+              <a:rPr lang="es-MX" dirty="0"/>
+              <a:t>CHATHAM</a:t>
+            </a:r>
+          </a:p>
+          <a:p>
+            <a:r>
+              <a:rPr lang="es-MX" dirty="0" smtClean="0">
+                <a:solidFill>
+                  <a:prstClr val="black"/>
+                </a:solidFill>
+              </a:rPr>
+              <a:t> </a:t>
             </a:r>
             <a:endParaRPr lang="es-MX" dirty="0"/>
           </a:p>
@@ -3275,7 +3268,7 @@
     </p:spTree>
     <p:extLst>
       <p:ext uri="{BB962C8B-B14F-4D97-AF65-F5344CB8AC3E}">
-        <p14:creationId xmlns:p14="http://schemas.microsoft.com/office/powerpoint/2010/main" val="752822071"/>
+        <p14:creationId xmlns:p14="http://schemas.microsoft.com/office/powerpoint/2010/main" val="2184480582"/>
       </p:ext>
     </p:extLst>
   </p:cSld>
@@ -3331,7 +3324,7 @@
                   </a:schemeClr>
                 </a:solidFill>
               </a:rPr>
-              <a:t>Áreas de oportunidad para la función de informática</a:t>
+              <a:t>1.- Áreas de oportunidad para la función de informática</a:t>
             </a:r>
             <a:r>
               <a:rPr lang="es-MX" sz="3200" dirty="0" smtClean="0"/>
@@ -3394,7 +3387,7 @@
     </p:spTree>
     <p:extLst>
       <p:ext uri="{BB962C8B-B14F-4D97-AF65-F5344CB8AC3E}">
-        <p14:creationId xmlns:p14="http://schemas.microsoft.com/office/powerpoint/2010/main" val="1470219667"/>
+        <p14:creationId xmlns:p14="http://schemas.microsoft.com/office/powerpoint/2010/main" val="780251281"/>
       </p:ext>
     </p:extLst>
   </p:cSld>
@@ -3423,25 +3416,6 @@
       </p:grpSpPr>
       <p:sp>
         <p:nvSpPr>
-          <p:cNvPr id="2" name="1 Título"/>
-          <p:cNvSpPr>
-            <a:spLocks noGrp="1"/>
-          </p:cNvSpPr>
-          <p:nvPr>
-            <p:ph type="title"/>
-          </p:nvPr>
-        </p:nvSpPr>
-        <p:spPr/>
-        <p:txBody>
-          <a:bodyPr/>
-          <a:lstStyle/>
-          <a:p>
-            <a:endParaRPr lang="es-MX" dirty="0"/>
-          </a:p>
-        </p:txBody>
-      </p:sp>
-      <p:sp>
-        <p:nvSpPr>
           <p:cNvPr id="3" name="2 Marcador de contenido"/>
           <p:cNvSpPr>
             <a:spLocks noGrp="1"/>
@@ -3565,7 +3539,7 @@
     </p:spTree>
     <p:extLst>
       <p:ext uri="{BB962C8B-B14F-4D97-AF65-F5344CB8AC3E}">
-        <p14:creationId xmlns:p14="http://schemas.microsoft.com/office/powerpoint/2010/main" val="1551376549"/>
+        <p14:creationId xmlns:p14="http://schemas.microsoft.com/office/powerpoint/2010/main" val="333995158"/>
       </p:ext>
     </p:extLst>
   </p:cSld>
@@ -3576,6 +3550,760 @@
 </file>
 
 <file path=ppt/slides/slide4.xml><?xml version="1.0" encoding="utf-8"?>
+<p:sld xmlns:a="http://schemas.openxmlformats.org/drawingml/2006/main" xmlns:r="http://schemas.openxmlformats.org/officeDocument/2006/relationships" xmlns:p="http://schemas.openxmlformats.org/presentationml/2006/main">
+  <p:cSld>
+    <p:spTree>
+      <p:nvGrpSpPr>
+        <p:cNvPr id="1" name=""/>
+        <p:cNvGrpSpPr/>
+        <p:nvPr/>
+      </p:nvGrpSpPr>
+      <p:grpSpPr>
+        <a:xfrm>
+          <a:off x="0" y="0"/>
+          <a:ext cx="0" cy="0"/>
+          <a:chOff x="0" y="0"/>
+          <a:chExt cx="0" cy="0"/>
+        </a:xfrm>
+      </p:grpSpPr>
+      <p:sp>
+        <p:nvSpPr>
+          <p:cNvPr id="2" name="1 Título"/>
+          <p:cNvSpPr>
+            <a:spLocks noGrp="1"/>
+          </p:cNvSpPr>
+          <p:nvPr>
+            <p:ph type="title"/>
+          </p:nvPr>
+        </p:nvSpPr>
+        <p:spPr/>
+        <p:txBody>
+          <a:bodyPr/>
+          <a:lstStyle/>
+          <a:p>
+            <a:pPr lvl="1" algn="l" rtl="0">
+              <a:spcBef>
+                <a:spcPct val="0"/>
+              </a:spcBef>
+            </a:pPr>
+            <a:r>
+              <a:rPr lang="es-ES_tradnl" sz="2400" b="1" dirty="0">
+                <a:solidFill>
+                  <a:schemeClr val="tx2">
+                    <a:lumMod val="60000"/>
+                    <a:lumOff val="40000"/>
+                  </a:schemeClr>
+                </a:solidFill>
+              </a:rPr>
+              <a:t>2</a:t>
+            </a:r>
+            <a:r>
+              <a:rPr lang="es-ES_tradnl" sz="2400" b="1" dirty="0" smtClean="0">
+                <a:solidFill>
+                  <a:schemeClr val="tx2">
+                    <a:lumMod val="60000"/>
+                    <a:lumOff val="40000"/>
+                  </a:schemeClr>
+                </a:solidFill>
+              </a:rPr>
+              <a:t>.- Matriz de riesgos, justificación de área de revisión. </a:t>
+            </a:r>
+            <a:r>
+              <a:rPr lang="es-MX" sz="3200" dirty="0" smtClean="0"/>
+              <a:t/>
+            </a:r>
+            <a:br>
+              <a:rPr lang="es-MX" sz="3200" dirty="0" smtClean="0"/>
+            </a:br>
+            <a:endParaRPr lang="es-MX" dirty="0"/>
+          </a:p>
+        </p:txBody>
+      </p:sp>
+      <p:sp>
+        <p:nvSpPr>
+          <p:cNvPr id="3" name="2 Marcador de contenido"/>
+          <p:cNvSpPr>
+            <a:spLocks noGrp="1"/>
+          </p:cNvSpPr>
+          <p:nvPr>
+            <p:ph idx="1"/>
+          </p:nvPr>
+        </p:nvSpPr>
+        <p:spPr>
+          <a:xfrm>
+            <a:off x="457200" y="1340768"/>
+            <a:ext cx="7620000" cy="5060032"/>
+          </a:xfrm>
+        </p:spPr>
+        <p:txBody>
+          <a:bodyPr>
+            <a:normAutofit fontScale="62500" lnSpcReduction="20000"/>
+          </a:bodyPr>
+          <a:lstStyle/>
+          <a:p>
+            <a:endParaRPr lang="es-MX" dirty="0" smtClean="0"/>
+          </a:p>
+          <a:p>
+            <a:r>
+              <a:rPr lang="es-MX" b="1" dirty="0"/>
+              <a:t>Evitar. </a:t>
+            </a:r>
+            <a:r>
+              <a:rPr lang="es-MX" dirty="0"/>
+              <a:t>No se permite ningún tipo de exposición. Esto se logra simplemente con no comprometerse a realizar la acción que origine el riesgo. Esta técnica tiene más desventajas que ventajas, ya que la empresa podría abstenerse de aprovechar muchas oportunidades</a:t>
+            </a:r>
+            <a:r>
+              <a:rPr lang="es-MX" dirty="0" smtClean="0"/>
+              <a:t>.</a:t>
+            </a:r>
+          </a:p>
+          <a:p>
+            <a:r>
+              <a:rPr lang="es-MX" b="1" dirty="0" smtClean="0"/>
+              <a:t>Reducir</a:t>
+            </a:r>
+            <a:r>
+              <a:rPr lang="es-MX" b="1" dirty="0"/>
+              <a:t>. </a:t>
+            </a:r>
+            <a:r>
+              <a:rPr lang="es-MX" dirty="0"/>
+              <a:t>Cuando el riesgo no puede evitarse por tener varias dificultades de tipo operacional, la alternativa puede ser su reducción hasta el nivel más bajo posible. Esta opción es la más económica y sencilla. Se consigue optimizando los procedimientos ,la implementación controles y su monitoreo constante</a:t>
+            </a:r>
+            <a:r>
+              <a:rPr lang="es-MX" dirty="0" smtClean="0"/>
+              <a:t>.</a:t>
+            </a:r>
+          </a:p>
+          <a:p>
+            <a:r>
+              <a:rPr lang="es-MX" b="1" dirty="0"/>
+              <a:t>Retener, Asumir o Aceptar el riesgo. </a:t>
+            </a:r>
+            <a:r>
+              <a:rPr lang="es-MX" dirty="0" smtClean="0"/>
+              <a:t>Aceptar </a:t>
+            </a:r>
+            <a:r>
+              <a:rPr lang="es-MX" dirty="0"/>
+              <a:t>las consecuencias de la ocurrencia del evento. </a:t>
+            </a:r>
+            <a:r>
+              <a:rPr lang="es-MX" dirty="0" smtClean="0"/>
+              <a:t>- Puede </a:t>
+            </a:r>
+            <a:r>
+              <a:rPr lang="es-MX" dirty="0"/>
+              <a:t>ser voluntaria o involuntaria, la voluntaria se caracteriza por el reconocimiento de la existencia del riesgo y el acuerdo de asumir las perdidas involucradas, esta decisión se da por falta de alternativas. </a:t>
+            </a:r>
+          </a:p>
+        </p:txBody>
+      </p:sp>
+    </p:spTree>
+    <p:extLst>
+      <p:ext uri="{BB962C8B-B14F-4D97-AF65-F5344CB8AC3E}">
+        <p14:creationId xmlns:p14="http://schemas.microsoft.com/office/powerpoint/2010/main" val="3751993930"/>
+      </p:ext>
+    </p:extLst>
+  </p:cSld>
+  <p:clrMapOvr>
+    <a:masterClrMapping/>
+  </p:clrMapOvr>
+</p:sld>
+</file>
+
+<file path=ppt/slides/slide5.xml><?xml version="1.0" encoding="utf-8"?>
+<p:sld xmlns:a="http://schemas.openxmlformats.org/drawingml/2006/main" xmlns:r="http://schemas.openxmlformats.org/officeDocument/2006/relationships" xmlns:p="http://schemas.openxmlformats.org/presentationml/2006/main">
+  <p:cSld>
+    <p:spTree>
+      <p:nvGrpSpPr>
+        <p:cNvPr id="1" name=""/>
+        <p:cNvGrpSpPr/>
+        <p:nvPr/>
+      </p:nvGrpSpPr>
+      <p:grpSpPr>
+        <a:xfrm>
+          <a:off x="0" y="0"/>
+          <a:ext cx="0" cy="0"/>
+          <a:chOff x="0" y="0"/>
+          <a:chExt cx="0" cy="0"/>
+        </a:xfrm>
+      </p:grpSpPr>
+      <p:sp>
+        <p:nvSpPr>
+          <p:cNvPr id="2" name="1 Título"/>
+          <p:cNvSpPr>
+            <a:spLocks noGrp="1"/>
+          </p:cNvSpPr>
+          <p:nvPr>
+            <p:ph type="title"/>
+          </p:nvPr>
+        </p:nvSpPr>
+        <p:spPr/>
+        <p:txBody>
+          <a:bodyPr/>
+          <a:lstStyle/>
+          <a:p>
+            <a:endParaRPr lang="es-MX"/>
+          </a:p>
+        </p:txBody>
+      </p:sp>
+      <p:sp>
+        <p:nvSpPr>
+          <p:cNvPr id="3" name="2 Marcador de contenido"/>
+          <p:cNvSpPr>
+            <a:spLocks noGrp="1"/>
+          </p:cNvSpPr>
+          <p:nvPr>
+            <p:ph idx="1"/>
+          </p:nvPr>
+        </p:nvSpPr>
+        <p:spPr/>
+        <p:txBody>
+          <a:bodyPr>
+            <a:normAutofit fontScale="70000" lnSpcReduction="20000"/>
+          </a:bodyPr>
+          <a:lstStyle/>
+          <a:p>
+            <a:r>
+              <a:rPr lang="es-MX" b="1" dirty="0"/>
+              <a:t>Transferir.</a:t>
+            </a:r>
+            <a:r>
+              <a:rPr lang="es-MX" dirty="0"/>
+              <a:t>  </a:t>
+            </a:r>
+            <a:r>
+              <a:rPr lang="es-MX" dirty="0" smtClean="0"/>
+              <a:t>Es </a:t>
+            </a:r>
+            <a:r>
+              <a:rPr lang="es-MX" dirty="0"/>
+              <a:t>buscar un respaldo y compartir el riego con otros controles o entidades. Esta técnica se usa ya sea para eliminar un riegos de un lugar y transferirlo a otro, </a:t>
+            </a:r>
+            <a:r>
+              <a:rPr lang="es-MX" dirty="0" err="1"/>
+              <a:t>ó</a:t>
+            </a:r>
+            <a:r>
+              <a:rPr lang="es-MX" dirty="0"/>
+              <a:t> para minimizar el mismo, compartiéndolo con otras entidades.</a:t>
+            </a:r>
+            <a:endParaRPr lang="es-MX" dirty="0" smtClean="0"/>
+          </a:p>
+          <a:p>
+            <a:endParaRPr lang="es-MX" dirty="0"/>
+          </a:p>
+          <a:p>
+            <a:r>
+              <a:rPr lang="es-MX" dirty="0" smtClean="0"/>
+              <a:t>En </a:t>
+            </a:r>
+            <a:r>
+              <a:rPr lang="es-MX" dirty="0"/>
+              <a:t>la actualidad gracias a la infinidad de posibilidades que se tiene para tener acceso a los recursos de manera remota y al gran incremento en las conexiones a la internet los delitos en el ámbito de TI se han visto incrementado, bajo estas circunstancias los riesgos informáticos son más latentes. </a:t>
+            </a:r>
+          </a:p>
+          <a:p>
+            <a:r>
+              <a:rPr lang="es-MX" dirty="0"/>
+              <a:t>Fraudes. </a:t>
+            </a:r>
+          </a:p>
+          <a:p>
+            <a:r>
+              <a:rPr lang="es-MX" dirty="0"/>
+              <a:t>Falsificación. </a:t>
+            </a:r>
+          </a:p>
+          <a:p>
+            <a:r>
+              <a:rPr lang="es-MX" dirty="0"/>
+              <a:t>Venta de información. </a:t>
+            </a:r>
+          </a:p>
+          <a:p>
+            <a:r>
+              <a:rPr lang="es-MX" dirty="0"/>
+              <a:t>Destrucción de la información.</a:t>
+            </a:r>
+          </a:p>
+          <a:p>
+            <a:endParaRPr lang="es-MX" dirty="0"/>
+          </a:p>
+        </p:txBody>
+      </p:sp>
+    </p:spTree>
+    <p:extLst>
+      <p:ext uri="{BB962C8B-B14F-4D97-AF65-F5344CB8AC3E}">
+        <p14:creationId xmlns:p14="http://schemas.microsoft.com/office/powerpoint/2010/main" val="153237542"/>
+      </p:ext>
+    </p:extLst>
+  </p:cSld>
+  <p:clrMapOvr>
+    <a:masterClrMapping/>
+  </p:clrMapOvr>
+</p:sld>
+</file>
+
+<file path=ppt/slides/slide6.xml><?xml version="1.0" encoding="utf-8"?>
+<p:sld xmlns:a="http://schemas.openxmlformats.org/drawingml/2006/main" xmlns:r="http://schemas.openxmlformats.org/officeDocument/2006/relationships" xmlns:p="http://schemas.openxmlformats.org/presentationml/2006/main">
+  <p:cSld>
+    <p:spTree>
+      <p:nvGrpSpPr>
+        <p:cNvPr id="1" name=""/>
+        <p:cNvGrpSpPr/>
+        <p:nvPr/>
+      </p:nvGrpSpPr>
+      <p:grpSpPr>
+        <a:xfrm>
+          <a:off x="0" y="0"/>
+          <a:ext cx="0" cy="0"/>
+          <a:chOff x="0" y="0"/>
+          <a:chExt cx="0" cy="0"/>
+        </a:xfrm>
+      </p:grpSpPr>
+      <p:sp>
+        <p:nvSpPr>
+          <p:cNvPr id="2" name="1 Título"/>
+          <p:cNvSpPr>
+            <a:spLocks noGrp="1"/>
+          </p:cNvSpPr>
+          <p:nvPr>
+            <p:ph type="title"/>
+          </p:nvPr>
+        </p:nvSpPr>
+        <p:spPr/>
+        <p:txBody>
+          <a:bodyPr/>
+          <a:lstStyle/>
+          <a:p>
+            <a:pPr lvl="1" algn="l" rtl="0">
+              <a:spcBef>
+                <a:spcPct val="0"/>
+              </a:spcBef>
+            </a:pPr>
+            <a:r>
+              <a:rPr lang="es-ES_tradnl" sz="2400" dirty="0" smtClean="0">
+                <a:solidFill>
+                  <a:schemeClr val="tx1">
+                    <a:lumMod val="50000"/>
+                    <a:lumOff val="50000"/>
+                  </a:schemeClr>
+                </a:solidFill>
+              </a:rPr>
+              <a:t>3.- Plan general del proyecto de auditoria en informática</a:t>
+            </a:r>
+            <a:r>
+              <a:rPr lang="es-MX" sz="3200" dirty="0" smtClean="0"/>
+              <a:t/>
+            </a:r>
+            <a:br>
+              <a:rPr lang="es-MX" sz="3200" dirty="0" smtClean="0"/>
+            </a:br>
+            <a:endParaRPr lang="es-MX" dirty="0"/>
+          </a:p>
+        </p:txBody>
+      </p:sp>
+      <p:sp>
+        <p:nvSpPr>
+          <p:cNvPr id="3" name="2 Marcador de contenido"/>
+          <p:cNvSpPr>
+            <a:spLocks noGrp="1"/>
+          </p:cNvSpPr>
+          <p:nvPr>
+            <p:ph idx="1"/>
+          </p:nvPr>
+        </p:nvSpPr>
+        <p:spPr/>
+        <p:txBody>
+          <a:bodyPr>
+            <a:normAutofit fontScale="40000" lnSpcReduction="20000"/>
+          </a:bodyPr>
+          <a:lstStyle/>
+          <a:p>
+            <a:r>
+              <a:rPr lang="es-MX" dirty="0"/>
+              <a:t>La función de Auditoría Con el fin de que esta Informática debe función se evalúe según generar, como todas las su desempeño, con áreas del negocio, un parámetros tangibles y plan de proyectos que mesurables justifique el trabajo durante cierto </a:t>
+            </a:r>
+            <a:r>
+              <a:rPr lang="es-MX" dirty="0" smtClean="0"/>
+              <a:t>periodo.</a:t>
+            </a:r>
+            <a:endParaRPr lang="es-MX" dirty="0"/>
+          </a:p>
+          <a:p>
+            <a:r>
+              <a:rPr lang="es-MX" dirty="0" smtClean="0"/>
+              <a:t> </a:t>
+            </a:r>
+            <a:r>
+              <a:rPr lang="es-MX" dirty="0"/>
+              <a:t>Alta dirección: Seguimiento a proyectos informáticos. Verificación y aseguramiento del cumplimiento de políticas </a:t>
+            </a:r>
+            <a:r>
+              <a:rPr lang="es-MX" dirty="0" smtClean="0"/>
+              <a:t>. Apoyo </a:t>
+            </a:r>
+            <a:r>
+              <a:rPr lang="es-MX" dirty="0"/>
+              <a:t>a la auditoría financiera (políticas, controles y procedimientos). Capacitación para auditores (en software y hardware</a:t>
+            </a:r>
+            <a:r>
+              <a:rPr lang="es-MX" dirty="0" smtClean="0"/>
+              <a:t>). Políticas</a:t>
+            </a:r>
+            <a:r>
+              <a:rPr lang="es-MX" dirty="0"/>
+              <a:t>, controles, procedimientos y estándares (referentes a informática), nueva tecnología, desarrollo e implantación de soluciones.</a:t>
+            </a:r>
+          </a:p>
+          <a:p>
+            <a:r>
+              <a:rPr lang="es-MX" dirty="0" smtClean="0"/>
+              <a:t>Consiste </a:t>
+            </a:r>
+            <a:r>
+              <a:rPr lang="es-MX" dirty="0"/>
+              <a:t>en determinar las estrategias y cursos de acción del Plan de </a:t>
+            </a:r>
+            <a:r>
+              <a:rPr lang="es-MX" dirty="0" smtClean="0"/>
+              <a:t>negocio.</a:t>
+            </a:r>
+          </a:p>
+          <a:p>
+            <a:r>
+              <a:rPr lang="es-MX" dirty="0" smtClean="0"/>
+              <a:t>Se </a:t>
+            </a:r>
+            <a:r>
+              <a:rPr lang="es-MX" dirty="0"/>
+              <a:t>establece mediante entrevistas y análisis detallado de cada proceso básico de la organización.</a:t>
+            </a:r>
+          </a:p>
+          <a:p>
+            <a:r>
+              <a:rPr lang="es-MX" dirty="0" smtClean="0"/>
+              <a:t>Consiste </a:t>
+            </a:r>
+            <a:r>
+              <a:rPr lang="es-MX" dirty="0"/>
+              <a:t>en definir el conjunto de proyectos relacionados con la función de informática en tiempos a corto, mediano y Plan de largo plazos. </a:t>
+            </a:r>
+            <a:r>
+              <a:rPr lang="es-MX" dirty="0" smtClean="0"/>
+              <a:t>Cada </a:t>
+            </a:r>
+            <a:r>
+              <a:rPr lang="es-MX" dirty="0"/>
+              <a:t>proyecto debe estar orientado a objetivos y estrategias específicos del negocio (los cuales fueron definidos en el plan de negocio).</a:t>
+            </a:r>
+          </a:p>
+          <a:p>
+            <a:r>
+              <a:rPr lang="es-MX" dirty="0" smtClean="0"/>
+              <a:t>Consiste </a:t>
+            </a:r>
+            <a:r>
+              <a:rPr lang="es-MX" dirty="0"/>
+              <a:t>en definir un conjunto de proyectos de evaluación y verificación de políticas, controles y procedimientos Plan de propios de las áreas administrativas, auditoría financieras, operativas, etc., del negocio </a:t>
+            </a:r>
+            <a:r>
+              <a:rPr lang="es-MX" dirty="0" smtClean="0"/>
+              <a:t>.Con </a:t>
+            </a:r>
+            <a:r>
+              <a:rPr lang="es-MX" dirty="0"/>
+              <a:t>objeto de asegurar el buen manejo y administración de los recursos de la organización.</a:t>
+            </a:r>
+          </a:p>
+          <a:p>
+            <a:r>
+              <a:rPr lang="es-MX" dirty="0" smtClean="0"/>
+              <a:t>Consta </a:t>
+            </a:r>
+            <a:r>
+              <a:rPr lang="es-MX" dirty="0"/>
+              <a:t>de la definición y formalización de </a:t>
+            </a:r>
+            <a:r>
+              <a:rPr lang="es-MX" dirty="0" smtClean="0"/>
+              <a:t>proyectos orientados </a:t>
+            </a:r>
+            <a:r>
+              <a:rPr lang="es-MX" dirty="0"/>
+              <a:t>primordialmente al auditoría aseguramiento de la calidad y control informática de los diferentes elementos que se encuentran relacionados con los recursos de informática.</a:t>
+            </a:r>
+          </a:p>
+          <a:p>
+            <a:r>
+              <a:rPr lang="es-MX" dirty="0" smtClean="0"/>
+              <a:t>Este </a:t>
+            </a:r>
+            <a:r>
+              <a:rPr lang="es-MX" dirty="0"/>
+              <a:t>proceso de planeación depende en gran medida del diagnóstico previo que lleve a cabo el auditor en informática sobre la situación que prevalece en cada una de las áreas o servicios de la función de informática. </a:t>
+            </a:r>
+            <a:r>
+              <a:rPr lang="es-MX" dirty="0" smtClean="0"/>
+              <a:t> </a:t>
+            </a:r>
+            <a:r>
+              <a:rPr lang="es-MX" dirty="0"/>
+              <a:t>También se deben considerar las necesidades o prioridades que tenga la alta dirección de auditar o evaluar un área específica de informática</a:t>
+            </a:r>
+            <a:r>
+              <a:rPr lang="es-MX" dirty="0" smtClean="0"/>
+              <a:t>.</a:t>
+            </a:r>
+            <a:endParaRPr lang="es-MX" dirty="0"/>
+          </a:p>
+        </p:txBody>
+      </p:sp>
+    </p:spTree>
+    <p:extLst>
+      <p:ext uri="{BB962C8B-B14F-4D97-AF65-F5344CB8AC3E}">
+        <p14:creationId xmlns:p14="http://schemas.microsoft.com/office/powerpoint/2010/main" val="994318583"/>
+      </p:ext>
+    </p:extLst>
+  </p:cSld>
+  <p:clrMapOvr>
+    <a:masterClrMapping/>
+  </p:clrMapOvr>
+</p:sld>
+</file>
+
+<file path=ppt/slides/slide7.xml><?xml version="1.0" encoding="utf-8"?>
+<p:sld xmlns:a="http://schemas.openxmlformats.org/drawingml/2006/main" xmlns:r="http://schemas.openxmlformats.org/officeDocument/2006/relationships" xmlns:p="http://schemas.openxmlformats.org/presentationml/2006/main">
+  <p:cSld>
+    <p:spTree>
+      <p:nvGrpSpPr>
+        <p:cNvPr id="1" name=""/>
+        <p:cNvGrpSpPr/>
+        <p:nvPr/>
+      </p:nvGrpSpPr>
+      <p:grpSpPr>
+        <a:xfrm>
+          <a:off x="0" y="0"/>
+          <a:ext cx="0" cy="0"/>
+          <a:chOff x="0" y="0"/>
+          <a:chExt cx="0" cy="0"/>
+        </a:xfrm>
+      </p:grpSpPr>
+      <p:sp>
+        <p:nvSpPr>
+          <p:cNvPr id="2" name="1 Título"/>
+          <p:cNvSpPr>
+            <a:spLocks noGrp="1"/>
+          </p:cNvSpPr>
+          <p:nvPr>
+            <p:ph type="title"/>
+          </p:nvPr>
+        </p:nvSpPr>
+        <p:spPr/>
+        <p:txBody>
+          <a:bodyPr/>
+          <a:lstStyle/>
+          <a:p>
+            <a:endParaRPr lang="es-MX"/>
+          </a:p>
+        </p:txBody>
+      </p:sp>
+      <p:sp>
+        <p:nvSpPr>
+          <p:cNvPr id="3" name="2 Marcador de contenido"/>
+          <p:cNvSpPr>
+            <a:spLocks noGrp="1"/>
+          </p:cNvSpPr>
+          <p:nvPr>
+            <p:ph idx="1"/>
+          </p:nvPr>
+        </p:nvSpPr>
+        <p:spPr/>
+        <p:txBody>
+          <a:bodyPr>
+            <a:normAutofit fontScale="47500" lnSpcReduction="20000"/>
+          </a:bodyPr>
+          <a:lstStyle/>
+          <a:p>
+            <a:pPr marL="114300" indent="0">
+              <a:buNone/>
+            </a:pPr>
+            <a:r>
+              <a:rPr lang="es-MX" b="1" dirty="0" smtClean="0"/>
+              <a:t>Para </a:t>
+            </a:r>
+            <a:r>
+              <a:rPr lang="es-MX" b="1" dirty="0"/>
+              <a:t>el plan de auditoría informática</a:t>
+            </a:r>
+          </a:p>
+          <a:p>
+            <a:r>
+              <a:rPr lang="es-MX" dirty="0" smtClean="0"/>
+              <a:t>Diagnóstico </a:t>
+            </a:r>
+            <a:r>
+              <a:rPr lang="es-MX" dirty="0"/>
+              <a:t>de la situación actual de los sistemas de información en </a:t>
+            </a:r>
+            <a:r>
+              <a:rPr lang="es-MX" dirty="0" smtClean="0"/>
+              <a:t>operación. Debilidades </a:t>
+            </a:r>
+            <a:r>
+              <a:rPr lang="es-MX" dirty="0"/>
+              <a:t>que pueden motivar la auditoría de un sistema de </a:t>
+            </a:r>
+            <a:r>
+              <a:rPr lang="es-MX" dirty="0" smtClean="0"/>
+              <a:t>información. Clasificación </a:t>
+            </a:r>
+            <a:r>
+              <a:rPr lang="es-MX" dirty="0"/>
+              <a:t>de riesgos que representa el uso de hardware y software en la </a:t>
+            </a:r>
+            <a:r>
+              <a:rPr lang="es-MX" dirty="0" smtClean="0"/>
+              <a:t>organización. Evaluación </a:t>
+            </a:r>
+            <a:r>
+              <a:rPr lang="es-MX" dirty="0"/>
+              <a:t>del nivel de riesgo que representa el uso inadecuado de los productos y servicios por el personal de informática y usuarios dentro de la </a:t>
+            </a:r>
+            <a:r>
+              <a:rPr lang="es-MX" dirty="0" smtClean="0"/>
+              <a:t>organización.</a:t>
+            </a:r>
+            <a:endParaRPr lang="es-MX" dirty="0"/>
+          </a:p>
+          <a:p>
+            <a:r>
+              <a:rPr lang="es-MX" dirty="0" smtClean="0"/>
+              <a:t>Otros </a:t>
+            </a:r>
+            <a:r>
+              <a:rPr lang="es-MX" dirty="0"/>
+              <a:t>aspectos: Telecomunicaciones, EDI (intercambio electrónico de datos), automatización de procesos, </a:t>
+            </a:r>
+            <a:r>
+              <a:rPr lang="es-MX" dirty="0" smtClean="0"/>
+              <a:t>CASE. </a:t>
+            </a:r>
+            <a:r>
+              <a:rPr lang="es-MX" dirty="0"/>
+              <a:t>Clasificación de los riesgos según criterios establecidos por la función de auditoría informática. </a:t>
+            </a:r>
+            <a:r>
+              <a:rPr lang="es-MX" dirty="0" smtClean="0"/>
+              <a:t>Elaboración </a:t>
+            </a:r>
+            <a:r>
+              <a:rPr lang="es-MX" dirty="0"/>
+              <a:t>de una matriz de riesgos que muestre las áreas de la función de informática susceptibles de una revisión por parte de auditoría en el siguiente periodo </a:t>
+            </a:r>
+            <a:r>
+              <a:rPr lang="es-MX" dirty="0" smtClean="0"/>
+              <a:t>Elaboración </a:t>
+            </a:r>
+            <a:r>
+              <a:rPr lang="es-MX" dirty="0"/>
+              <a:t>de un plan consolidado de proyectos</a:t>
+            </a:r>
+          </a:p>
+          <a:p>
+            <a:r>
+              <a:rPr lang="es-MX" dirty="0" smtClean="0"/>
+              <a:t>Revisión </a:t>
+            </a:r>
+            <a:r>
+              <a:rPr lang="es-MX" dirty="0"/>
+              <a:t>de la matriz de riesgos y del pronóstico de proyectos de auditoria en informática con la gerencia o dirección a la que reporta directamente la función de </a:t>
+            </a:r>
+            <a:r>
+              <a:rPr lang="es-MX" dirty="0" smtClean="0"/>
+              <a:t>informática. Presentación </a:t>
+            </a:r>
+            <a:r>
+              <a:rPr lang="es-MX" dirty="0"/>
+              <a:t>del plan de proyectos de la función de auditoría en informática a la alta </a:t>
+            </a:r>
+            <a:r>
+              <a:rPr lang="es-MX" dirty="0" smtClean="0"/>
+              <a:t>dirección. Realización </a:t>
+            </a:r>
+            <a:r>
+              <a:rPr lang="es-MX" dirty="0"/>
+              <a:t>de cada uno de los proyectos de acuerdo con el plan de auditoría en </a:t>
+            </a:r>
+            <a:r>
+              <a:rPr lang="es-MX" dirty="0" smtClean="0"/>
+              <a:t>informática. </a:t>
+            </a:r>
+            <a:r>
+              <a:rPr lang="es-MX" dirty="0"/>
+              <a:t>Integración y formalización de equipos de </a:t>
+            </a:r>
+            <a:r>
+              <a:rPr lang="es-MX" dirty="0" smtClean="0"/>
+              <a:t>trabajo. </a:t>
+            </a:r>
+            <a:r>
+              <a:rPr lang="es-MX" dirty="0"/>
+              <a:t>Aprobación formal de la alta dirección del informe final de la auditoría en informática </a:t>
+            </a:r>
+            <a:r>
+              <a:rPr lang="es-MX" dirty="0" smtClean="0"/>
+              <a:t>realizada.</a:t>
+            </a:r>
+            <a:endParaRPr lang="es-MX" dirty="0"/>
+          </a:p>
+          <a:p>
+            <a:r>
+              <a:rPr lang="es-MX" dirty="0" smtClean="0"/>
+              <a:t>1</a:t>
+            </a:r>
+            <a:r>
+              <a:rPr lang="es-MX" dirty="0"/>
+              <a:t>. Identificar el origen de la auditoría 2. Realizar una visita preliminar al área que será evaluada 3. Establecer los objetivos de la </a:t>
+            </a:r>
+            <a:r>
+              <a:rPr lang="es-MX" dirty="0" smtClean="0"/>
+              <a:t>auditoría.4</a:t>
+            </a:r>
+            <a:r>
+              <a:rPr lang="es-MX" dirty="0"/>
+              <a:t>. Determinar los puntos que serán evaluados en la auditoría 5. Elaborar planes, programas y presupuestos para realizar la auditoría 6. Identificar y seleccionar los métodos, herramientas, instrumentos y procedimientos necesarios para la auditoría 7. Asignar los recursos y sistemas computacionales para la </a:t>
+            </a:r>
+            <a:r>
+              <a:rPr lang="es-MX" dirty="0" smtClean="0"/>
+              <a:t>auditoría.</a:t>
+            </a:r>
+            <a:endParaRPr lang="es-MX" dirty="0"/>
+          </a:p>
+          <a:p>
+            <a:endParaRPr lang="es-MX" dirty="0"/>
+          </a:p>
+          <a:p>
+            <a:endParaRPr lang="es-MX" dirty="0"/>
+          </a:p>
+        </p:txBody>
+      </p:sp>
+    </p:spTree>
+    <p:extLst>
+      <p:ext uri="{BB962C8B-B14F-4D97-AF65-F5344CB8AC3E}">
+        <p14:creationId xmlns:p14="http://schemas.microsoft.com/office/powerpoint/2010/main" val="276935817"/>
+      </p:ext>
+    </p:extLst>
+  </p:cSld>
+  <p:clrMapOvr>
+    <a:masterClrMapping/>
+  </p:clrMapOvr>
+</p:sld>
+</file>
+
+<file path=ppt/slides/slide8.xml><?xml version="1.0" encoding="utf-8"?>
 <p:sld xmlns:a="http://schemas.openxmlformats.org/drawingml/2006/main" xmlns:r="http://schemas.openxmlformats.org/officeDocument/2006/relationships" xmlns:p="http://schemas.openxmlformats.org/presentationml/2006/main">
   <p:cSld>
     <p:spTree>

--- a/7 - Etapa de la justificación.pptx
+++ b/7 - Etapa de la justificación.pptx
@@ -2,7 +2,7 @@
 <file path=ppt/presentation.xml><?xml version="1.0" encoding="utf-8"?>
 <p:presentation xmlns:a="http://schemas.openxmlformats.org/drawingml/2006/main" xmlns:r="http://schemas.openxmlformats.org/officeDocument/2006/relationships" xmlns:p="http://schemas.openxmlformats.org/presentationml/2006/main" saveSubsetFonts="1">
   <p:sldMasterIdLst>
-    <p:sldMasterId id="2147483648" r:id="rId1"/>
+    <p:sldMasterId id="2147483660" r:id="rId1"/>
   </p:sldMasterIdLst>
   <p:sldIdLst>
     <p:sldId id="260" r:id="rId2"/>
@@ -133,7 +133,7 @@
       </p:grpSpPr>
       <p:sp>
         <p:nvSpPr>
-          <p:cNvPr id="2" name="1 Título"/>
+          <p:cNvPr id="2" name="Title 1"/>
           <p:cNvSpPr>
             <a:spLocks noGrp="1"/>
           </p:cNvSpPr>
@@ -143,25 +143,36 @@
         </p:nvSpPr>
         <p:spPr>
           <a:xfrm>
-            <a:off x="685800" y="2130425"/>
-            <a:ext cx="7772400" cy="1470025"/>
+            <a:off x="685800" y="1905000"/>
+            <a:ext cx="7543800" cy="2593975"/>
           </a:xfrm>
         </p:spPr>
         <p:txBody>
-          <a:bodyPr/>
-          <a:lstStyle/>
+          <a:bodyPr anchor="b"/>
+          <a:lstStyle>
+            <a:lvl1pPr>
+              <a:defRPr sz="6600">
+                <a:ln>
+                  <a:noFill/>
+                </a:ln>
+                <a:solidFill>
+                  <a:schemeClr val="tx2"/>
+                </a:solidFill>
+              </a:defRPr>
+            </a:lvl1pPr>
+          </a:lstStyle>
           <a:p>
             <a:r>
               <a:rPr lang="es-ES" smtClean="0"/>
               <a:t>Haga clic para modificar el estilo de título del patrón</a:t>
             </a:r>
-            <a:endParaRPr lang="es-MX"/>
-          </a:p>
-        </p:txBody>
-      </p:sp>
-      <p:sp>
-        <p:nvSpPr>
-          <p:cNvPr id="3" name="2 Subtítulo"/>
+            <a:endParaRPr lang="en-US" dirty="0"/>
+          </a:p>
+        </p:txBody>
+      </p:sp>
+      <p:sp>
+        <p:nvSpPr>
+          <p:cNvPr id="3" name="Subtitle 2"/>
           <p:cNvSpPr>
             <a:spLocks noGrp="1"/>
           </p:cNvSpPr>
@@ -171,16 +182,18 @@
         </p:nvSpPr>
         <p:spPr>
           <a:xfrm>
-            <a:off x="1371600" y="3886200"/>
-            <a:ext cx="6400800" cy="1752600"/>
+            <a:off x="685800" y="4572000"/>
+            <a:ext cx="6461760" cy="1066800"/>
           </a:xfrm>
         </p:spPr>
         <p:txBody>
-          <a:bodyPr/>
+          <a:bodyPr anchor="t">
+            <a:normAutofit/>
+          </a:bodyPr>
           <a:lstStyle>
-            <a:lvl1pPr marL="0" indent="0" algn="ctr">
-              <a:buNone/>
-              <a:defRPr>
+            <a:lvl1pPr marL="0" indent="0" algn="l">
+              <a:buNone/>
+              <a:defRPr sz="2000">
                 <a:solidFill>
                   <a:schemeClr val="tx1">
                     <a:tint val="75000"/>
@@ -274,13 +287,13 @@
               <a:rPr lang="es-ES" smtClean="0"/>
               <a:t>Haga clic para modificar el estilo de subtítulo del patrón</a:t>
             </a:r>
-            <a:endParaRPr lang="es-MX"/>
-          </a:p>
-        </p:txBody>
-      </p:sp>
-      <p:sp>
-        <p:nvSpPr>
-          <p:cNvPr id="4" name="3 Marcador de fecha"/>
+            <a:endParaRPr lang="en-US" dirty="0"/>
+          </a:p>
+        </p:txBody>
+      </p:sp>
+      <p:sp>
+        <p:nvSpPr>
+          <p:cNvPr id="4" name="Date Placeholder 3"/>
           <p:cNvSpPr>
             <a:spLocks noGrp="1"/>
           </p:cNvSpPr>
@@ -303,7 +316,7 @@
       </p:sp>
       <p:sp>
         <p:nvSpPr>
-          <p:cNvPr id="5" name="4 Marcador de pie de página"/>
+          <p:cNvPr id="5" name="Footer Placeholder 4"/>
           <p:cNvSpPr>
             <a:spLocks noGrp="1"/>
           </p:cNvSpPr>
@@ -322,7 +335,7 @@
       </p:sp>
       <p:sp>
         <p:nvSpPr>
-          <p:cNvPr id="6" name="5 Marcador de número de diapositiva"/>
+          <p:cNvPr id="6" name="Slide Number Placeholder 5"/>
           <p:cNvSpPr>
             <a:spLocks noGrp="1"/>
           </p:cNvSpPr>
@@ -344,11 +357,6 @@
         </p:txBody>
       </p:sp>
     </p:spTree>
-    <p:extLst>
-      <p:ext uri="{BB962C8B-B14F-4D97-AF65-F5344CB8AC3E}">
-        <p14:creationId xmlns:p14="http://schemas.microsoft.com/office/powerpoint/2010/main" val="1871212087"/>
-      </p:ext>
-    </p:extLst>
   </p:cSld>
   <p:clrMapOvr>
     <a:masterClrMapping/>
@@ -375,7 +383,7 @@
       </p:grpSpPr>
       <p:sp>
         <p:nvSpPr>
-          <p:cNvPr id="2" name="1 Título"/>
+          <p:cNvPr id="2" name="Title 1"/>
           <p:cNvSpPr>
             <a:spLocks noGrp="1"/>
           </p:cNvSpPr>
@@ -392,13 +400,13 @@
               <a:rPr lang="es-ES" smtClean="0"/>
               <a:t>Haga clic para modificar el estilo de título del patrón</a:t>
             </a:r>
-            <a:endParaRPr lang="es-MX"/>
-          </a:p>
-        </p:txBody>
-      </p:sp>
-      <p:sp>
-        <p:nvSpPr>
-          <p:cNvPr id="3" name="2 Marcador de texto vertical"/>
+            <a:endParaRPr lang="en-US"/>
+          </a:p>
+        </p:txBody>
+      </p:sp>
+      <p:sp>
+        <p:nvSpPr>
+          <p:cNvPr id="3" name="Vertical Text Placeholder 2"/>
           <p:cNvSpPr>
             <a:spLocks noGrp="1"/>
           </p:cNvSpPr>
@@ -444,13 +452,13 @@
               <a:rPr lang="es-ES" smtClean="0"/>
               <a:t>Quinto nivel</a:t>
             </a:r>
-            <a:endParaRPr lang="es-MX"/>
-          </a:p>
-        </p:txBody>
-      </p:sp>
-      <p:sp>
-        <p:nvSpPr>
-          <p:cNvPr id="4" name="3 Marcador de fecha"/>
+            <a:endParaRPr lang="en-US"/>
+          </a:p>
+        </p:txBody>
+      </p:sp>
+      <p:sp>
+        <p:nvSpPr>
+          <p:cNvPr id="4" name="Date Placeholder 3"/>
           <p:cNvSpPr>
             <a:spLocks noGrp="1"/>
           </p:cNvSpPr>
@@ -473,7 +481,7 @@
       </p:sp>
       <p:sp>
         <p:nvSpPr>
-          <p:cNvPr id="5" name="4 Marcador de pie de página"/>
+          <p:cNvPr id="5" name="Footer Placeholder 4"/>
           <p:cNvSpPr>
             <a:spLocks noGrp="1"/>
           </p:cNvSpPr>
@@ -492,7 +500,7 @@
       </p:sp>
       <p:sp>
         <p:nvSpPr>
-          <p:cNvPr id="6" name="5 Marcador de número de diapositiva"/>
+          <p:cNvPr id="6" name="Slide Number Placeholder 5"/>
           <p:cNvSpPr>
             <a:spLocks noGrp="1"/>
           </p:cNvSpPr>
@@ -514,11 +522,6 @@
         </p:txBody>
       </p:sp>
     </p:spTree>
-    <p:extLst>
-      <p:ext uri="{BB962C8B-B14F-4D97-AF65-F5344CB8AC3E}">
-        <p14:creationId xmlns:p14="http://schemas.microsoft.com/office/powerpoint/2010/main" val="1088221441"/>
-      </p:ext>
-    </p:extLst>
   </p:cSld>
   <p:clrMapOvr>
     <a:masterClrMapping/>
@@ -545,7 +548,7 @@
       </p:grpSpPr>
       <p:sp>
         <p:nvSpPr>
-          <p:cNvPr id="2" name="1 Título vertical"/>
+          <p:cNvPr id="2" name="Vertical Title 1"/>
           <p:cNvSpPr>
             <a:spLocks noGrp="1"/>
           </p:cNvSpPr>
@@ -556,24 +559,24 @@
         <p:spPr>
           <a:xfrm>
             <a:off x="6629400" y="274638"/>
-            <a:ext cx="2057400" cy="5851525"/>
+            <a:ext cx="1752600" cy="5851525"/>
           </a:xfrm>
         </p:spPr>
         <p:txBody>
-          <a:bodyPr vert="eaVert"/>
+          <a:bodyPr vert="eaVert" anchor="b" anchorCtr="0"/>
           <a:lstStyle/>
           <a:p>
             <a:r>
               <a:rPr lang="es-ES" smtClean="0"/>
               <a:t>Haga clic para modificar el estilo de título del patrón</a:t>
             </a:r>
-            <a:endParaRPr lang="es-MX"/>
-          </a:p>
-        </p:txBody>
-      </p:sp>
-      <p:sp>
-        <p:nvSpPr>
-          <p:cNvPr id="3" name="2 Marcador de texto vertical"/>
+            <a:endParaRPr lang="en-US" dirty="0"/>
+          </a:p>
+        </p:txBody>
+      </p:sp>
+      <p:sp>
+        <p:nvSpPr>
+          <p:cNvPr id="3" name="Vertical Text Placeholder 2"/>
           <p:cNvSpPr>
             <a:spLocks noGrp="1"/>
           </p:cNvSpPr>
@@ -624,13 +627,13 @@
               <a:rPr lang="es-ES" smtClean="0"/>
               <a:t>Quinto nivel</a:t>
             </a:r>
-            <a:endParaRPr lang="es-MX"/>
-          </a:p>
-        </p:txBody>
-      </p:sp>
-      <p:sp>
-        <p:nvSpPr>
-          <p:cNvPr id="4" name="3 Marcador de fecha"/>
+            <a:endParaRPr lang="en-US"/>
+          </a:p>
+        </p:txBody>
+      </p:sp>
+      <p:sp>
+        <p:nvSpPr>
+          <p:cNvPr id="4" name="Date Placeholder 3"/>
           <p:cNvSpPr>
             <a:spLocks noGrp="1"/>
           </p:cNvSpPr>
@@ -653,7 +656,7 @@
       </p:sp>
       <p:sp>
         <p:nvSpPr>
-          <p:cNvPr id="5" name="4 Marcador de pie de página"/>
+          <p:cNvPr id="5" name="Footer Placeholder 4"/>
           <p:cNvSpPr>
             <a:spLocks noGrp="1"/>
           </p:cNvSpPr>
@@ -672,7 +675,7 @@
       </p:sp>
       <p:sp>
         <p:nvSpPr>
-          <p:cNvPr id="6" name="5 Marcador de número de diapositiva"/>
+          <p:cNvPr id="6" name="Slide Number Placeholder 5"/>
           <p:cNvSpPr>
             <a:spLocks noGrp="1"/>
           </p:cNvSpPr>
@@ -694,11 +697,6 @@
         </p:txBody>
       </p:sp>
     </p:spTree>
-    <p:extLst>
-      <p:ext uri="{BB962C8B-B14F-4D97-AF65-F5344CB8AC3E}">
-        <p14:creationId xmlns:p14="http://schemas.microsoft.com/office/powerpoint/2010/main" val="3117012735"/>
-      </p:ext>
-    </p:extLst>
   </p:cSld>
   <p:clrMapOvr>
     <a:masterClrMapping/>
@@ -725,7 +723,7 @@
       </p:grpSpPr>
       <p:sp>
         <p:nvSpPr>
-          <p:cNvPr id="2" name="1 Título"/>
+          <p:cNvPr id="2" name="Title 1"/>
           <p:cNvSpPr>
             <a:spLocks noGrp="1"/>
           </p:cNvSpPr>
@@ -742,13 +740,13 @@
               <a:rPr lang="es-ES" smtClean="0"/>
               <a:t>Haga clic para modificar el estilo de título del patrón</a:t>
             </a:r>
-            <a:endParaRPr lang="es-MX"/>
-          </a:p>
-        </p:txBody>
-      </p:sp>
-      <p:sp>
-        <p:nvSpPr>
-          <p:cNvPr id="3" name="2 Marcador de contenido"/>
+            <a:endParaRPr lang="en-US"/>
+          </a:p>
+        </p:txBody>
+      </p:sp>
+      <p:sp>
+        <p:nvSpPr>
+          <p:cNvPr id="3" name="Content Placeholder 2"/>
           <p:cNvSpPr>
             <a:spLocks noGrp="1"/>
           </p:cNvSpPr>
@@ -794,13 +792,13 @@
               <a:rPr lang="es-ES" smtClean="0"/>
               <a:t>Quinto nivel</a:t>
             </a:r>
-            <a:endParaRPr lang="es-MX"/>
-          </a:p>
-        </p:txBody>
-      </p:sp>
-      <p:sp>
-        <p:nvSpPr>
-          <p:cNvPr id="4" name="3 Marcador de fecha"/>
+            <a:endParaRPr lang="en-US"/>
+          </a:p>
+        </p:txBody>
+      </p:sp>
+      <p:sp>
+        <p:nvSpPr>
+          <p:cNvPr id="4" name="Date Placeholder 3"/>
           <p:cNvSpPr>
             <a:spLocks noGrp="1"/>
           </p:cNvSpPr>
@@ -823,7 +821,7 @@
       </p:sp>
       <p:sp>
         <p:nvSpPr>
-          <p:cNvPr id="5" name="4 Marcador de pie de página"/>
+          <p:cNvPr id="5" name="Footer Placeholder 4"/>
           <p:cNvSpPr>
             <a:spLocks noGrp="1"/>
           </p:cNvSpPr>
@@ -842,7 +840,7 @@
       </p:sp>
       <p:sp>
         <p:nvSpPr>
-          <p:cNvPr id="6" name="5 Marcador de número de diapositiva"/>
+          <p:cNvPr id="6" name="Slide Number Placeholder 5"/>
           <p:cNvSpPr>
             <a:spLocks noGrp="1"/>
           </p:cNvSpPr>
@@ -864,11 +862,6 @@
         </p:txBody>
       </p:sp>
     </p:spTree>
-    <p:extLst>
-      <p:ext uri="{BB962C8B-B14F-4D97-AF65-F5344CB8AC3E}">
-        <p14:creationId xmlns:p14="http://schemas.microsoft.com/office/powerpoint/2010/main" val="1713816926"/>
-      </p:ext>
-    </p:extLst>
   </p:cSld>
   <p:clrMapOvr>
     <a:masterClrMapping/>
@@ -895,7 +888,7 @@
       </p:grpSpPr>
       <p:sp>
         <p:nvSpPr>
-          <p:cNvPr id="2" name="1 Título"/>
+          <p:cNvPr id="2" name="Title 1"/>
           <p:cNvSpPr>
             <a:spLocks noGrp="1"/>
           </p:cNvSpPr>
@@ -905,15 +898,15 @@
         </p:nvSpPr>
         <p:spPr>
           <a:xfrm>
-            <a:off x="722313" y="4406900"/>
-            <a:ext cx="7772400" cy="1362075"/>
+            <a:off x="722313" y="5486400"/>
+            <a:ext cx="7659687" cy="1168400"/>
           </a:xfrm>
         </p:spPr>
         <p:txBody>
           <a:bodyPr anchor="t"/>
           <a:lstStyle>
             <a:lvl1pPr algn="l">
-              <a:defRPr sz="4000" b="1" cap="all"/>
+              <a:defRPr sz="3600" b="0" cap="all"/>
             </a:lvl1pPr>
           </a:lstStyle>
           <a:p>
@@ -921,13 +914,13 @@
               <a:rPr lang="es-ES" smtClean="0"/>
               <a:t>Haga clic para modificar el estilo de título del patrón</a:t>
             </a:r>
-            <a:endParaRPr lang="es-MX"/>
-          </a:p>
-        </p:txBody>
-      </p:sp>
-      <p:sp>
-        <p:nvSpPr>
-          <p:cNvPr id="3" name="2 Marcador de texto"/>
+            <a:endParaRPr lang="en-US" dirty="0"/>
+          </a:p>
+        </p:txBody>
+      </p:sp>
+      <p:sp>
+        <p:nvSpPr>
+          <p:cNvPr id="3" name="Text Placeholder 2"/>
           <p:cNvSpPr>
             <a:spLocks noGrp="1"/>
           </p:cNvSpPr>
@@ -937,8 +930,8 @@
         </p:nvSpPr>
         <p:spPr>
           <a:xfrm>
-            <a:off x="722313" y="2906713"/>
-            <a:ext cx="7772400" cy="1500187"/>
+            <a:off x="722313" y="3852863"/>
+            <a:ext cx="6135687" cy="1633538"/>
           </a:xfrm>
         </p:spPr>
         <p:txBody>
@@ -1046,7 +1039,7 @@
       </p:sp>
       <p:sp>
         <p:nvSpPr>
-          <p:cNvPr id="4" name="3 Marcador de fecha"/>
+          <p:cNvPr id="4" name="Date Placeholder 3"/>
           <p:cNvSpPr>
             <a:spLocks noGrp="1"/>
           </p:cNvSpPr>
@@ -1069,7 +1062,7 @@
       </p:sp>
       <p:sp>
         <p:nvSpPr>
-          <p:cNvPr id="5" name="4 Marcador de pie de página"/>
+          <p:cNvPr id="5" name="Footer Placeholder 4"/>
           <p:cNvSpPr>
             <a:spLocks noGrp="1"/>
           </p:cNvSpPr>
@@ -1088,7 +1081,7 @@
       </p:sp>
       <p:sp>
         <p:nvSpPr>
-          <p:cNvPr id="6" name="5 Marcador de número de diapositiva"/>
+          <p:cNvPr id="6" name="Slide Number Placeholder 5"/>
           <p:cNvSpPr>
             <a:spLocks noGrp="1"/>
           </p:cNvSpPr>
@@ -1110,11 +1103,6 @@
         </p:txBody>
       </p:sp>
     </p:spTree>
-    <p:extLst>
-      <p:ext uri="{BB962C8B-B14F-4D97-AF65-F5344CB8AC3E}">
-        <p14:creationId xmlns:p14="http://schemas.microsoft.com/office/powerpoint/2010/main" val="1307274791"/>
-      </p:ext>
-    </p:extLst>
   </p:cSld>
   <p:clrMapOvr>
     <a:masterClrMapping/>
@@ -1141,7 +1129,7 @@
       </p:grpSpPr>
       <p:sp>
         <p:nvSpPr>
-          <p:cNvPr id="2" name="1 Título"/>
+          <p:cNvPr id="2" name="Title 1"/>
           <p:cNvSpPr>
             <a:spLocks noGrp="1"/>
           </p:cNvSpPr>
@@ -1158,13 +1146,13 @@
               <a:rPr lang="es-ES" smtClean="0"/>
               <a:t>Haga clic para modificar el estilo de título del patrón</a:t>
             </a:r>
-            <a:endParaRPr lang="es-MX"/>
-          </a:p>
-        </p:txBody>
-      </p:sp>
-      <p:sp>
-        <p:nvSpPr>
-          <p:cNvPr id="3" name="2 Marcador de contenido"/>
+            <a:endParaRPr lang="en-US"/>
+          </a:p>
+        </p:txBody>
+      </p:sp>
+      <p:sp>
+        <p:nvSpPr>
+          <p:cNvPr id="3" name="Content Placeholder 2"/>
           <p:cNvSpPr>
             <a:spLocks noGrp="1"/>
           </p:cNvSpPr>
@@ -1174,8 +1162,8 @@
         </p:nvSpPr>
         <p:spPr>
           <a:xfrm>
-            <a:off x="457200" y="1600200"/>
-            <a:ext cx="4038600" cy="4525963"/>
+            <a:off x="457200" y="1536192"/>
+            <a:ext cx="3657600" cy="4590288"/>
           </a:xfrm>
         </p:spPr>
         <p:txBody>
@@ -1243,13 +1231,13 @@
               <a:rPr lang="es-ES" smtClean="0"/>
               <a:t>Quinto nivel</a:t>
             </a:r>
-            <a:endParaRPr lang="es-MX"/>
-          </a:p>
-        </p:txBody>
-      </p:sp>
-      <p:sp>
-        <p:nvSpPr>
-          <p:cNvPr id="4" name="3 Marcador de contenido"/>
+            <a:endParaRPr lang="en-US" dirty="0"/>
+          </a:p>
+        </p:txBody>
+      </p:sp>
+      <p:sp>
+        <p:nvSpPr>
+          <p:cNvPr id="4" name="Content Placeholder 3"/>
           <p:cNvSpPr>
             <a:spLocks noGrp="1"/>
           </p:cNvSpPr>
@@ -1259,8 +1247,8 @@
         </p:nvSpPr>
         <p:spPr>
           <a:xfrm>
-            <a:off x="4648200" y="1600200"/>
-            <a:ext cx="4038600" cy="4525963"/>
+            <a:off x="4419600" y="1536192"/>
+            <a:ext cx="3657600" cy="4590288"/>
           </a:xfrm>
         </p:spPr>
         <p:txBody>
@@ -1328,13 +1316,13 @@
               <a:rPr lang="es-ES" smtClean="0"/>
               <a:t>Quinto nivel</a:t>
             </a:r>
-            <a:endParaRPr lang="es-MX"/>
-          </a:p>
-        </p:txBody>
-      </p:sp>
-      <p:sp>
-        <p:nvSpPr>
-          <p:cNvPr id="5" name="4 Marcador de fecha"/>
+            <a:endParaRPr lang="en-US" dirty="0"/>
+          </a:p>
+        </p:txBody>
+      </p:sp>
+      <p:sp>
+        <p:nvSpPr>
+          <p:cNvPr id="5" name="Date Placeholder 4"/>
           <p:cNvSpPr>
             <a:spLocks noGrp="1"/>
           </p:cNvSpPr>
@@ -1357,7 +1345,7 @@
       </p:sp>
       <p:sp>
         <p:nvSpPr>
-          <p:cNvPr id="6" name="5 Marcador de pie de página"/>
+          <p:cNvPr id="6" name="Footer Placeholder 5"/>
           <p:cNvSpPr>
             <a:spLocks noGrp="1"/>
           </p:cNvSpPr>
@@ -1376,7 +1364,7 @@
       </p:sp>
       <p:sp>
         <p:nvSpPr>
-          <p:cNvPr id="7" name="6 Marcador de número de diapositiva"/>
+          <p:cNvPr id="7" name="Slide Number Placeholder 6"/>
           <p:cNvSpPr>
             <a:spLocks noGrp="1"/>
           </p:cNvSpPr>
@@ -1398,11 +1386,6 @@
         </p:txBody>
       </p:sp>
     </p:spTree>
-    <p:extLst>
-      <p:ext uri="{BB962C8B-B14F-4D97-AF65-F5344CB8AC3E}">
-        <p14:creationId xmlns:p14="http://schemas.microsoft.com/office/powerpoint/2010/main" val="1824538145"/>
-      </p:ext>
-    </p:extLst>
   </p:cSld>
   <p:clrMapOvr>
     <a:masterClrMapping/>
@@ -1429,7 +1412,7 @@
       </p:grpSpPr>
       <p:sp>
         <p:nvSpPr>
-          <p:cNvPr id="2" name="1 Título"/>
+          <p:cNvPr id="2" name="Title 1"/>
           <p:cNvSpPr>
             <a:spLocks noGrp="1"/>
           </p:cNvSpPr>
@@ -1450,13 +1433,13 @@
               <a:rPr lang="es-ES" smtClean="0"/>
               <a:t>Haga clic para modificar el estilo de título del patrón</a:t>
             </a:r>
-            <a:endParaRPr lang="es-MX"/>
-          </a:p>
-        </p:txBody>
-      </p:sp>
-      <p:sp>
-        <p:nvSpPr>
-          <p:cNvPr id="3" name="2 Marcador de texto"/>
+            <a:endParaRPr lang="en-US"/>
+          </a:p>
+        </p:txBody>
+      </p:sp>
+      <p:sp>
+        <p:nvSpPr>
+          <p:cNvPr id="3" name="Text Placeholder 2"/>
           <p:cNvSpPr>
             <a:spLocks noGrp="1"/>
           </p:cNvSpPr>
@@ -1467,15 +1450,21 @@
         <p:spPr>
           <a:xfrm>
             <a:off x="457200" y="1535113"/>
-            <a:ext cx="4040188" cy="639762"/>
+            <a:ext cx="3657600" cy="639762"/>
           </a:xfrm>
         </p:spPr>
         <p:txBody>
-          <a:bodyPr anchor="b"/>
+          <a:bodyPr anchor="b">
+            <a:noAutofit/>
+          </a:bodyPr>
           <a:lstStyle>
-            <a:lvl1pPr marL="0" indent="0">
-              <a:buNone/>
-              <a:defRPr sz="2400" b="1"/>
+            <a:lvl1pPr marL="0" indent="0" algn="ctr">
+              <a:buNone/>
+              <a:defRPr sz="2000" b="1">
+                <a:solidFill>
+                  <a:schemeClr val="tx2"/>
+                </a:solidFill>
+              </a:defRPr>
             </a:lvl1pPr>
             <a:lvl2pPr marL="457200" indent="0">
               <a:buNone/>
@@ -1521,7 +1510,7 @@
       </p:sp>
       <p:sp>
         <p:nvSpPr>
-          <p:cNvPr id="4" name="3 Marcador de contenido"/>
+          <p:cNvPr id="4" name="Content Placeholder 3"/>
           <p:cNvSpPr>
             <a:spLocks noGrp="1"/>
           </p:cNvSpPr>
@@ -1532,7 +1521,7 @@
         <p:spPr>
           <a:xfrm>
             <a:off x="457200" y="2174875"/>
-            <a:ext cx="4040188" cy="3951288"/>
+            <a:ext cx="3657600" cy="3951288"/>
           </a:xfrm>
         </p:spPr>
         <p:txBody>
@@ -1600,13 +1589,13 @@
               <a:rPr lang="es-ES" smtClean="0"/>
               <a:t>Quinto nivel</a:t>
             </a:r>
-            <a:endParaRPr lang="es-MX"/>
-          </a:p>
-        </p:txBody>
-      </p:sp>
-      <p:sp>
-        <p:nvSpPr>
-          <p:cNvPr id="5" name="4 Marcador de texto"/>
+            <a:endParaRPr lang="en-US" dirty="0"/>
+          </a:p>
+        </p:txBody>
+      </p:sp>
+      <p:sp>
+        <p:nvSpPr>
+          <p:cNvPr id="5" name="Text Placeholder 4"/>
           <p:cNvSpPr>
             <a:spLocks noGrp="1"/>
           </p:cNvSpPr>
@@ -1616,16 +1605,22 @@
         </p:nvSpPr>
         <p:spPr>
           <a:xfrm>
-            <a:off x="4645025" y="1535113"/>
-            <a:ext cx="4041775" cy="639762"/>
+            <a:off x="4419600" y="1535113"/>
+            <a:ext cx="3657600" cy="639762"/>
           </a:xfrm>
         </p:spPr>
         <p:txBody>
-          <a:bodyPr anchor="b"/>
+          <a:bodyPr anchor="b">
+            <a:noAutofit/>
+          </a:bodyPr>
           <a:lstStyle>
-            <a:lvl1pPr marL="0" indent="0">
-              <a:buNone/>
-              <a:defRPr sz="2400" b="1"/>
+            <a:lvl1pPr marL="0" indent="0" algn="ctr">
+              <a:buNone/>
+              <a:defRPr sz="2000" b="1">
+                <a:solidFill>
+                  <a:schemeClr val="tx2"/>
+                </a:solidFill>
+              </a:defRPr>
             </a:lvl1pPr>
             <a:lvl2pPr marL="457200" indent="0">
               <a:buNone/>
@@ -1671,7 +1666,7 @@
       </p:sp>
       <p:sp>
         <p:nvSpPr>
-          <p:cNvPr id="6" name="5 Marcador de contenido"/>
+          <p:cNvPr id="6" name="Content Placeholder 5"/>
           <p:cNvSpPr>
             <a:spLocks noGrp="1"/>
           </p:cNvSpPr>
@@ -1681,8 +1676,8 @@
         </p:nvSpPr>
         <p:spPr>
           <a:xfrm>
-            <a:off x="4645025" y="2174875"/>
-            <a:ext cx="4041775" cy="3951288"/>
+            <a:off x="4419600" y="2174875"/>
+            <a:ext cx="3657600" cy="3951288"/>
           </a:xfrm>
         </p:spPr>
         <p:txBody>
@@ -1750,13 +1745,13 @@
               <a:rPr lang="es-ES" smtClean="0"/>
               <a:t>Quinto nivel</a:t>
             </a:r>
-            <a:endParaRPr lang="es-MX"/>
-          </a:p>
-        </p:txBody>
-      </p:sp>
-      <p:sp>
-        <p:nvSpPr>
-          <p:cNvPr id="7" name="6 Marcador de fecha"/>
+            <a:endParaRPr lang="en-US"/>
+          </a:p>
+        </p:txBody>
+      </p:sp>
+      <p:sp>
+        <p:nvSpPr>
+          <p:cNvPr id="7" name="Date Placeholder 6"/>
           <p:cNvSpPr>
             <a:spLocks noGrp="1"/>
           </p:cNvSpPr>
@@ -1779,7 +1774,7 @@
       </p:sp>
       <p:sp>
         <p:nvSpPr>
-          <p:cNvPr id="8" name="7 Marcador de pie de página"/>
+          <p:cNvPr id="8" name="Footer Placeholder 7"/>
           <p:cNvSpPr>
             <a:spLocks noGrp="1"/>
           </p:cNvSpPr>
@@ -1798,7 +1793,7 @@
       </p:sp>
       <p:sp>
         <p:nvSpPr>
-          <p:cNvPr id="9" name="8 Marcador de número de diapositiva"/>
+          <p:cNvPr id="9" name="Slide Number Placeholder 8"/>
           <p:cNvSpPr>
             <a:spLocks noGrp="1"/>
           </p:cNvSpPr>
@@ -1820,11 +1815,6 @@
         </p:txBody>
       </p:sp>
     </p:spTree>
-    <p:extLst>
-      <p:ext uri="{BB962C8B-B14F-4D97-AF65-F5344CB8AC3E}">
-        <p14:creationId xmlns:p14="http://schemas.microsoft.com/office/powerpoint/2010/main" val="934225343"/>
-      </p:ext>
-    </p:extLst>
   </p:cSld>
   <p:clrMapOvr>
     <a:masterClrMapping/>
@@ -1851,7 +1841,7 @@
       </p:grpSpPr>
       <p:sp>
         <p:nvSpPr>
-          <p:cNvPr id="2" name="1 Título"/>
+          <p:cNvPr id="2" name="Title 1"/>
           <p:cNvSpPr>
             <a:spLocks noGrp="1"/>
           </p:cNvSpPr>
@@ -1868,13 +1858,13 @@
               <a:rPr lang="es-ES" smtClean="0"/>
               <a:t>Haga clic para modificar el estilo de título del patrón</a:t>
             </a:r>
-            <a:endParaRPr lang="es-MX"/>
-          </a:p>
-        </p:txBody>
-      </p:sp>
-      <p:sp>
-        <p:nvSpPr>
-          <p:cNvPr id="3" name="2 Marcador de fecha"/>
+            <a:endParaRPr lang="en-US"/>
+          </a:p>
+        </p:txBody>
+      </p:sp>
+      <p:sp>
+        <p:nvSpPr>
+          <p:cNvPr id="3" name="Date Placeholder 2"/>
           <p:cNvSpPr>
             <a:spLocks noGrp="1"/>
           </p:cNvSpPr>
@@ -1897,7 +1887,7 @@
       </p:sp>
       <p:sp>
         <p:nvSpPr>
-          <p:cNvPr id="4" name="3 Marcador de pie de página"/>
+          <p:cNvPr id="4" name="Footer Placeholder 3"/>
           <p:cNvSpPr>
             <a:spLocks noGrp="1"/>
           </p:cNvSpPr>
@@ -1916,7 +1906,7 @@
       </p:sp>
       <p:sp>
         <p:nvSpPr>
-          <p:cNvPr id="5" name="4 Marcador de número de diapositiva"/>
+          <p:cNvPr id="5" name="Slide Number Placeholder 4"/>
           <p:cNvSpPr>
             <a:spLocks noGrp="1"/>
           </p:cNvSpPr>
@@ -1938,11 +1928,6 @@
         </p:txBody>
       </p:sp>
     </p:spTree>
-    <p:extLst>
-      <p:ext uri="{BB962C8B-B14F-4D97-AF65-F5344CB8AC3E}">
-        <p14:creationId xmlns:p14="http://schemas.microsoft.com/office/powerpoint/2010/main" val="2920067191"/>
-      </p:ext>
-    </p:extLst>
   </p:cSld>
   <p:clrMapOvr>
     <a:masterClrMapping/>
@@ -1969,7 +1954,7 @@
       </p:grpSpPr>
       <p:sp>
         <p:nvSpPr>
-          <p:cNvPr id="2" name="1 Marcador de fecha"/>
+          <p:cNvPr id="2" name="Date Placeholder 1"/>
           <p:cNvSpPr>
             <a:spLocks noGrp="1"/>
           </p:cNvSpPr>
@@ -1992,7 +1977,7 @@
       </p:sp>
       <p:sp>
         <p:nvSpPr>
-          <p:cNvPr id="3" name="2 Marcador de pie de página"/>
+          <p:cNvPr id="3" name="Footer Placeholder 2"/>
           <p:cNvSpPr>
             <a:spLocks noGrp="1"/>
           </p:cNvSpPr>
@@ -2011,7 +1996,7 @@
       </p:sp>
       <p:sp>
         <p:nvSpPr>
-          <p:cNvPr id="4" name="3 Marcador de número de diapositiva"/>
+          <p:cNvPr id="4" name="Slide Number Placeholder 3"/>
           <p:cNvSpPr>
             <a:spLocks noGrp="1"/>
           </p:cNvSpPr>
@@ -2033,11 +2018,6 @@
         </p:txBody>
       </p:sp>
     </p:spTree>
-    <p:extLst>
-      <p:ext uri="{BB962C8B-B14F-4D97-AF65-F5344CB8AC3E}">
-        <p14:creationId xmlns:p14="http://schemas.microsoft.com/office/powerpoint/2010/main" val="3514557070"/>
-      </p:ext>
-    </p:extLst>
   </p:cSld>
   <p:clrMapOvr>
     <a:masterClrMapping/>
@@ -2064,7 +2044,7 @@
       </p:grpSpPr>
       <p:sp>
         <p:nvSpPr>
-          <p:cNvPr id="2" name="1 Título"/>
+          <p:cNvPr id="2" name="Title 1"/>
           <p:cNvSpPr>
             <a:spLocks noGrp="1"/>
           </p:cNvSpPr>
@@ -2074,15 +2054,15 @@
         </p:nvSpPr>
         <p:spPr>
           <a:xfrm>
-            <a:off x="457200" y="273050"/>
-            <a:ext cx="3008313" cy="1162050"/>
+            <a:off x="304801" y="5495544"/>
+            <a:ext cx="7772400" cy="594360"/>
           </a:xfrm>
         </p:spPr>
         <p:txBody>
           <a:bodyPr anchor="b"/>
           <a:lstStyle>
-            <a:lvl1pPr algn="l">
-              <a:defRPr sz="2000" b="1"/>
+            <a:lvl1pPr algn="ctr">
+              <a:defRPr sz="2200" b="1"/>
             </a:lvl1pPr>
           </a:lstStyle>
           <a:p>
@@ -2090,117 +2070,34 @@
               <a:rPr lang="es-ES" smtClean="0"/>
               <a:t>Haga clic para modificar el estilo de título del patrón</a:t>
             </a:r>
-            <a:endParaRPr lang="es-MX"/>
-          </a:p>
-        </p:txBody>
-      </p:sp>
-      <p:sp>
-        <p:nvSpPr>
-          <p:cNvPr id="3" name="2 Marcador de contenido"/>
-          <p:cNvSpPr>
-            <a:spLocks noGrp="1"/>
-          </p:cNvSpPr>
-          <p:nvPr>
-            <p:ph idx="1"/>
+            <a:endParaRPr lang="en-US" dirty="0"/>
+          </a:p>
+        </p:txBody>
+      </p:sp>
+      <p:sp>
+        <p:nvSpPr>
+          <p:cNvPr id="4" name="Text Placeholder 3"/>
+          <p:cNvSpPr>
+            <a:spLocks noGrp="1"/>
+          </p:cNvSpPr>
+          <p:nvPr>
+            <p:ph type="body" sz="half" idx="2"/>
           </p:nvPr>
         </p:nvSpPr>
         <p:spPr>
           <a:xfrm>
-            <a:off x="3575050" y="273050"/>
-            <a:ext cx="5111750" cy="5853113"/>
+            <a:off x="304799" y="6096000"/>
+            <a:ext cx="7772401" cy="609600"/>
           </a:xfrm>
         </p:spPr>
         <p:txBody>
-          <a:bodyPr/>
+          <a:bodyPr>
+            <a:normAutofit/>
+          </a:bodyPr>
           <a:lstStyle>
-            <a:lvl1pPr>
-              <a:defRPr sz="3200"/>
-            </a:lvl1pPr>
-            <a:lvl2pPr>
-              <a:defRPr sz="2800"/>
-            </a:lvl2pPr>
-            <a:lvl3pPr>
-              <a:defRPr sz="2400"/>
-            </a:lvl3pPr>
-            <a:lvl4pPr>
-              <a:defRPr sz="2000"/>
-            </a:lvl4pPr>
-            <a:lvl5pPr>
-              <a:defRPr sz="2000"/>
-            </a:lvl5pPr>
-            <a:lvl6pPr>
-              <a:defRPr sz="2000"/>
-            </a:lvl6pPr>
-            <a:lvl7pPr>
-              <a:defRPr sz="2000"/>
-            </a:lvl7pPr>
-            <a:lvl8pPr>
-              <a:defRPr sz="2000"/>
-            </a:lvl8pPr>
-            <a:lvl9pPr>
-              <a:defRPr sz="2000"/>
-            </a:lvl9pPr>
-          </a:lstStyle>
-          <a:p>
-            <a:pPr lvl="0"/>
-            <a:r>
-              <a:rPr lang="es-ES" smtClean="0"/>
-              <a:t>Haga clic para modificar el estilo de texto del patrón</a:t>
-            </a:r>
-          </a:p>
-          <a:p>
-            <a:pPr lvl="1"/>
-            <a:r>
-              <a:rPr lang="es-ES" smtClean="0"/>
-              <a:t>Segundo nivel</a:t>
-            </a:r>
-          </a:p>
-          <a:p>
-            <a:pPr lvl="2"/>
-            <a:r>
-              <a:rPr lang="es-ES" smtClean="0"/>
-              <a:t>Tercer nivel</a:t>
-            </a:r>
-          </a:p>
-          <a:p>
-            <a:pPr lvl="3"/>
-            <a:r>
-              <a:rPr lang="es-ES" smtClean="0"/>
-              <a:t>Cuarto nivel</a:t>
-            </a:r>
-          </a:p>
-          <a:p>
-            <a:pPr lvl="4"/>
-            <a:r>
-              <a:rPr lang="es-ES" smtClean="0"/>
-              <a:t>Quinto nivel</a:t>
-            </a:r>
-            <a:endParaRPr lang="es-MX"/>
-          </a:p>
-        </p:txBody>
-      </p:sp>
-      <p:sp>
-        <p:nvSpPr>
-          <p:cNvPr id="4" name="3 Marcador de texto"/>
-          <p:cNvSpPr>
-            <a:spLocks noGrp="1"/>
-          </p:cNvSpPr>
-          <p:nvPr>
-            <p:ph type="body" sz="half" idx="2"/>
-          </p:nvPr>
-        </p:nvSpPr>
-        <p:spPr>
-          <a:xfrm>
-            <a:off x="457200" y="1435100"/>
-            <a:ext cx="3008313" cy="4691063"/>
-          </a:xfrm>
-        </p:spPr>
-        <p:txBody>
-          <a:bodyPr/>
-          <a:lstStyle>
-            <a:lvl1pPr marL="0" indent="0">
-              <a:buNone/>
-              <a:defRPr sz="1400"/>
+            <a:lvl1pPr marL="0" indent="0" algn="ctr">
+              <a:buNone/>
+              <a:defRPr sz="1600"/>
             </a:lvl1pPr>
             <a:lvl2pPr marL="457200" indent="0">
               <a:buNone/>
@@ -2246,7 +2143,7 @@
       </p:sp>
       <p:sp>
         <p:nvSpPr>
-          <p:cNvPr id="5" name="4 Marcador de fecha"/>
+          <p:cNvPr id="5" name="Date Placeholder 4"/>
           <p:cNvSpPr>
             <a:spLocks noGrp="1"/>
           </p:cNvSpPr>
@@ -2269,7 +2166,7 @@
       </p:sp>
       <p:sp>
         <p:nvSpPr>
-          <p:cNvPr id="6" name="5 Marcador de pie de página"/>
+          <p:cNvPr id="6" name="Footer Placeholder 5"/>
           <p:cNvSpPr>
             <a:spLocks noGrp="1"/>
           </p:cNvSpPr>
@@ -2288,7 +2185,7 @@
       </p:sp>
       <p:sp>
         <p:nvSpPr>
-          <p:cNvPr id="7" name="6 Marcador de número de diapositiva"/>
+          <p:cNvPr id="7" name="Slide Number Placeholder 6"/>
           <p:cNvSpPr>
             <a:spLocks noGrp="1"/>
           </p:cNvSpPr>
@@ -2309,12 +2206,64 @@
           </a:p>
         </p:txBody>
       </p:sp>
+      <p:sp>
+        <p:nvSpPr>
+          <p:cNvPr id="9" name="Content Placeholder 8"/>
+          <p:cNvSpPr>
+            <a:spLocks noGrp="1"/>
+          </p:cNvSpPr>
+          <p:nvPr>
+            <p:ph sz="quarter" idx="13"/>
+          </p:nvPr>
+        </p:nvSpPr>
+        <p:spPr>
+          <a:xfrm>
+            <a:off x="304800" y="381000"/>
+            <a:ext cx="7772400" cy="4942840"/>
+          </a:xfrm>
+        </p:spPr>
+        <p:txBody>
+          <a:bodyPr/>
+          <a:lstStyle/>
+          <a:p>
+            <a:pPr lvl="0"/>
+            <a:r>
+              <a:rPr lang="es-ES" smtClean="0"/>
+              <a:t>Haga clic para modificar el estilo de texto del patrón</a:t>
+            </a:r>
+          </a:p>
+          <a:p>
+            <a:pPr lvl="1"/>
+            <a:r>
+              <a:rPr lang="es-ES" smtClean="0"/>
+              <a:t>Segundo nivel</a:t>
+            </a:r>
+          </a:p>
+          <a:p>
+            <a:pPr lvl="2"/>
+            <a:r>
+              <a:rPr lang="es-ES" smtClean="0"/>
+              <a:t>Tercer nivel</a:t>
+            </a:r>
+          </a:p>
+          <a:p>
+            <a:pPr lvl="3"/>
+            <a:r>
+              <a:rPr lang="es-ES" smtClean="0"/>
+              <a:t>Cuarto nivel</a:t>
+            </a:r>
+          </a:p>
+          <a:p>
+            <a:pPr lvl="4"/>
+            <a:r>
+              <a:rPr lang="es-ES" smtClean="0"/>
+              <a:t>Quinto nivel</a:t>
+            </a:r>
+            <a:endParaRPr lang="en-US"/>
+          </a:p>
+        </p:txBody>
+      </p:sp>
     </p:spTree>
-    <p:extLst>
-      <p:ext uri="{BB962C8B-B14F-4D97-AF65-F5344CB8AC3E}">
-        <p14:creationId xmlns:p14="http://schemas.microsoft.com/office/powerpoint/2010/main" val="4000563736"/>
-      </p:ext>
-    </p:extLst>
   </p:cSld>
   <p:clrMapOvr>
     <a:masterClrMapping/>
@@ -2341,7 +2290,7 @@
       </p:grpSpPr>
       <p:sp>
         <p:nvSpPr>
-          <p:cNvPr id="2" name="1 Título"/>
+          <p:cNvPr id="2" name="Title 1"/>
           <p:cNvSpPr>
             <a:spLocks noGrp="1"/>
           </p:cNvSpPr>
@@ -2351,15 +2300,22 @@
         </p:nvSpPr>
         <p:spPr>
           <a:xfrm>
-            <a:off x="1792288" y="4800600"/>
-            <a:ext cx="5486400" cy="566738"/>
+            <a:off x="301752" y="5495278"/>
+            <a:ext cx="7772400" cy="594626"/>
           </a:xfrm>
         </p:spPr>
         <p:txBody>
           <a:bodyPr anchor="b"/>
           <a:lstStyle>
-            <a:lvl1pPr algn="l">
-              <a:defRPr sz="2000" b="1"/>
+            <a:lvl1pPr algn="ctr">
+              <a:defRPr sz="2200" b="1">
+                <a:ln>
+                  <a:noFill/>
+                </a:ln>
+                <a:solidFill>
+                  <a:schemeClr val="tx2"/>
+                </a:solidFill>
+              </a:defRPr>
             </a:lvl1pPr>
           </a:lstStyle>
           <a:p>
@@ -2367,13 +2323,13 @@
               <a:rPr lang="es-ES" smtClean="0"/>
               <a:t>Haga clic para modificar el estilo de título del patrón</a:t>
             </a:r>
-            <a:endParaRPr lang="es-MX"/>
-          </a:p>
-        </p:txBody>
-      </p:sp>
-      <p:sp>
-        <p:nvSpPr>
-          <p:cNvPr id="3" name="2 Marcador de posición de imagen"/>
+            <a:endParaRPr lang="en-US" dirty="0"/>
+          </a:p>
+        </p:txBody>
+      </p:sp>
+      <p:sp>
+        <p:nvSpPr>
+          <p:cNvPr id="3" name="Picture Placeholder 2"/>
           <p:cNvSpPr>
             <a:spLocks noGrp="1"/>
           </p:cNvSpPr>
@@ -2383,8 +2339,8 @@
         </p:nvSpPr>
         <p:spPr>
           <a:xfrm>
-            <a:off x="1792288" y="612775"/>
-            <a:ext cx="5486400" cy="4114800"/>
+            <a:off x="0" y="0"/>
+            <a:ext cx="8458200" cy="5486400"/>
           </a:xfrm>
         </p:spPr>
         <p:txBody>
@@ -2428,13 +2384,17 @@
             </a:lvl9pPr>
           </a:lstStyle>
           <a:p>
-            <a:endParaRPr lang="es-MX"/>
-          </a:p>
-        </p:txBody>
-      </p:sp>
-      <p:sp>
-        <p:nvSpPr>
-          <p:cNvPr id="4" name="3 Marcador de texto"/>
+            <a:r>
+              <a:rPr lang="es-ES" smtClean="0"/>
+              <a:t>Haga clic en el icono para agregar una imagen</a:t>
+            </a:r>
+            <a:endParaRPr lang="en-US" dirty="0"/>
+          </a:p>
+        </p:txBody>
+      </p:sp>
+      <p:sp>
+        <p:nvSpPr>
+          <p:cNvPr id="4" name="Text Placeholder 3"/>
           <p:cNvSpPr>
             <a:spLocks noGrp="1"/>
           </p:cNvSpPr>
@@ -2444,16 +2404,18 @@
         </p:nvSpPr>
         <p:spPr>
           <a:xfrm>
-            <a:off x="1792288" y="5367338"/>
-            <a:ext cx="5486400" cy="804862"/>
+            <a:off x="301752" y="6096000"/>
+            <a:ext cx="7772400" cy="612648"/>
           </a:xfrm>
         </p:spPr>
         <p:txBody>
-          <a:bodyPr/>
+          <a:bodyPr>
+            <a:normAutofit/>
+          </a:bodyPr>
           <a:lstStyle>
-            <a:lvl1pPr marL="0" indent="0">
-              <a:buNone/>
-              <a:defRPr sz="1400"/>
+            <a:lvl1pPr marL="0" indent="0" algn="ctr">
+              <a:buNone/>
+              <a:defRPr sz="1600"/>
             </a:lvl1pPr>
             <a:lvl2pPr marL="457200" indent="0">
               <a:buNone/>
@@ -2499,7 +2461,7 @@
       </p:sp>
       <p:sp>
         <p:nvSpPr>
-          <p:cNvPr id="5" name="4 Marcador de fecha"/>
+          <p:cNvPr id="8" name="Date Placeholder 7"/>
           <p:cNvSpPr>
             <a:spLocks noGrp="1"/>
           </p:cNvSpPr>
@@ -2522,31 +2484,12 @@
       </p:sp>
       <p:sp>
         <p:nvSpPr>
-          <p:cNvPr id="6" name="5 Marcador de pie de página"/>
-          <p:cNvSpPr>
-            <a:spLocks noGrp="1"/>
-          </p:cNvSpPr>
-          <p:nvPr>
-            <p:ph type="ftr" sz="quarter" idx="11"/>
-          </p:nvPr>
-        </p:nvSpPr>
-        <p:spPr/>
-        <p:txBody>
-          <a:bodyPr/>
-          <a:lstStyle/>
-          <a:p>
-            <a:endParaRPr lang="es-MX"/>
-          </a:p>
-        </p:txBody>
-      </p:sp>
-      <p:sp>
-        <p:nvSpPr>
-          <p:cNvPr id="7" name="6 Marcador de número de diapositiva"/>
-          <p:cNvSpPr>
-            <a:spLocks noGrp="1"/>
-          </p:cNvSpPr>
-          <p:nvPr>
-            <p:ph type="sldNum" sz="quarter" idx="12"/>
+          <p:cNvPr id="9" name="Slide Number Placeholder 8"/>
+          <p:cNvSpPr>
+            <a:spLocks noGrp="1"/>
+          </p:cNvSpPr>
+          <p:nvPr>
+            <p:ph type="sldNum" sz="quarter" idx="11"/>
           </p:nvPr>
         </p:nvSpPr>
         <p:spPr/>
@@ -2562,12 +2505,26 @@
           </a:p>
         </p:txBody>
       </p:sp>
+      <p:sp>
+        <p:nvSpPr>
+          <p:cNvPr id="10" name="Footer Placeholder 9"/>
+          <p:cNvSpPr>
+            <a:spLocks noGrp="1"/>
+          </p:cNvSpPr>
+          <p:nvPr>
+            <p:ph type="ftr" sz="quarter" idx="12"/>
+          </p:nvPr>
+        </p:nvSpPr>
+        <p:spPr/>
+        <p:txBody>
+          <a:bodyPr/>
+          <a:lstStyle/>
+          <a:p>
+            <a:endParaRPr lang="es-MX"/>
+          </a:p>
+        </p:txBody>
+      </p:sp>
     </p:spTree>
-    <p:extLst>
-      <p:ext uri="{BB962C8B-B14F-4D97-AF65-F5344CB8AC3E}">
-        <p14:creationId xmlns:p14="http://schemas.microsoft.com/office/powerpoint/2010/main" val="3061036289"/>
-      </p:ext>
-    </p:extLst>
   </p:cSld>
   <p:clrMapOvr>
     <a:masterClrMapping/>
@@ -2579,7 +2536,7 @@
 <p:sldMaster xmlns:a="http://schemas.openxmlformats.org/drawingml/2006/main" xmlns:r="http://schemas.openxmlformats.org/officeDocument/2006/relationships" xmlns:p="http://schemas.openxmlformats.org/presentationml/2006/main">
   <p:cSld>
     <p:bg>
-      <p:bgRef idx="1001">
+      <p:bgRef idx="1002">
         <a:schemeClr val="bg1"/>
       </p:bgRef>
     </p:bg>
@@ -2599,7 +2556,7 @@
       </p:grpSpPr>
       <p:sp>
         <p:nvSpPr>
-          <p:cNvPr id="2" name="1 Marcador de título"/>
+          <p:cNvPr id="2" name="Title Placeholder 1"/>
           <p:cNvSpPr>
             <a:spLocks noGrp="1"/>
           </p:cNvSpPr>
@@ -2610,7 +2567,7 @@
         <p:spPr>
           <a:xfrm>
             <a:off x="457200" y="274638"/>
-            <a:ext cx="8229600" cy="1143000"/>
+            <a:ext cx="7620000" cy="1143000"/>
           </a:xfrm>
           <a:prstGeom prst="rect">
             <a:avLst/>
@@ -2618,7 +2575,7 @@
         </p:spPr>
         <p:txBody>
           <a:bodyPr vert="horz" lIns="91440" tIns="45720" rIns="91440" bIns="45720" rtlCol="0" anchor="ctr">
-            <a:normAutofit/>
+            <a:noAutofit/>
           </a:bodyPr>
           <a:lstStyle/>
           <a:p>
@@ -2626,13 +2583,13 @@
               <a:rPr lang="es-ES" smtClean="0"/>
               <a:t>Haga clic para modificar el estilo de título del patrón</a:t>
             </a:r>
-            <a:endParaRPr lang="es-MX"/>
-          </a:p>
-        </p:txBody>
-      </p:sp>
-      <p:sp>
-        <p:nvSpPr>
-          <p:cNvPr id="3" name="2 Marcador de texto"/>
+            <a:endParaRPr lang="en-US" dirty="0"/>
+          </a:p>
+        </p:txBody>
+      </p:sp>
+      <p:sp>
+        <p:nvSpPr>
+          <p:cNvPr id="3" name="Text Placeholder 2"/>
           <p:cNvSpPr>
             <a:spLocks noGrp="1"/>
           </p:cNvSpPr>
@@ -2643,7 +2600,7 @@
         <p:spPr>
           <a:xfrm>
             <a:off x="457200" y="1600200"/>
-            <a:ext cx="8229600" cy="4525963"/>
+            <a:ext cx="7620000" cy="4800600"/>
           </a:xfrm>
           <a:prstGeom prst="rect">
             <a:avLst/>
@@ -2688,24 +2645,162 @@
               <a:rPr lang="es-ES" smtClean="0"/>
               <a:t>Quinto nivel</a:t>
             </a:r>
-            <a:endParaRPr lang="es-MX"/>
-          </a:p>
-        </p:txBody>
-      </p:sp>
-      <p:sp>
-        <p:nvSpPr>
-          <p:cNvPr id="4" name="3 Marcador de fecha"/>
-          <p:cNvSpPr>
-            <a:spLocks noGrp="1"/>
-          </p:cNvSpPr>
-          <p:nvPr>
-            <p:ph type="dt" sz="half" idx="2"/>
-          </p:nvPr>
+            <a:endParaRPr lang="en-US" dirty="0"/>
+          </a:p>
+        </p:txBody>
+      </p:sp>
+      <p:sp>
+        <p:nvSpPr>
+          <p:cNvPr id="7" name="Rectangle 6"/>
+          <p:cNvSpPr/>
+          <p:nvPr/>
         </p:nvSpPr>
         <p:spPr>
           <a:xfrm>
-            <a:off x="457200" y="6356350"/>
-            <a:ext cx="2133600" cy="365125"/>
+            <a:off x="8458200" y="0"/>
+            <a:ext cx="685800" cy="6858000"/>
+          </a:xfrm>
+          <a:prstGeom prst="rect">
+            <a:avLst/>
+          </a:prstGeom>
+          <a:solidFill>
+            <a:schemeClr val="tx2"/>
+          </a:solidFill>
+          <a:ln>
+            <a:noFill/>
+          </a:ln>
+        </p:spPr>
+        <p:style>
+          <a:lnRef idx="2">
+            <a:schemeClr val="accent1">
+              <a:shade val="50000"/>
+            </a:schemeClr>
+          </a:lnRef>
+          <a:fillRef idx="1">
+            <a:schemeClr val="accent1"/>
+          </a:fillRef>
+          <a:effectRef idx="0">
+            <a:schemeClr val="accent1"/>
+          </a:effectRef>
+          <a:fontRef idx="minor">
+            <a:schemeClr val="lt1"/>
+          </a:fontRef>
+        </p:style>
+        <p:txBody>
+          <a:bodyPr rtlCol="0" anchor="ctr"/>
+          <a:lstStyle/>
+          <a:p>
+            <a:pPr algn="ctr"/>
+            <a:endParaRPr lang="en-US"/>
+          </a:p>
+        </p:txBody>
+      </p:sp>
+      <p:sp>
+        <p:nvSpPr>
+          <p:cNvPr id="8" name="Rectangle 7"/>
+          <p:cNvSpPr/>
+          <p:nvPr/>
+        </p:nvSpPr>
+        <p:spPr>
+          <a:xfrm>
+            <a:off x="8458200" y="5486400"/>
+            <a:ext cx="685800" cy="685800"/>
+          </a:xfrm>
+          <a:prstGeom prst="rect">
+            <a:avLst/>
+          </a:prstGeom>
+          <a:solidFill>
+            <a:schemeClr val="accent1"/>
+          </a:solidFill>
+          <a:ln>
+            <a:noFill/>
+          </a:ln>
+        </p:spPr>
+        <p:style>
+          <a:lnRef idx="2">
+            <a:schemeClr val="accent1">
+              <a:shade val="50000"/>
+            </a:schemeClr>
+          </a:lnRef>
+          <a:fillRef idx="1">
+            <a:schemeClr val="accent1"/>
+          </a:fillRef>
+          <a:effectRef idx="0">
+            <a:schemeClr val="accent1"/>
+          </a:effectRef>
+          <a:fontRef idx="minor">
+            <a:schemeClr val="lt1"/>
+          </a:fontRef>
+        </p:style>
+        <p:txBody>
+          <a:bodyPr rtlCol="0" anchor="ctr"/>
+          <a:lstStyle/>
+          <a:p>
+            <a:pPr algn="ctr"/>
+            <a:endParaRPr lang="en-US"/>
+          </a:p>
+        </p:txBody>
+      </p:sp>
+      <p:sp>
+        <p:nvSpPr>
+          <p:cNvPr id="6" name="Slide Number Placeholder 5"/>
+          <p:cNvSpPr>
+            <a:spLocks noGrp="1"/>
+          </p:cNvSpPr>
+          <p:nvPr>
+            <p:ph type="sldNum" sz="quarter" idx="4"/>
+          </p:nvPr>
+        </p:nvSpPr>
+        <p:spPr>
+          <a:xfrm>
+            <a:off x="8531788" y="5648960"/>
+            <a:ext cx="548640" cy="396240"/>
+          </a:xfrm>
+          <a:prstGeom prst="bracketPair">
+            <a:avLst>
+              <a:gd name="adj" fmla="val 17949"/>
+            </a:avLst>
+          </a:prstGeom>
+          <a:ln w="19050">
+            <a:solidFill>
+              <a:srgbClr val="FFFFFF"/>
+            </a:solidFill>
+          </a:ln>
+        </p:spPr>
+        <p:txBody>
+          <a:bodyPr vert="horz" lIns="0" tIns="0" rIns="0" bIns="0" rtlCol="0" anchor="ctr"/>
+          <a:lstStyle>
+            <a:lvl1pPr algn="ctr">
+              <a:defRPr sz="1800">
+                <a:solidFill>
+                  <a:srgbClr val="FFFFFF"/>
+                </a:solidFill>
+              </a:defRPr>
+            </a:lvl1pPr>
+          </a:lstStyle>
+          <a:p>
+            <a:fld id="{03E40D4C-4D96-43AB-B575-74BF4CED1F94}" type="slidenum">
+              <a:rPr lang="es-MX" smtClean="0"/>
+              <a:t>‹Nº›</a:t>
+            </a:fld>
+            <a:endParaRPr lang="es-MX"/>
+          </a:p>
+        </p:txBody>
+      </p:sp>
+      <p:sp>
+        <p:nvSpPr>
+          <p:cNvPr id="5" name="Footer Placeholder 4"/>
+          <p:cNvSpPr>
+            <a:spLocks noGrp="1"/>
+          </p:cNvSpPr>
+          <p:nvPr>
+            <p:ph type="ftr" sz="quarter" idx="3"/>
+          </p:nvPr>
+        </p:nvSpPr>
+        <p:spPr>
+          <a:xfrm rot="16200000">
+            <a:off x="7586910" y="4048760"/>
+            <a:ext cx="2367281" cy="365760"/>
           </a:xfrm>
           <a:prstGeom prst="rect">
             <a:avLst/>
@@ -2714,12 +2809,45 @@
         <p:txBody>
           <a:bodyPr vert="horz" lIns="91440" tIns="45720" rIns="91440" bIns="45720" rtlCol="0" anchor="ctr"/>
           <a:lstStyle>
+            <a:lvl1pPr algn="r">
+              <a:defRPr sz="1200">
+                <a:solidFill>
+                  <a:schemeClr val="bg2"/>
+                </a:solidFill>
+              </a:defRPr>
+            </a:lvl1pPr>
+          </a:lstStyle>
+          <a:p>
+            <a:endParaRPr lang="es-MX"/>
+          </a:p>
+        </p:txBody>
+      </p:sp>
+      <p:sp>
+        <p:nvSpPr>
+          <p:cNvPr id="4" name="Date Placeholder 3"/>
+          <p:cNvSpPr>
+            <a:spLocks noGrp="1"/>
+          </p:cNvSpPr>
+          <p:nvPr>
+            <p:ph type="dt" sz="half" idx="2"/>
+          </p:nvPr>
+        </p:nvSpPr>
+        <p:spPr>
+          <a:xfrm rot="16200000">
+            <a:off x="7551351" y="1645920"/>
+            <a:ext cx="2438399" cy="365760"/>
+          </a:xfrm>
+          <a:prstGeom prst="rect">
+            <a:avLst/>
+          </a:prstGeom>
+        </p:spPr>
+        <p:txBody>
+          <a:bodyPr vert="horz" lIns="91440" tIns="45720" rIns="91440" bIns="45720" rtlCol="0" anchor="ctr"/>
+          <a:lstStyle>
             <a:lvl1pPr algn="l">
               <a:defRPr sz="1200">
                 <a:solidFill>
-                  <a:schemeClr val="tx1">
-                    <a:tint val="75000"/>
-                  </a:schemeClr>
+                  <a:schemeClr val="bg2"/>
                 </a:solidFill>
               </a:defRPr>
             </a:lvl1pPr>
@@ -2733,116 +2861,37 @@
           </a:p>
         </p:txBody>
       </p:sp>
-      <p:sp>
-        <p:nvSpPr>
-          <p:cNvPr id="5" name="4 Marcador de pie de página"/>
-          <p:cNvSpPr>
-            <a:spLocks noGrp="1"/>
-          </p:cNvSpPr>
-          <p:nvPr>
-            <p:ph type="ftr" sz="quarter" idx="3"/>
-          </p:nvPr>
-        </p:nvSpPr>
-        <p:spPr>
-          <a:xfrm>
-            <a:off x="3124200" y="6356350"/>
-            <a:ext cx="2895600" cy="365125"/>
-          </a:xfrm>
-          <a:prstGeom prst="rect">
-            <a:avLst/>
-          </a:prstGeom>
-        </p:spPr>
-        <p:txBody>
-          <a:bodyPr vert="horz" lIns="91440" tIns="45720" rIns="91440" bIns="45720" rtlCol="0" anchor="ctr"/>
-          <a:lstStyle>
-            <a:lvl1pPr algn="ctr">
-              <a:defRPr sz="1200">
-                <a:solidFill>
-                  <a:schemeClr val="tx1">
-                    <a:tint val="75000"/>
-                  </a:schemeClr>
-                </a:solidFill>
-              </a:defRPr>
-            </a:lvl1pPr>
-          </a:lstStyle>
-          <a:p>
-            <a:endParaRPr lang="es-MX"/>
-          </a:p>
-        </p:txBody>
-      </p:sp>
-      <p:sp>
-        <p:nvSpPr>
-          <p:cNvPr id="6" name="5 Marcador de número de diapositiva"/>
-          <p:cNvSpPr>
-            <a:spLocks noGrp="1"/>
-          </p:cNvSpPr>
-          <p:nvPr>
-            <p:ph type="sldNum" sz="quarter" idx="4"/>
-          </p:nvPr>
-        </p:nvSpPr>
-        <p:spPr>
-          <a:xfrm>
-            <a:off x="6553200" y="6356350"/>
-            <a:ext cx="2133600" cy="365125"/>
-          </a:xfrm>
-          <a:prstGeom prst="rect">
-            <a:avLst/>
-          </a:prstGeom>
-        </p:spPr>
-        <p:txBody>
-          <a:bodyPr vert="horz" lIns="91440" tIns="45720" rIns="91440" bIns="45720" rtlCol="0" anchor="ctr"/>
-          <a:lstStyle>
-            <a:lvl1pPr algn="r">
-              <a:defRPr sz="1200">
-                <a:solidFill>
-                  <a:schemeClr val="tx1">
-                    <a:tint val="75000"/>
-                  </a:schemeClr>
-                </a:solidFill>
-              </a:defRPr>
-            </a:lvl1pPr>
-          </a:lstStyle>
-          <a:p>
-            <a:fld id="{03E40D4C-4D96-43AB-B575-74BF4CED1F94}" type="slidenum">
-              <a:rPr lang="es-MX" smtClean="0"/>
-              <a:t>‹Nº›</a:t>
-            </a:fld>
-            <a:endParaRPr lang="es-MX"/>
-          </a:p>
-        </p:txBody>
-      </p:sp>
     </p:spTree>
-    <p:extLst>
-      <p:ext uri="{BB962C8B-B14F-4D97-AF65-F5344CB8AC3E}">
-        <p14:creationId xmlns:p14="http://schemas.microsoft.com/office/powerpoint/2010/main" val="3771315573"/>
-      </p:ext>
-    </p:extLst>
   </p:cSld>
   <p:clrMap bg1="lt1" tx1="dk1" bg2="lt2" tx2="dk2" accent1="accent1" accent2="accent2" accent3="accent3" accent4="accent4" accent5="accent5" accent6="accent6" hlink="hlink" folHlink="folHlink"/>
   <p:sldLayoutIdLst>
-    <p:sldLayoutId id="2147483649" r:id="rId1"/>
-    <p:sldLayoutId id="2147483650" r:id="rId2"/>
-    <p:sldLayoutId id="2147483651" r:id="rId3"/>
-    <p:sldLayoutId id="2147483652" r:id="rId4"/>
-    <p:sldLayoutId id="2147483653" r:id="rId5"/>
-    <p:sldLayoutId id="2147483654" r:id="rId6"/>
-    <p:sldLayoutId id="2147483655" r:id="rId7"/>
-    <p:sldLayoutId id="2147483656" r:id="rId8"/>
-    <p:sldLayoutId id="2147483657" r:id="rId9"/>
-    <p:sldLayoutId id="2147483658" r:id="rId10"/>
-    <p:sldLayoutId id="2147483659" r:id="rId11"/>
+    <p:sldLayoutId id="2147483661" r:id="rId1"/>
+    <p:sldLayoutId id="2147483662" r:id="rId2"/>
+    <p:sldLayoutId id="2147483663" r:id="rId3"/>
+    <p:sldLayoutId id="2147483664" r:id="rId4"/>
+    <p:sldLayoutId id="2147483665" r:id="rId5"/>
+    <p:sldLayoutId id="2147483666" r:id="rId6"/>
+    <p:sldLayoutId id="2147483667" r:id="rId7"/>
+    <p:sldLayoutId id="2147483668" r:id="rId8"/>
+    <p:sldLayoutId id="2147483669" r:id="rId9"/>
+    <p:sldLayoutId id="2147483670" r:id="rId10"/>
+    <p:sldLayoutId id="2147483671" r:id="rId11"/>
   </p:sldLayoutIdLst>
   <p:txStyles>
     <p:titleStyle>
-      <a:lvl1pPr algn="ctr" defTabSz="914400" rtl="0" eaLnBrk="1" latinLnBrk="0" hangingPunct="1">
+      <a:lvl1pPr algn="l" defTabSz="914400" rtl="0" eaLnBrk="1" latinLnBrk="0" hangingPunct="1">
         <a:spcBef>
           <a:spcPct val="0"/>
         </a:spcBef>
         <a:buNone/>
-        <a:defRPr sz="4400" kern="1200">
+        <a:defRPr sz="4600" kern="1200" cap="none" spc="-100" baseline="0">
+          <a:ln>
+            <a:noFill/>
+          </a:ln>
           <a:solidFill>
-            <a:schemeClr val="tx1"/>
+            <a:schemeClr val="tx2"/>
           </a:solidFill>
+          <a:effectLst/>
           <a:latin typeface="+mj-lt"/>
           <a:ea typeface="+mj-ea"/>
           <a:cs typeface="+mj-cs"/>
@@ -2850,13 +2899,16 @@
       </a:lvl1pPr>
     </p:titleStyle>
     <p:bodyStyle>
-      <a:lvl1pPr marL="342900" indent="-342900" algn="l" defTabSz="914400" rtl="0" eaLnBrk="1" latinLnBrk="0" hangingPunct="1">
+      <a:lvl1pPr marL="342900" indent="-228600" algn="l" defTabSz="914400" rtl="0" eaLnBrk="1" latinLnBrk="0" hangingPunct="1">
         <a:spcBef>
           <a:spcPct val="20000"/>
         </a:spcBef>
-        <a:buFont typeface="Arial" panose="020B0604020202020204" pitchFamily="34" charset="0"/>
+        <a:buClr>
+          <a:schemeClr val="accent1"/>
+        </a:buClr>
+        <a:buFont typeface="Arial" pitchFamily="34" charset="0"/>
         <a:buChar char="•"/>
-        <a:defRPr sz="3200" kern="1200">
+        <a:defRPr sz="2200" kern="1200">
           <a:solidFill>
             <a:schemeClr val="tx1"/>
           </a:solidFill>
@@ -2865,71 +2917,14 @@
           <a:cs typeface="+mn-cs"/>
         </a:defRPr>
       </a:lvl1pPr>
-      <a:lvl2pPr marL="742950" indent="-285750" algn="l" defTabSz="914400" rtl="0" eaLnBrk="1" latinLnBrk="0" hangingPunct="1">
+      <a:lvl2pPr marL="640080" indent="-228600" algn="l" defTabSz="914400" rtl="0" eaLnBrk="1" latinLnBrk="0" hangingPunct="1">
         <a:spcBef>
           <a:spcPct val="20000"/>
         </a:spcBef>
-        <a:buFont typeface="Arial" panose="020B0604020202020204" pitchFamily="34" charset="0"/>
-        <a:buChar char="–"/>
-        <a:defRPr sz="2800" kern="1200">
-          <a:solidFill>
-            <a:schemeClr val="tx1"/>
-          </a:solidFill>
-          <a:latin typeface="+mn-lt"/>
-          <a:ea typeface="+mn-ea"/>
-          <a:cs typeface="+mn-cs"/>
-        </a:defRPr>
-      </a:lvl2pPr>
-      <a:lvl3pPr marL="1143000" indent="-228600" algn="l" defTabSz="914400" rtl="0" eaLnBrk="1" latinLnBrk="0" hangingPunct="1">
-        <a:spcBef>
-          <a:spcPct val="20000"/>
-        </a:spcBef>
-        <a:buFont typeface="Arial" panose="020B0604020202020204" pitchFamily="34" charset="0"/>
-        <a:buChar char="•"/>
-        <a:defRPr sz="2400" kern="1200">
-          <a:solidFill>
-            <a:schemeClr val="tx1"/>
-          </a:solidFill>
-          <a:latin typeface="+mn-lt"/>
-          <a:ea typeface="+mn-ea"/>
-          <a:cs typeface="+mn-cs"/>
-        </a:defRPr>
-      </a:lvl3pPr>
-      <a:lvl4pPr marL="1600200" indent="-228600" algn="l" defTabSz="914400" rtl="0" eaLnBrk="1" latinLnBrk="0" hangingPunct="1">
-        <a:spcBef>
-          <a:spcPct val="20000"/>
-        </a:spcBef>
-        <a:buFont typeface="Arial" panose="020B0604020202020204" pitchFamily="34" charset="0"/>
-        <a:buChar char="–"/>
-        <a:defRPr sz="2000" kern="1200">
-          <a:solidFill>
-            <a:schemeClr val="tx1"/>
-          </a:solidFill>
-          <a:latin typeface="+mn-lt"/>
-          <a:ea typeface="+mn-ea"/>
-          <a:cs typeface="+mn-cs"/>
-        </a:defRPr>
-      </a:lvl4pPr>
-      <a:lvl5pPr marL="2057400" indent="-228600" algn="l" defTabSz="914400" rtl="0" eaLnBrk="1" latinLnBrk="0" hangingPunct="1">
-        <a:spcBef>
-          <a:spcPct val="20000"/>
-        </a:spcBef>
-        <a:buFont typeface="Arial" panose="020B0604020202020204" pitchFamily="34" charset="0"/>
-        <a:buChar char="»"/>
-        <a:defRPr sz="2000" kern="1200">
-          <a:solidFill>
-            <a:schemeClr val="tx1"/>
-          </a:solidFill>
-          <a:latin typeface="+mn-lt"/>
-          <a:ea typeface="+mn-ea"/>
-          <a:cs typeface="+mn-cs"/>
-        </a:defRPr>
-      </a:lvl5pPr>
-      <a:lvl6pPr marL="2514600" indent="-228600" algn="l" defTabSz="914400" rtl="0" eaLnBrk="1" latinLnBrk="0" hangingPunct="1">
-        <a:spcBef>
-          <a:spcPct val="20000"/>
-        </a:spcBef>
-        <a:buFont typeface="Arial" panose="020B0604020202020204" pitchFamily="34" charset="0"/>
+        <a:buClr>
+          <a:schemeClr val="accent2"/>
+        </a:buClr>
+        <a:buFont typeface="Arial" pitchFamily="34" charset="0"/>
         <a:buChar char="•"/>
         <a:defRPr sz="2000" kern="1200">
           <a:solidFill>
@@ -2939,14 +2934,89 @@
           <a:ea typeface="+mn-ea"/>
           <a:cs typeface="+mn-cs"/>
         </a:defRPr>
-      </a:lvl6pPr>
-      <a:lvl7pPr marL="2971800" indent="-228600" algn="l" defTabSz="914400" rtl="0" eaLnBrk="1" latinLnBrk="0" hangingPunct="1">
+      </a:lvl2pPr>
+      <a:lvl3pPr marL="1005840" indent="-228600" algn="l" defTabSz="914400" rtl="0" eaLnBrk="1" latinLnBrk="0" hangingPunct="1">
         <a:spcBef>
           <a:spcPct val="20000"/>
         </a:spcBef>
-        <a:buFont typeface="Arial" panose="020B0604020202020204" pitchFamily="34" charset="0"/>
+        <a:buClr>
+          <a:schemeClr val="accent3"/>
+        </a:buClr>
+        <a:buFont typeface="Arial" pitchFamily="34" charset="0"/>
         <a:buChar char="•"/>
-        <a:defRPr sz="2000" kern="1200">
+        <a:defRPr sz="1800" kern="1200">
+          <a:solidFill>
+            <a:schemeClr val="tx1"/>
+          </a:solidFill>
+          <a:latin typeface="+mn-lt"/>
+          <a:ea typeface="+mn-ea"/>
+          <a:cs typeface="+mn-cs"/>
+        </a:defRPr>
+      </a:lvl3pPr>
+      <a:lvl4pPr marL="1280160" indent="-228600" algn="l" defTabSz="914400" rtl="0" eaLnBrk="1" latinLnBrk="0" hangingPunct="1">
+        <a:spcBef>
+          <a:spcPct val="20000"/>
+        </a:spcBef>
+        <a:buClr>
+          <a:schemeClr val="accent4"/>
+        </a:buClr>
+        <a:buFont typeface="Arial" pitchFamily="34" charset="0"/>
+        <a:buChar char="•"/>
+        <a:defRPr sz="1600" kern="1200">
+          <a:solidFill>
+            <a:schemeClr val="tx1"/>
+          </a:solidFill>
+          <a:latin typeface="+mn-lt"/>
+          <a:ea typeface="+mn-ea"/>
+          <a:cs typeface="+mn-cs"/>
+        </a:defRPr>
+      </a:lvl4pPr>
+      <a:lvl5pPr marL="1554480" indent="-228600" algn="l" defTabSz="914400" rtl="0" eaLnBrk="1" latinLnBrk="0" hangingPunct="1">
+        <a:spcBef>
+          <a:spcPct val="20000"/>
+        </a:spcBef>
+        <a:buClr>
+          <a:schemeClr val="accent5"/>
+        </a:buClr>
+        <a:buFont typeface="Arial" pitchFamily="34" charset="0"/>
+        <a:buChar char="•"/>
+        <a:defRPr sz="1400" kern="1200" baseline="0">
+          <a:solidFill>
+            <a:schemeClr val="tx1"/>
+          </a:solidFill>
+          <a:latin typeface="+mn-lt"/>
+          <a:ea typeface="+mn-ea"/>
+          <a:cs typeface="+mn-cs"/>
+        </a:defRPr>
+      </a:lvl5pPr>
+      <a:lvl6pPr marL="1737360" indent="-182880" algn="l" defTabSz="914400" rtl="0" eaLnBrk="1" latinLnBrk="0" hangingPunct="1">
+        <a:spcBef>
+          <a:spcPct val="20000"/>
+        </a:spcBef>
+        <a:buClr>
+          <a:schemeClr val="accent1"/>
+        </a:buClr>
+        <a:buFont typeface="Arial" pitchFamily="34" charset="0"/>
+        <a:buChar char="•"/>
+        <a:defRPr sz="1400" kern="1200" baseline="0">
+          <a:solidFill>
+            <a:schemeClr val="tx1"/>
+          </a:solidFill>
+          <a:latin typeface="+mn-lt"/>
+          <a:ea typeface="+mn-ea"/>
+          <a:cs typeface="+mn-cs"/>
+        </a:defRPr>
+      </a:lvl6pPr>
+      <a:lvl7pPr marL="1920240" indent="-182880" algn="l" defTabSz="914400" rtl="0" eaLnBrk="1" latinLnBrk="0" hangingPunct="1">
+        <a:spcBef>
+          <a:spcPct val="20000"/>
+        </a:spcBef>
+        <a:buClr>
+          <a:schemeClr val="accent2"/>
+        </a:buClr>
+        <a:buFont typeface="Arial" pitchFamily="34" charset="0"/>
+        <a:buChar char="•"/>
+        <a:defRPr sz="1400" kern="1200">
           <a:solidFill>
             <a:schemeClr val="tx1"/>
           </a:solidFill>
@@ -2955,13 +3025,16 @@
           <a:cs typeface="+mn-cs"/>
         </a:defRPr>
       </a:lvl7pPr>
-      <a:lvl8pPr marL="3429000" indent="-228600" algn="l" defTabSz="914400" rtl="0" eaLnBrk="1" latinLnBrk="0" hangingPunct="1">
+      <a:lvl8pPr marL="2103120" indent="-182880" algn="l" defTabSz="914400" rtl="0" eaLnBrk="1" latinLnBrk="0" hangingPunct="1">
         <a:spcBef>
           <a:spcPct val="20000"/>
         </a:spcBef>
-        <a:buFont typeface="Arial" panose="020B0604020202020204" pitchFamily="34" charset="0"/>
+        <a:buClr>
+          <a:schemeClr val="accent3"/>
+        </a:buClr>
+        <a:buFont typeface="Arial" pitchFamily="34" charset="0"/>
         <a:buChar char="•"/>
-        <a:defRPr sz="2000" kern="1200">
+        <a:defRPr sz="1400" kern="1200">
           <a:solidFill>
             <a:schemeClr val="tx1"/>
           </a:solidFill>
@@ -2970,13 +3043,16 @@
           <a:cs typeface="+mn-cs"/>
         </a:defRPr>
       </a:lvl8pPr>
-      <a:lvl9pPr marL="3886200" indent="-228600" algn="l" defTabSz="914400" rtl="0" eaLnBrk="1" latinLnBrk="0" hangingPunct="1">
+      <a:lvl9pPr marL="2286000" indent="-182880" algn="l" defTabSz="914400" rtl="0" eaLnBrk="1" latinLnBrk="0" hangingPunct="1">
         <a:spcBef>
           <a:spcPct val="20000"/>
         </a:spcBef>
-        <a:buFont typeface="Arial" panose="020B0604020202020204" pitchFamily="34" charset="0"/>
+        <a:buClr>
+          <a:schemeClr val="accent4"/>
+        </a:buClr>
+        <a:buFont typeface="Arial" pitchFamily="34" charset="0"/>
         <a:buChar char="•"/>
-        <a:defRPr sz="2000" kern="1200">
+        <a:defRPr sz="1400" kern="1200">
           <a:solidFill>
             <a:schemeClr val="tx1"/>
           </a:solidFill>
@@ -2988,7 +3064,7 @@
     </p:bodyStyle>
     <p:otherStyle>
       <a:defPPr>
-        <a:defRPr lang="es-MX"/>
+        <a:defRPr lang="en-US"/>
       </a:defPPr>
       <a:lvl1pPr marL="0" algn="l" defTabSz="914400" rtl="0" eaLnBrk="1" latinLnBrk="0" hangingPunct="1">
         <a:defRPr sz="1800" kern="1200">
@@ -3162,7 +3238,7 @@
         </p:spPr>
         <p:txBody>
           <a:bodyPr>
-            <a:normAutofit fontScale="70000" lnSpcReduction="20000"/>
+            <a:normAutofit/>
           </a:bodyPr>
           <a:lstStyle/>
           <a:p>
@@ -3637,7 +3713,7 @@
         </p:spPr>
         <p:txBody>
           <a:bodyPr>
-            <a:normAutofit fontScale="62500" lnSpcReduction="20000"/>
+            <a:normAutofit fontScale="92500"/>
           </a:bodyPr>
           <a:lstStyle/>
           <a:p>
@@ -3761,7 +3837,7 @@
         <p:spPr/>
         <p:txBody>
           <a:bodyPr>
-            <a:normAutofit fontScale="70000" lnSpcReduction="20000"/>
+            <a:normAutofit lnSpcReduction="10000"/>
           </a:bodyPr>
           <a:lstStyle/>
           <a:p>
@@ -3918,7 +3994,7 @@
         <p:spPr/>
         <p:txBody>
           <a:bodyPr>
-            <a:normAutofit fontScale="40000" lnSpcReduction="20000"/>
+            <a:normAutofit fontScale="62500" lnSpcReduction="20000"/>
           </a:bodyPr>
           <a:lstStyle/>
           <a:p>
@@ -4123,7 +4199,7 @@
         <p:spPr/>
         <p:txBody>
           <a:bodyPr>
-            <a:normAutofit fontScale="47500" lnSpcReduction="20000"/>
+            <a:normAutofit fontScale="70000" lnSpcReduction="20000"/>
           </a:bodyPr>
           <a:lstStyle/>
           <a:p>
@@ -4674,52 +4750,52 @@
 </file>
 
 <file path=ppt/theme/theme1.xml><?xml version="1.0" encoding="utf-8"?>
-<a:theme xmlns:a="http://schemas.openxmlformats.org/drawingml/2006/main" name="Tema de Office">
+<a:theme xmlns:a="http://schemas.openxmlformats.org/drawingml/2006/main" name="Adyacencia">
   <a:themeElements>
-    <a:clrScheme name="Office">
+    <a:clrScheme name="Adyacencia">
       <a:dk1>
-        <a:sysClr val="windowText" lastClr="000000"/>
+        <a:srgbClr val="2F2B20"/>
       </a:dk1>
       <a:lt1>
-        <a:sysClr val="window" lastClr="FFFFFF"/>
+        <a:srgbClr val="FFFFFF"/>
       </a:lt1>
       <a:dk2>
-        <a:srgbClr val="1F497D"/>
+        <a:srgbClr val="675E47"/>
       </a:dk2>
       <a:lt2>
-        <a:srgbClr val="EEECE1"/>
+        <a:srgbClr val="DFDCB7"/>
       </a:lt2>
       <a:accent1>
-        <a:srgbClr val="4F81BD"/>
+        <a:srgbClr val="A9A57C"/>
       </a:accent1>
       <a:accent2>
-        <a:srgbClr val="C0504D"/>
+        <a:srgbClr val="9CBEBD"/>
       </a:accent2>
       <a:accent3>
-        <a:srgbClr val="9BBB59"/>
+        <a:srgbClr val="D2CB6C"/>
       </a:accent3>
       <a:accent4>
-        <a:srgbClr val="8064A2"/>
+        <a:srgbClr val="95A39D"/>
       </a:accent4>
       <a:accent5>
-        <a:srgbClr val="4BACC6"/>
+        <a:srgbClr val="C89F5D"/>
       </a:accent5>
       <a:accent6>
-        <a:srgbClr val="F79646"/>
+        <a:srgbClr val="B1A089"/>
       </a:accent6>
       <a:hlink>
-        <a:srgbClr val="0000FF"/>
+        <a:srgbClr val="D25814"/>
       </a:hlink>
       <a:folHlink>
-        <a:srgbClr val="800080"/>
+        <a:srgbClr val="849A0A"/>
       </a:folHlink>
     </a:clrScheme>
     <a:fontScheme name="Office">
       <a:majorFont>
-        <a:latin typeface="Calibri"/>
+        <a:latin typeface="Cambria"/>
         <a:ea typeface=""/>
         <a:cs typeface=""/>
-        <a:font script="Jpan" typeface="ＭＳ Ｐゴシック"/>
+        <a:font script="Jpan" typeface="ＭＳ ゴシック"/>
         <a:font script="Hang" typeface="맑은 고딕"/>
         <a:font script="Hans" typeface="宋体"/>
         <a:font script="Hant" typeface="新細明體"/>
@@ -4754,7 +4830,7 @@
         <a:latin typeface="Calibri"/>
         <a:ea typeface=""/>
         <a:cs typeface=""/>
-        <a:font script="Jpan" typeface="ＭＳ Ｐゴシック"/>
+        <a:font script="Jpan" typeface="ＭＳ 明朝"/>
         <a:font script="Hang" typeface="맑은 고딕"/>
         <a:font script="Hans" typeface="宋体"/>
         <a:font script="Hant" typeface="新細明體"/>
@@ -4786,60 +4862,22 @@
         <a:font script="Geor" typeface="Sylfaen"/>
       </a:minorFont>
     </a:fontScheme>
-    <a:fmtScheme name="Office">
+    <a:fmtScheme name="Adyacencia">
       <a:fillStyleLst>
         <a:solidFill>
           <a:schemeClr val="phClr"/>
         </a:solidFill>
-        <a:gradFill rotWithShape="1">
-          <a:gsLst>
-            <a:gs pos="0">
-              <a:schemeClr val="phClr">
-                <a:tint val="50000"/>
-                <a:satMod val="300000"/>
-              </a:schemeClr>
-            </a:gs>
-            <a:gs pos="35000">
-              <a:schemeClr val="phClr">
-                <a:tint val="37000"/>
-                <a:satMod val="300000"/>
-              </a:schemeClr>
-            </a:gs>
-            <a:gs pos="100000">
-              <a:schemeClr val="phClr">
-                <a:tint val="15000"/>
-                <a:satMod val="350000"/>
-              </a:schemeClr>
-            </a:gs>
-          </a:gsLst>
-          <a:lin ang="16200000" scaled="1"/>
-        </a:gradFill>
-        <a:gradFill rotWithShape="1">
-          <a:gsLst>
-            <a:gs pos="0">
-              <a:schemeClr val="phClr">
-                <a:shade val="51000"/>
-                <a:satMod val="130000"/>
-              </a:schemeClr>
-            </a:gs>
-            <a:gs pos="80000">
-              <a:schemeClr val="phClr">
-                <a:shade val="93000"/>
-                <a:satMod val="130000"/>
-              </a:schemeClr>
-            </a:gs>
-            <a:gs pos="100000">
-              <a:schemeClr val="phClr">
-                <a:shade val="94000"/>
-                <a:satMod val="135000"/>
-              </a:schemeClr>
-            </a:gs>
-          </a:gsLst>
-          <a:lin ang="16200000" scaled="0"/>
-        </a:gradFill>
+        <a:solidFill>
+          <a:schemeClr val="phClr">
+            <a:tint val="55000"/>
+          </a:schemeClr>
+        </a:solidFill>
+        <a:solidFill>
+          <a:schemeClr val="phClr"/>
+        </a:solidFill>
       </a:fillStyleLst>
       <a:lnStyleLst>
-        <a:ln w="9525" cap="flat" cmpd="sng" algn="ctr">
+        <a:ln w="12700" cap="flat" cmpd="sng" algn="ctr">
           <a:solidFill>
             <a:schemeClr val="phClr">
               <a:shade val="95000"/>
@@ -4863,41 +4901,35 @@
       </a:lnStyleLst>
       <a:effectStyleLst>
         <a:effectStyle>
+          <a:effectLst/>
+        </a:effectStyle>
+        <a:effectStyle>
           <a:effectLst>
-            <a:outerShdw blurRad="40000" dist="20000" dir="5400000" rotWithShape="0">
+            <a:outerShdw blurRad="50800" dist="25400" algn="bl" rotWithShape="0">
               <a:srgbClr val="000000">
-                <a:alpha val="38000"/>
+                <a:alpha val="60000"/>
               </a:srgbClr>
             </a:outerShdw>
           </a:effectLst>
         </a:effectStyle>
         <a:effectStyle>
-          <a:effectLst>
-            <a:outerShdw blurRad="40000" dist="23000" dir="5400000" rotWithShape="0">
-              <a:srgbClr val="000000">
-                <a:alpha val="35000"/>
-              </a:srgbClr>
-            </a:outerShdw>
-          </a:effectLst>
-        </a:effectStyle>
-        <a:effectStyle>
-          <a:effectLst>
-            <a:outerShdw blurRad="40000" dist="23000" dir="5400000" rotWithShape="0">
-              <a:srgbClr val="000000">
-                <a:alpha val="35000"/>
-              </a:srgbClr>
-            </a:outerShdw>
-          </a:effectLst>
+          <a:effectLst/>
           <a:scene3d>
             <a:camera prst="orthographicFront">
               <a:rot lat="0" lon="0" rev="0"/>
             </a:camera>
-            <a:lightRig rig="threePt" dir="t">
-              <a:rot lat="0" lon="0" rev="1200000"/>
+            <a:lightRig rig="brightRoom" dir="tl">
+              <a:rot lat="0" lon="0" rev="1800000"/>
             </a:lightRig>
           </a:scene3d>
-          <a:sp3d>
-            <a:bevelT w="63500" h="25400"/>
+          <a:sp3d contourW="10160" prstMaterial="dkEdge">
+            <a:bevelT w="38100" h="50800" prst="angle"/>
+            <a:contourClr>
+              <a:schemeClr val="phClr">
+                <a:shade val="40000"/>
+                <a:satMod val="150000"/>
+              </a:schemeClr>
+            </a:contourClr>
           </a:sp3d>
         </a:effectStyle>
       </a:effectStyleLst>
@@ -4909,47 +4941,39 @@
           <a:gsLst>
             <a:gs pos="0">
               <a:schemeClr val="phClr">
-                <a:tint val="40000"/>
-                <a:satMod val="350000"/>
+                <a:tint val="90000"/>
               </a:schemeClr>
             </a:gs>
-            <a:gs pos="40000">
+            <a:gs pos="75000">
               <a:schemeClr val="phClr">
-                <a:tint val="45000"/>
-                <a:shade val="99000"/>
-                <a:satMod val="350000"/>
+                <a:shade val="100000"/>
+                <a:satMod val="115000"/>
               </a:schemeClr>
             </a:gs>
             <a:gs pos="100000">
               <a:schemeClr val="phClr">
-                <a:shade val="20000"/>
-                <a:satMod val="255000"/>
+                <a:shade val="70000"/>
+                <a:satMod val="130000"/>
               </a:schemeClr>
             </a:gs>
           </a:gsLst>
           <a:path path="circle">
-            <a:fillToRect l="50000" t="-80000" r="50000" b="180000"/>
+            <a:fillToRect l="20000" t="50000" r="100000" b="50000"/>
           </a:path>
         </a:gradFill>
-        <a:gradFill rotWithShape="1">
-          <a:gsLst>
-            <a:gs pos="0">
+        <a:blipFill rotWithShape="1">
+          <a:blip xmlns:r="http://schemas.openxmlformats.org/officeDocument/2006/relationships" r:embed="rId1">
+            <a:duotone>
               <a:schemeClr val="phClr">
-                <a:tint val="80000"/>
-                <a:satMod val="300000"/>
+                <a:tint val="97000"/>
               </a:schemeClr>
-            </a:gs>
-            <a:gs pos="100000">
               <a:schemeClr val="phClr">
-                <a:shade val="30000"/>
-                <a:satMod val="200000"/>
+                <a:shade val="96000"/>
               </a:schemeClr>
-            </a:gs>
-          </a:gsLst>
-          <a:path path="circle">
-            <a:fillToRect l="50000" t="50000" r="50000" b="50000"/>
-          </a:path>
-        </a:gradFill>
+            </a:duotone>
+          </a:blip>
+          <a:tile tx="0" ty="0" sx="32000" sy="32000" flip="none" algn="tl"/>
+        </a:blipFill>
       </a:bgFillStyleLst>
     </a:fmtScheme>
   </a:themeElements>

--- a/7 - Etapa de la justificación.pptx
+++ b/7 - Etapa de la justificación.pptx
@@ -308,7 +308,8 @@
           <a:p>
             <a:fld id="{A7FEB2D6-495D-4236-B837-9393FEE4B86F}" type="datetimeFigureOut">
               <a:rPr lang="es-MX" smtClean="0"/>
-              <a:t>26/05/2015</a:t>
+              <a:pPr/>
+              <a:t>27/05/2015</a:t>
             </a:fld>
             <a:endParaRPr lang="es-MX"/>
           </a:p>
@@ -350,6 +351,7 @@
           <a:p>
             <a:fld id="{03E40D4C-4D96-43AB-B575-74BF4CED1F94}" type="slidenum">
               <a:rPr lang="es-MX" smtClean="0"/>
+              <a:pPr/>
               <a:t>‹Nº›</a:t>
             </a:fld>
             <a:endParaRPr lang="es-MX"/>
@@ -473,7 +475,8 @@
           <a:p>
             <a:fld id="{A7FEB2D6-495D-4236-B837-9393FEE4B86F}" type="datetimeFigureOut">
               <a:rPr lang="es-MX" smtClean="0"/>
-              <a:t>26/05/2015</a:t>
+              <a:pPr/>
+              <a:t>27/05/2015</a:t>
             </a:fld>
             <a:endParaRPr lang="es-MX"/>
           </a:p>
@@ -515,6 +518,7 @@
           <a:p>
             <a:fld id="{03E40D4C-4D96-43AB-B575-74BF4CED1F94}" type="slidenum">
               <a:rPr lang="es-MX" smtClean="0"/>
+              <a:pPr/>
               <a:t>‹Nº›</a:t>
             </a:fld>
             <a:endParaRPr lang="es-MX"/>
@@ -648,7 +652,8 @@
           <a:p>
             <a:fld id="{A7FEB2D6-495D-4236-B837-9393FEE4B86F}" type="datetimeFigureOut">
               <a:rPr lang="es-MX" smtClean="0"/>
-              <a:t>26/05/2015</a:t>
+              <a:pPr/>
+              <a:t>27/05/2015</a:t>
             </a:fld>
             <a:endParaRPr lang="es-MX"/>
           </a:p>
@@ -690,6 +695,7 @@
           <a:p>
             <a:fld id="{03E40D4C-4D96-43AB-B575-74BF4CED1F94}" type="slidenum">
               <a:rPr lang="es-MX" smtClean="0"/>
+              <a:pPr/>
               <a:t>‹Nº›</a:t>
             </a:fld>
             <a:endParaRPr lang="es-MX"/>
@@ -813,7 +819,8 @@
           <a:p>
             <a:fld id="{A7FEB2D6-495D-4236-B837-9393FEE4B86F}" type="datetimeFigureOut">
               <a:rPr lang="es-MX" smtClean="0"/>
-              <a:t>26/05/2015</a:t>
+              <a:pPr/>
+              <a:t>27/05/2015</a:t>
             </a:fld>
             <a:endParaRPr lang="es-MX"/>
           </a:p>
@@ -855,6 +862,7 @@
           <a:p>
             <a:fld id="{03E40D4C-4D96-43AB-B575-74BF4CED1F94}" type="slidenum">
               <a:rPr lang="es-MX" smtClean="0"/>
+              <a:pPr/>
               <a:t>‹Nº›</a:t>
             </a:fld>
             <a:endParaRPr lang="es-MX"/>
@@ -1054,7 +1062,8 @@
           <a:p>
             <a:fld id="{A7FEB2D6-495D-4236-B837-9393FEE4B86F}" type="datetimeFigureOut">
               <a:rPr lang="es-MX" smtClean="0"/>
-              <a:t>26/05/2015</a:t>
+              <a:pPr/>
+              <a:t>27/05/2015</a:t>
             </a:fld>
             <a:endParaRPr lang="es-MX"/>
           </a:p>
@@ -1096,6 +1105,7 @@
           <a:p>
             <a:fld id="{03E40D4C-4D96-43AB-B575-74BF4CED1F94}" type="slidenum">
               <a:rPr lang="es-MX" smtClean="0"/>
+              <a:pPr/>
               <a:t>‹Nº›</a:t>
             </a:fld>
             <a:endParaRPr lang="es-MX"/>
@@ -1337,7 +1347,8 @@
           <a:p>
             <a:fld id="{A7FEB2D6-495D-4236-B837-9393FEE4B86F}" type="datetimeFigureOut">
               <a:rPr lang="es-MX" smtClean="0"/>
-              <a:t>26/05/2015</a:t>
+              <a:pPr/>
+              <a:t>27/05/2015</a:t>
             </a:fld>
             <a:endParaRPr lang="es-MX"/>
           </a:p>
@@ -1379,6 +1390,7 @@
           <a:p>
             <a:fld id="{03E40D4C-4D96-43AB-B575-74BF4CED1F94}" type="slidenum">
               <a:rPr lang="es-MX" smtClean="0"/>
+              <a:pPr/>
               <a:t>‹Nº›</a:t>
             </a:fld>
             <a:endParaRPr lang="es-MX"/>
@@ -1766,7 +1778,8 @@
           <a:p>
             <a:fld id="{A7FEB2D6-495D-4236-B837-9393FEE4B86F}" type="datetimeFigureOut">
               <a:rPr lang="es-MX" smtClean="0"/>
-              <a:t>26/05/2015</a:t>
+              <a:pPr/>
+              <a:t>27/05/2015</a:t>
             </a:fld>
             <a:endParaRPr lang="es-MX"/>
           </a:p>
@@ -1808,6 +1821,7 @@
           <a:p>
             <a:fld id="{03E40D4C-4D96-43AB-B575-74BF4CED1F94}" type="slidenum">
               <a:rPr lang="es-MX" smtClean="0"/>
+              <a:pPr/>
               <a:t>‹Nº›</a:t>
             </a:fld>
             <a:endParaRPr lang="es-MX"/>
@@ -1879,7 +1893,8 @@
           <a:p>
             <a:fld id="{A7FEB2D6-495D-4236-B837-9393FEE4B86F}" type="datetimeFigureOut">
               <a:rPr lang="es-MX" smtClean="0"/>
-              <a:t>26/05/2015</a:t>
+              <a:pPr/>
+              <a:t>27/05/2015</a:t>
             </a:fld>
             <a:endParaRPr lang="es-MX"/>
           </a:p>
@@ -1921,6 +1936,7 @@
           <a:p>
             <a:fld id="{03E40D4C-4D96-43AB-B575-74BF4CED1F94}" type="slidenum">
               <a:rPr lang="es-MX" smtClean="0"/>
+              <a:pPr/>
               <a:t>‹Nº›</a:t>
             </a:fld>
             <a:endParaRPr lang="es-MX"/>
@@ -1969,7 +1985,8 @@
           <a:p>
             <a:fld id="{A7FEB2D6-495D-4236-B837-9393FEE4B86F}" type="datetimeFigureOut">
               <a:rPr lang="es-MX" smtClean="0"/>
-              <a:t>26/05/2015</a:t>
+              <a:pPr/>
+              <a:t>27/05/2015</a:t>
             </a:fld>
             <a:endParaRPr lang="es-MX"/>
           </a:p>
@@ -2011,6 +2028,7 @@
           <a:p>
             <a:fld id="{03E40D4C-4D96-43AB-B575-74BF4CED1F94}" type="slidenum">
               <a:rPr lang="es-MX" smtClean="0"/>
+              <a:pPr/>
               <a:t>‹Nº›</a:t>
             </a:fld>
             <a:endParaRPr lang="es-MX"/>
@@ -2158,7 +2176,8 @@
           <a:p>
             <a:fld id="{A7FEB2D6-495D-4236-B837-9393FEE4B86F}" type="datetimeFigureOut">
               <a:rPr lang="es-MX" smtClean="0"/>
-              <a:t>26/05/2015</a:t>
+              <a:pPr/>
+              <a:t>27/05/2015</a:t>
             </a:fld>
             <a:endParaRPr lang="es-MX"/>
           </a:p>
@@ -2200,6 +2219,7 @@
           <a:p>
             <a:fld id="{03E40D4C-4D96-43AB-B575-74BF4CED1F94}" type="slidenum">
               <a:rPr lang="es-MX" smtClean="0"/>
+              <a:pPr/>
               <a:t>‹Nº›</a:t>
             </a:fld>
             <a:endParaRPr lang="es-MX"/>
@@ -2476,7 +2496,8 @@
           <a:p>
             <a:fld id="{A7FEB2D6-495D-4236-B837-9393FEE4B86F}" type="datetimeFigureOut">
               <a:rPr lang="es-MX" smtClean="0"/>
-              <a:t>26/05/2015</a:t>
+              <a:pPr/>
+              <a:t>27/05/2015</a:t>
             </a:fld>
             <a:endParaRPr lang="es-MX"/>
           </a:p>
@@ -2499,6 +2520,7 @@
           <a:p>
             <a:fld id="{03E40D4C-4D96-43AB-B575-74BF4CED1F94}" type="slidenum">
               <a:rPr lang="es-MX" smtClean="0"/>
+              <a:pPr/>
               <a:t>‹Nº›</a:t>
             </a:fld>
             <a:endParaRPr lang="es-MX"/>
@@ -2781,6 +2803,7 @@
           <a:p>
             <a:fld id="{03E40D4C-4D96-43AB-B575-74BF4CED1F94}" type="slidenum">
               <a:rPr lang="es-MX" smtClean="0"/>
+              <a:pPr/>
               <a:t>‹Nº›</a:t>
             </a:fld>
             <a:endParaRPr lang="es-MX"/>
@@ -2855,7 +2878,8 @@
           <a:p>
             <a:fld id="{A7FEB2D6-495D-4236-B837-9393FEE4B86F}" type="datetimeFigureOut">
               <a:rPr lang="es-MX" smtClean="0"/>
-              <a:t>26/05/2015</a:t>
+              <a:pPr/>
+              <a:t>27/05/2015</a:t>
             </a:fld>
             <a:endParaRPr lang="es-MX"/>
           </a:p>
@@ -3344,7 +3368,7 @@
     </p:spTree>
     <p:extLst>
       <p:ext uri="{BB962C8B-B14F-4D97-AF65-F5344CB8AC3E}">
-        <p14:creationId xmlns:p14="http://schemas.microsoft.com/office/powerpoint/2010/main" val="2184480582"/>
+        <p14:creationId xmlns:p14="http://schemas.microsoft.com/office/powerpoint/2010/main" xmlns="" val="2184480582"/>
       </p:ext>
     </p:extLst>
   </p:cSld>
@@ -3463,7 +3487,7 @@
     </p:spTree>
     <p:extLst>
       <p:ext uri="{BB962C8B-B14F-4D97-AF65-F5344CB8AC3E}">
-        <p14:creationId xmlns:p14="http://schemas.microsoft.com/office/powerpoint/2010/main" val="780251281"/>
+        <p14:creationId xmlns:p14="http://schemas.microsoft.com/office/powerpoint/2010/main" xmlns="" val="780251281"/>
       </p:ext>
     </p:extLst>
   </p:cSld>
@@ -3615,7 +3639,7 @@
     </p:spTree>
     <p:extLst>
       <p:ext uri="{BB962C8B-B14F-4D97-AF65-F5344CB8AC3E}">
-        <p14:creationId xmlns:p14="http://schemas.microsoft.com/office/powerpoint/2010/main" val="333995158"/>
+        <p14:creationId xmlns:p14="http://schemas.microsoft.com/office/powerpoint/2010/main" xmlns="" val="333995158"/>
       </p:ext>
     </p:extLst>
   </p:cSld>
@@ -3778,7 +3802,7 @@
     </p:spTree>
     <p:extLst>
       <p:ext uri="{BB962C8B-B14F-4D97-AF65-F5344CB8AC3E}">
-        <p14:creationId xmlns:p14="http://schemas.microsoft.com/office/powerpoint/2010/main" val="3751993930"/>
+        <p14:creationId xmlns:p14="http://schemas.microsoft.com/office/powerpoint/2010/main" xmlns="" val="3751993930"/>
       </p:ext>
     </p:extLst>
   </p:cSld>
@@ -3912,7 +3936,7 @@
     </p:spTree>
     <p:extLst>
       <p:ext uri="{BB962C8B-B14F-4D97-AF65-F5344CB8AC3E}">
-        <p14:creationId xmlns:p14="http://schemas.microsoft.com/office/powerpoint/2010/main" val="153237542"/>
+        <p14:creationId xmlns:p14="http://schemas.microsoft.com/office/powerpoint/2010/main" xmlns="" val="153237542"/>
       </p:ext>
     </p:extLst>
   </p:cSld>
@@ -4140,7 +4164,7 @@
     </p:spTree>
     <p:extLst>
       <p:ext uri="{BB962C8B-B14F-4D97-AF65-F5344CB8AC3E}">
-        <p14:creationId xmlns:p14="http://schemas.microsoft.com/office/powerpoint/2010/main" val="994318583"/>
+        <p14:creationId xmlns:p14="http://schemas.microsoft.com/office/powerpoint/2010/main" xmlns="" val="994318583"/>
       </p:ext>
     </p:extLst>
   </p:cSld>
@@ -4369,7 +4393,7 @@
     </p:spTree>
     <p:extLst>
       <p:ext uri="{BB962C8B-B14F-4D97-AF65-F5344CB8AC3E}">
-        <p14:creationId xmlns:p14="http://schemas.microsoft.com/office/powerpoint/2010/main" val="276935817"/>
+        <p14:creationId xmlns:p14="http://schemas.microsoft.com/office/powerpoint/2010/main" xmlns="" val="276935817"/>
       </p:ext>
     </p:extLst>
   </p:cSld>
@@ -4719,15 +4743,7 @@
             </a:r>
             <a:r>
               <a:rPr lang="es-MX" sz="2800" dirty="0" smtClean="0"/>
-              <a:t>: compañeros que </a:t>
-            </a:r>
-            <a:r>
-              <a:rPr lang="es-MX" sz="2800" smtClean="0"/>
-              <a:t>paso pues…</a:t>
-            </a:r>
-            <a:r>
-              <a:rPr lang="es-MX" sz="2800" dirty="0" smtClean="0"/>
-              <a:t/>
+              <a:t>: compañeros que paso pues…</a:t>
             </a:r>
             <a:br>
               <a:rPr lang="es-MX" sz="2800" dirty="0" smtClean="0"/>
@@ -4736,10 +4752,52 @@
           </a:p>
         </p:txBody>
       </p:sp>
+      <p:sp>
+        <p:nvSpPr>
+          <p:cNvPr id="8" name="7 CuadroTexto"/>
+          <p:cNvSpPr txBox="1"/>
+          <p:nvPr/>
+        </p:nvSpPr>
+        <p:spPr>
+          <a:xfrm>
+            <a:off x="642910" y="4857760"/>
+            <a:ext cx="6429420" cy="369332"/>
+          </a:xfrm>
+          <a:prstGeom prst="rect">
+            <a:avLst/>
+          </a:prstGeom>
+          <a:noFill/>
+        </p:spPr>
+        <p:txBody>
+          <a:bodyPr wrap="square" rtlCol="0">
+            <a:spAutoFit/>
+          </a:bodyPr>
+          <a:lstStyle/>
+          <a:p>
+            <a:r>
+              <a:rPr lang="es-MX" b="1" dirty="0" smtClean="0">
+                <a:solidFill>
+                  <a:srgbClr val="FF0000"/>
+                </a:solidFill>
+              </a:rPr>
+              <a:t>Vicente:  </a:t>
+            </a:r>
+            <a:r>
+              <a:rPr lang="es-MX" b="1" dirty="0" smtClean="0"/>
+              <a:t>Los temas están bien.</a:t>
+            </a:r>
+            <a:endParaRPr lang="es-MX" b="1" dirty="0">
+              <a:solidFill>
+                <a:srgbClr val="FF0000"/>
+              </a:solidFill>
+            </a:endParaRPr>
+          </a:p>
+        </p:txBody>
+      </p:sp>
     </p:spTree>
     <p:extLst>
       <p:ext uri="{BB962C8B-B14F-4D97-AF65-F5344CB8AC3E}">
-        <p14:creationId xmlns:p14="http://schemas.microsoft.com/office/powerpoint/2010/main" val="290780185"/>
+        <p14:creationId xmlns:p14="http://schemas.microsoft.com/office/powerpoint/2010/main" xmlns="" val="290780185"/>
       </p:ext>
     </p:extLst>
   </p:cSld>

--- a/7 - Etapa de la justificación.pptx
+++ b/7 - Etapa de la justificación.pptx
@@ -3368,7 +3368,7 @@
     </p:spTree>
     <p:extLst>
       <p:ext uri="{BB962C8B-B14F-4D97-AF65-F5344CB8AC3E}">
-        <p14:creationId xmlns:p14="http://schemas.microsoft.com/office/powerpoint/2010/main" xmlns="" val="2184480582"/>
+        <p14:creationId xmlns:p14="http://schemas.microsoft.com/office/powerpoint/2010/main" val="2184480582"/>
       </p:ext>
     </p:extLst>
   </p:cSld>
@@ -3487,7 +3487,7 @@
     </p:spTree>
     <p:extLst>
       <p:ext uri="{BB962C8B-B14F-4D97-AF65-F5344CB8AC3E}">
-        <p14:creationId xmlns:p14="http://schemas.microsoft.com/office/powerpoint/2010/main" xmlns="" val="780251281"/>
+        <p14:creationId xmlns:p14="http://schemas.microsoft.com/office/powerpoint/2010/main" val="780251281"/>
       </p:ext>
     </p:extLst>
   </p:cSld>
@@ -3639,7 +3639,7 @@
     </p:spTree>
     <p:extLst>
       <p:ext uri="{BB962C8B-B14F-4D97-AF65-F5344CB8AC3E}">
-        <p14:creationId xmlns:p14="http://schemas.microsoft.com/office/powerpoint/2010/main" xmlns="" val="333995158"/>
+        <p14:creationId xmlns:p14="http://schemas.microsoft.com/office/powerpoint/2010/main" val="333995158"/>
       </p:ext>
     </p:extLst>
   </p:cSld>
@@ -3802,7 +3802,7 @@
     </p:spTree>
     <p:extLst>
       <p:ext uri="{BB962C8B-B14F-4D97-AF65-F5344CB8AC3E}">
-        <p14:creationId xmlns:p14="http://schemas.microsoft.com/office/powerpoint/2010/main" xmlns="" val="3751993930"/>
+        <p14:creationId xmlns:p14="http://schemas.microsoft.com/office/powerpoint/2010/main" val="3751993930"/>
       </p:ext>
     </p:extLst>
   </p:cSld>
@@ -3936,7 +3936,7 @@
     </p:spTree>
     <p:extLst>
       <p:ext uri="{BB962C8B-B14F-4D97-AF65-F5344CB8AC3E}">
-        <p14:creationId xmlns:p14="http://schemas.microsoft.com/office/powerpoint/2010/main" xmlns="" val="153237542"/>
+        <p14:creationId xmlns:p14="http://schemas.microsoft.com/office/powerpoint/2010/main" val="153237542"/>
       </p:ext>
     </p:extLst>
   </p:cSld>
@@ -4164,7 +4164,7 @@
     </p:spTree>
     <p:extLst>
       <p:ext uri="{BB962C8B-B14F-4D97-AF65-F5344CB8AC3E}">
-        <p14:creationId xmlns:p14="http://schemas.microsoft.com/office/powerpoint/2010/main" xmlns="" val="994318583"/>
+        <p14:creationId xmlns:p14="http://schemas.microsoft.com/office/powerpoint/2010/main" val="994318583"/>
       </p:ext>
     </p:extLst>
   </p:cSld>
@@ -4393,7 +4393,7 @@
     </p:spTree>
     <p:extLst>
       <p:ext uri="{BB962C8B-B14F-4D97-AF65-F5344CB8AC3E}">
-        <p14:creationId xmlns:p14="http://schemas.microsoft.com/office/powerpoint/2010/main" xmlns="" val="276935817"/>
+        <p14:creationId xmlns:p14="http://schemas.microsoft.com/office/powerpoint/2010/main" val="276935817"/>
       </p:ext>
     </p:extLst>
   </p:cSld>
@@ -4571,9 +4571,33 @@
               <a:rPr lang="es-MX" sz="2800" dirty="0" smtClean="0"/>
               <a:t>: Temas interesantes. Hace falta información.</a:t>
             </a:r>
+            <a:r>
+              <a:rPr lang="es-MX" sz="2800" dirty="0" smtClean="0">
+                <a:solidFill>
+                  <a:srgbClr val="FF0000"/>
+                </a:solidFill>
+              </a:rPr>
+              <a:t/>
+            </a:r>
             <a:br>
+              <a:rPr lang="es-MX" sz="2800" dirty="0" smtClean="0">
+                <a:solidFill>
+                  <a:srgbClr val="FF0000"/>
+                </a:solidFill>
+              </a:rPr>
+            </a:br>
+            <a:r>
+              <a:rPr lang="es-MX" sz="2800" dirty="0" smtClean="0">
+                <a:solidFill>
+                  <a:srgbClr val="FF0000"/>
+                </a:solidFill>
+              </a:rPr>
+              <a:t>Luis</a:t>
+            </a:r>
+            <a:r>
               <a:rPr lang="es-MX" sz="2800" dirty="0" smtClean="0"/>
-            </a:br>
+              <a:t>: Muy buena información.</a:t>
+            </a:r>
             <a:endParaRPr lang="es-MX" sz="2800" dirty="0"/>
           </a:p>
         </p:txBody>
@@ -4797,7 +4821,7 @@
     </p:spTree>
     <p:extLst>
       <p:ext uri="{BB962C8B-B14F-4D97-AF65-F5344CB8AC3E}">
-        <p14:creationId xmlns:p14="http://schemas.microsoft.com/office/powerpoint/2010/main" xmlns="" val="290780185"/>
+        <p14:creationId xmlns:p14="http://schemas.microsoft.com/office/powerpoint/2010/main" val="290780185"/>
       </p:ext>
     </p:extLst>
   </p:cSld>

--- a/7 - Etapa de la justificación.pptx
+++ b/7 - Etapa de la justificación.pptx
@@ -111,6 +111,22 @@
       </a:defRPr>
     </a:lvl9pPr>
   </p:defaultTextStyle>
+  <p:extLst>
+    <p:ext uri="{EFAFB233-063F-42B5-8137-9DF3F51BA10A}">
+      <p15:sldGuideLst xmlns:p15="http://schemas.microsoft.com/office/powerpoint/2012/main">
+        <p15:guide id="1" orient="horz" pos="2160">
+          <p15:clr>
+            <a:srgbClr val="A4A3A4"/>
+          </p15:clr>
+        </p15:guide>
+        <p15:guide id="2" pos="2880">
+          <p15:clr>
+            <a:srgbClr val="A4A3A4"/>
+          </p15:clr>
+        </p15:guide>
+      </p15:sldGuideLst>
+    </p:ext>
+  </p:extLst>
 </p:presentation>
 </file>
 
@@ -3375,6 +3391,13 @@
   <p:clrMapOvr>
     <a:masterClrMapping/>
   </p:clrMapOvr>
+  <p:timing>
+    <p:tnLst>
+      <p:par>
+        <p:cTn id="1" dur="indefinite" restart="never" nodeType="tmRoot"/>
+      </p:par>
+    </p:tnLst>
+  </p:timing>
 </p:sld>
 </file>
 
@@ -3494,6 +3517,13 @@
   <p:clrMapOvr>
     <a:masterClrMapping/>
   </p:clrMapOvr>
+  <p:timing>
+    <p:tnLst>
+      <p:par>
+        <p:cTn id="1" dur="indefinite" restart="never" nodeType="tmRoot"/>
+      </p:par>
+    </p:tnLst>
+  </p:timing>
 </p:sld>
 </file>
 
@@ -3646,6 +3676,13 @@
   <p:clrMapOvr>
     <a:masterClrMapping/>
   </p:clrMapOvr>
+  <p:timing>
+    <p:tnLst>
+      <p:par>
+        <p:cTn id="1" dur="indefinite" restart="never" nodeType="tmRoot"/>
+      </p:par>
+    </p:tnLst>
+  </p:timing>
 </p:sld>
 </file>
 
@@ -3809,6 +3846,13 @@
   <p:clrMapOvr>
     <a:masterClrMapping/>
   </p:clrMapOvr>
+  <p:timing>
+    <p:tnLst>
+      <p:par>
+        <p:cTn id="1" dur="indefinite" restart="never" nodeType="tmRoot"/>
+      </p:par>
+    </p:tnLst>
+  </p:timing>
 </p:sld>
 </file>
 
@@ -3943,6 +3987,13 @@
   <p:clrMapOvr>
     <a:masterClrMapping/>
   </p:clrMapOvr>
+  <p:timing>
+    <p:tnLst>
+      <p:par>
+        <p:cTn id="1" dur="indefinite" restart="never" nodeType="tmRoot"/>
+      </p:par>
+    </p:tnLst>
+  </p:timing>
 </p:sld>
 </file>
 
@@ -4171,6 +4222,13 @@
   <p:clrMapOvr>
     <a:masterClrMapping/>
   </p:clrMapOvr>
+  <p:timing>
+    <p:tnLst>
+      <p:par>
+        <p:cTn id="1" dur="indefinite" restart="never" nodeType="tmRoot"/>
+      </p:par>
+    </p:tnLst>
+  </p:timing>
 </p:sld>
 </file>
 
@@ -4400,6 +4458,13 @@
   <p:clrMapOvr>
     <a:masterClrMapping/>
   </p:clrMapOvr>
+  <p:timing>
+    <p:tnLst>
+      <p:par>
+        <p:cTn id="1" dur="indefinite" restart="never" nodeType="tmRoot"/>
+      </p:par>
+    </p:tnLst>
+  </p:timing>
 </p:sld>
 </file>
 
@@ -4472,7 +4537,7 @@
         </p:nvSpPr>
         <p:spPr>
           <a:xfrm>
-            <a:off x="539552" y="1412776"/>
+            <a:off x="539552" y="1072823"/>
             <a:ext cx="8229600" cy="1143000"/>
           </a:xfrm>
           <a:prstGeom prst="rect">
@@ -4511,11 +4576,12 @@
             </a:r>
             <a:r>
               <a:rPr lang="es-MX" sz="2800" dirty="0" smtClean="0"/>
-              <a:t>: interesantes temas para investigar, ojala encuentres información y la puedas acomodar.</a:t>
-            </a:r>
-            <a:br>
+              <a:t>: interesantes temas para investigar, ojala encuentres información y la puedas acomodar</a:t>
+            </a:r>
+            <a:r>
               <a:rPr lang="es-MX" sz="2800" dirty="0" smtClean="0"/>
-            </a:br>
+              <a:t>.</a:t>
+            </a:r>
             <a:endParaRPr lang="es-MX" sz="2800" dirty="0"/>
           </a:p>
         </p:txBody>
@@ -4530,7 +4596,7 @@
         </p:nvSpPr>
         <p:spPr>
           <a:xfrm>
-            <a:off x="539552" y="2596952"/>
+            <a:off x="522161" y="1988840"/>
             <a:ext cx="8229600" cy="1143000"/>
           </a:xfrm>
           <a:prstGeom prst="rect">
@@ -4612,7 +4678,7 @@
         </p:nvSpPr>
         <p:spPr>
           <a:xfrm>
-            <a:off x="539552" y="3573016"/>
+            <a:off x="541805" y="2951536"/>
             <a:ext cx="8229600" cy="1143000"/>
           </a:xfrm>
           <a:prstGeom prst="rect">
@@ -4670,7 +4736,7 @@
         </p:nvSpPr>
         <p:spPr>
           <a:xfrm>
-            <a:off x="539552" y="4144516"/>
+            <a:off x="539552" y="3626379"/>
             <a:ext cx="8229600" cy="1143000"/>
           </a:xfrm>
           <a:prstGeom prst="rect">
@@ -4729,7 +4795,7 @@
         <p:spPr>
           <a:xfrm>
             <a:off x="539552" y="5287516"/>
-            <a:ext cx="8229600" cy="1143000"/>
+            <a:ext cx="8229600" cy="1453852"/>
           </a:xfrm>
           <a:prstGeom prst="rect">
             <a:avLst/>
@@ -4767,11 +4833,38 @@
             </a:r>
             <a:r>
               <a:rPr lang="es-MX" sz="2800" dirty="0" smtClean="0"/>
+              <a:t>: compañeros que paso pues</a:t>
+            </a:r>
+            <a:r>
+              <a:rPr lang="es-MX" sz="2800" dirty="0" smtClean="0"/>
+              <a:t>…</a:t>
+            </a:r>
+          </a:p>
+          <a:p>
+            <a:pPr algn="l"/>
+            <a:r>
+              <a:rPr lang="es-MX" sz="2800" smtClean="0">
+                <a:solidFill>
+                  <a:srgbClr val="FF0000"/>
+                </a:solidFill>
+              </a:rPr>
+              <a:t>Javier Lizárraga</a:t>
+            </a:r>
+            <a:r>
+              <a:rPr lang="es-MX" sz="2800" smtClean="0"/>
               <a:t>: </a:t>
             </a:r>
             <a:r>
               <a:rPr lang="es-MX" sz="2800" dirty="0" smtClean="0"/>
-              <a:t>compañeros que paso pues…</a:t>
+              <a:t>Es bueno saber porque nuestra carrera tiene justificación en el mercado. Muy interesante.</a:t>
+            </a:r>
+            <a:endParaRPr lang="es-MX" sz="2800" dirty="0"/>
+          </a:p>
+          <a:p>
+            <a:pPr algn="l"/>
+            <a:r>
+              <a:rPr lang="es-MX" sz="2800" dirty="0" smtClean="0"/>
+              <a:t/>
             </a:r>
             <a:br>
               <a:rPr lang="es-MX" sz="2800" dirty="0" smtClean="0"/>
@@ -4788,7 +4881,7 @@
         </p:nvSpPr>
         <p:spPr>
           <a:xfrm>
-            <a:off x="642910" y="4857760"/>
+            <a:off x="611560" y="4279038"/>
             <a:ext cx="6429420" cy="369332"/>
           </a:xfrm>
           <a:prstGeom prst="rect">
@@ -4832,6 +4925,13 @@
   <p:clrMapOvr>
     <a:masterClrMapping/>
   </p:clrMapOvr>
+  <p:timing>
+    <p:tnLst>
+      <p:par>
+        <p:cTn id="1" dur="indefinite" restart="never" nodeType="tmRoot"/>
+      </p:par>
+    </p:tnLst>
+  </p:timing>
 </p:sld>
 </file>
 
